--- a/exp2/theoryimage/theory.pptx
+++ b/exp2/theoryimage/theory.pptx
@@ -7,20 +7,19 @@
   <p:sldIdLst>
     <p:sldId id="256" r:id="rId2"/>
     <p:sldId id="257" r:id="rId3"/>
-    <p:sldId id="258" r:id="rId4"/>
-    <p:sldId id="259" r:id="rId5"/>
-    <p:sldId id="261" r:id="rId6"/>
-    <p:sldId id="263" r:id="rId7"/>
-    <p:sldId id="264" r:id="rId8"/>
-    <p:sldId id="260" r:id="rId9"/>
-    <p:sldId id="262" r:id="rId10"/>
-    <p:sldId id="265" r:id="rId11"/>
-    <p:sldId id="266" r:id="rId12"/>
-    <p:sldId id="267" r:id="rId13"/>
-    <p:sldId id="268" r:id="rId14"/>
-    <p:sldId id="269" r:id="rId15"/>
-    <p:sldId id="270" r:id="rId16"/>
-    <p:sldId id="271" r:id="rId17"/>
+    <p:sldId id="259" r:id="rId4"/>
+    <p:sldId id="261" r:id="rId5"/>
+    <p:sldId id="263" r:id="rId6"/>
+    <p:sldId id="264" r:id="rId7"/>
+    <p:sldId id="260" r:id="rId8"/>
+    <p:sldId id="262" r:id="rId9"/>
+    <p:sldId id="265" r:id="rId10"/>
+    <p:sldId id="266" r:id="rId11"/>
+    <p:sldId id="267" r:id="rId12"/>
+    <p:sldId id="268" r:id="rId13"/>
+    <p:sldId id="269" r:id="rId14"/>
+    <p:sldId id="270" r:id="rId15"/>
+    <p:sldId id="271" r:id="rId16"/>
   </p:sldIdLst>
   <p:sldSz cx="12192000" cy="6858000"/>
   <p:notesSz cx="6858000" cy="9144000"/>
@@ -126,7 +125,6 @@
           <p14:sldIdLst>
             <p14:sldId id="256"/>
             <p14:sldId id="257"/>
-            <p14:sldId id="258"/>
             <p14:sldId id="259"/>
             <p14:sldId id="261"/>
             <p14:sldId id="263"/>
@@ -653,7 +651,7 @@
           <a:p>
             <a:fld id="{BF296BE0-BB98-46DF-BE3F-513DB5D7BF4E}" type="datetimeFigureOut">
               <a:rPr lang="en-IN" smtClean="0"/>
-              <a:t>12-01-2022</a:t>
+              <a:t>25-01-2022</a:t>
             </a:fld>
             <a:endParaRPr lang="en-IN"/>
           </a:p>
@@ -949,7 +947,7 @@
           <a:p>
             <a:fld id="{BF296BE0-BB98-46DF-BE3F-513DB5D7BF4E}" type="datetimeFigureOut">
               <a:rPr lang="en-IN" smtClean="0"/>
-              <a:t>12-01-2022</a:t>
+              <a:t>25-01-2022</a:t>
             </a:fld>
             <a:endParaRPr lang="en-IN"/>
           </a:p>
@@ -1197,7 +1195,7 @@
           <a:p>
             <a:fld id="{BF296BE0-BB98-46DF-BE3F-513DB5D7BF4E}" type="datetimeFigureOut">
               <a:rPr lang="en-IN" smtClean="0"/>
-              <a:t>12-01-2022</a:t>
+              <a:t>25-01-2022</a:t>
             </a:fld>
             <a:endParaRPr lang="en-IN"/>
           </a:p>
@@ -1737,7 +1735,7 @@
           <a:p>
             <a:fld id="{BF296BE0-BB98-46DF-BE3F-513DB5D7BF4E}" type="datetimeFigureOut">
               <a:rPr lang="en-IN" smtClean="0"/>
-              <a:t>12-01-2022</a:t>
+              <a:t>25-01-2022</a:t>
             </a:fld>
             <a:endParaRPr lang="en-IN"/>
           </a:p>
@@ -1985,7 +1983,7 @@
           <a:p>
             <a:fld id="{BF296BE0-BB98-46DF-BE3F-513DB5D7BF4E}" type="datetimeFigureOut">
               <a:rPr lang="en-IN" smtClean="0"/>
-              <a:t>12-01-2022</a:t>
+              <a:t>25-01-2022</a:t>
             </a:fld>
             <a:endParaRPr lang="en-IN"/>
           </a:p>
@@ -2517,7 +2515,7 @@
           <a:p>
             <a:fld id="{BF296BE0-BB98-46DF-BE3F-513DB5D7BF4E}" type="datetimeFigureOut">
               <a:rPr lang="en-IN" smtClean="0"/>
-              <a:t>12-01-2022</a:t>
+              <a:t>25-01-2022</a:t>
             </a:fld>
             <a:endParaRPr lang="en-IN"/>
           </a:p>
@@ -2814,7 +2812,7 @@
           <a:p>
             <a:fld id="{BF296BE0-BB98-46DF-BE3F-513DB5D7BF4E}" type="datetimeFigureOut">
               <a:rPr lang="en-IN" smtClean="0"/>
-              <a:t>12-01-2022</a:t>
+              <a:t>25-01-2022</a:t>
             </a:fld>
             <a:endParaRPr lang="en-IN"/>
           </a:p>
@@ -2988,7 +2986,7 @@
           <a:p>
             <a:fld id="{BF296BE0-BB98-46DF-BE3F-513DB5D7BF4E}" type="datetimeFigureOut">
               <a:rPr lang="en-IN" smtClean="0"/>
-              <a:t>12-01-2022</a:t>
+              <a:t>25-01-2022</a:t>
             </a:fld>
             <a:endParaRPr lang="en-IN"/>
           </a:p>
@@ -3168,7 +3166,7 @@
           <a:p>
             <a:fld id="{BF296BE0-BB98-46DF-BE3F-513DB5D7BF4E}" type="datetimeFigureOut">
               <a:rPr lang="en-IN" smtClean="0"/>
-              <a:t>12-01-2022</a:t>
+              <a:t>25-01-2022</a:t>
             </a:fld>
             <a:endParaRPr lang="en-IN"/>
           </a:p>
@@ -3338,7 +3336,7 @@
           <a:p>
             <a:fld id="{BF296BE0-BB98-46DF-BE3F-513DB5D7BF4E}" type="datetimeFigureOut">
               <a:rPr lang="en-IN" smtClean="0"/>
-              <a:t>12-01-2022</a:t>
+              <a:t>25-01-2022</a:t>
             </a:fld>
             <a:endParaRPr lang="en-IN"/>
           </a:p>
@@ -3589,7 +3587,7 @@
           <a:p>
             <a:fld id="{BF296BE0-BB98-46DF-BE3F-513DB5D7BF4E}" type="datetimeFigureOut">
               <a:rPr lang="en-IN" smtClean="0"/>
-              <a:t>12-01-2022</a:t>
+              <a:t>25-01-2022</a:t>
             </a:fld>
             <a:endParaRPr lang="en-IN"/>
           </a:p>
@@ -3886,7 +3884,7 @@
           <a:p>
             <a:fld id="{BF296BE0-BB98-46DF-BE3F-513DB5D7BF4E}" type="datetimeFigureOut">
               <a:rPr lang="en-IN" smtClean="0"/>
-              <a:t>12-01-2022</a:t>
+              <a:t>25-01-2022</a:t>
             </a:fld>
             <a:endParaRPr lang="en-IN"/>
           </a:p>
@@ -4328,7 +4326,7 @@
           <a:p>
             <a:fld id="{BF296BE0-BB98-46DF-BE3F-513DB5D7BF4E}" type="datetimeFigureOut">
               <a:rPr lang="en-IN" smtClean="0"/>
-              <a:t>12-01-2022</a:t>
+              <a:t>25-01-2022</a:t>
             </a:fld>
             <a:endParaRPr lang="en-IN"/>
           </a:p>
@@ -4446,7 +4444,7 @@
           <a:p>
             <a:fld id="{BF296BE0-BB98-46DF-BE3F-513DB5D7BF4E}" type="datetimeFigureOut">
               <a:rPr lang="en-IN" smtClean="0"/>
-              <a:t>12-01-2022</a:t>
+              <a:t>25-01-2022</a:t>
             </a:fld>
             <a:endParaRPr lang="en-IN"/>
           </a:p>
@@ -4541,7 +4539,7 @@
           <a:p>
             <a:fld id="{BF296BE0-BB98-46DF-BE3F-513DB5D7BF4E}" type="datetimeFigureOut">
               <a:rPr lang="en-IN" smtClean="0"/>
-              <a:t>12-01-2022</a:t>
+              <a:t>25-01-2022</a:t>
             </a:fld>
             <a:endParaRPr lang="en-IN"/>
           </a:p>
@@ -4824,7 +4822,7 @@
           <a:p>
             <a:fld id="{BF296BE0-BB98-46DF-BE3F-513DB5D7BF4E}" type="datetimeFigureOut">
               <a:rPr lang="en-IN" smtClean="0"/>
-              <a:t>12-01-2022</a:t>
+              <a:t>25-01-2022</a:t>
             </a:fld>
             <a:endParaRPr lang="en-IN"/>
           </a:p>
@@ -5115,7 +5113,7 @@
           <a:p>
             <a:fld id="{BF296BE0-BB98-46DF-BE3F-513DB5D7BF4E}" type="datetimeFigureOut">
               <a:rPr lang="en-IN" smtClean="0"/>
-              <a:t>12-01-2022</a:t>
+              <a:t>25-01-2022</a:t>
             </a:fld>
             <a:endParaRPr lang="en-IN"/>
           </a:p>
@@ -5645,7 +5643,7 @@
           <a:p>
             <a:fld id="{BF296BE0-BB98-46DF-BE3F-513DB5D7BF4E}" type="datetimeFigureOut">
               <a:rPr lang="en-IN" smtClean="0"/>
-              <a:t>12-01-2022</a:t>
+              <a:t>25-01-2022</a:t>
             </a:fld>
             <a:endParaRPr lang="en-IN"/>
           </a:p>
@@ -6869,6 +6867,41 @@
           </a:p>
         </p:txBody>
       </p:sp>
+      <p:sp>
+        <p:nvSpPr>
+          <p:cNvPr id="2" name="Rectangle 1">
+            <a:extLst>
+              <a:ext uri="{FF2B5EF4-FFF2-40B4-BE49-F238E27FC236}">
+                <a16:creationId xmlns:a16="http://schemas.microsoft.com/office/drawing/2014/main" id="{05A25E68-B846-4978-8CBA-337259A2E145}"/>
+              </a:ext>
+            </a:extLst>
+          </p:cNvPr>
+          <p:cNvSpPr/>
+          <p:nvPr/>
+        </p:nvSpPr>
+        <p:spPr>
+          <a:xfrm>
+            <a:off x="3946725" y="3244334"/>
+            <a:ext cx="4298549" cy="369332"/>
+          </a:xfrm>
+          <a:prstGeom prst="rect">
+            <a:avLst/>
+          </a:prstGeom>
+        </p:spPr>
+        <p:txBody>
+          <a:bodyPr wrap="none">
+            <a:spAutoFit/>
+          </a:bodyPr>
+          <a:lstStyle/>
+          <a:p>
+            <a:r>
+              <a:rPr lang="en-US" dirty="0"/>
+              <a:t> To study and verify Parallel RC &amp; RL Circuit </a:t>
+            </a:r>
+            <a:endParaRPr lang="en-IN" dirty="0"/>
+          </a:p>
+        </p:txBody>
+      </p:sp>
     </p:spTree>
     <p:extLst>
       <p:ext uri="{BB962C8B-B14F-4D97-AF65-F5344CB8AC3E}">
@@ -6883,190 +6916,6 @@
 </file>
 
 <file path=ppt/slides/slide10.xml><?xml version="1.0" encoding="utf-8"?>
-<p:sld xmlns:a="http://schemas.openxmlformats.org/drawingml/2006/main" xmlns:r="http://schemas.openxmlformats.org/officeDocument/2006/relationships" xmlns:p="http://schemas.openxmlformats.org/presentationml/2006/main">
-  <p:cSld>
-    <p:spTree>
-      <p:nvGrpSpPr>
-        <p:cNvPr id="1" name=""/>
-        <p:cNvGrpSpPr/>
-        <p:nvPr/>
-      </p:nvGrpSpPr>
-      <p:grpSpPr>
-        <a:xfrm>
-          <a:off x="0" y="0"/>
-          <a:ext cx="0" cy="0"/>
-          <a:chOff x="0" y="0"/>
-          <a:chExt cx="0" cy="0"/>
-        </a:xfrm>
-      </p:grpSpPr>
-      <p:sp>
-        <p:nvSpPr>
-          <p:cNvPr id="4" name="Rectangle 2">
-            <a:extLst>
-              <a:ext uri="{FF2B5EF4-FFF2-40B4-BE49-F238E27FC236}">
-                <a16:creationId xmlns:a16="http://schemas.microsoft.com/office/drawing/2014/main" id="{EE920CF5-059B-4EB4-85A7-B4FAB1AC110A}"/>
-              </a:ext>
-            </a:extLst>
-          </p:cNvPr>
-          <p:cNvSpPr>
-            <a:spLocks noChangeArrowheads="1"/>
-          </p:cNvSpPr>
-          <p:nvPr/>
-        </p:nvSpPr>
-        <p:spPr bwMode="auto">
-          <a:xfrm>
-            <a:off x="2359376" y="819459"/>
-            <a:ext cx="9039654" cy="4338550"/>
-          </a:xfrm>
-          <a:prstGeom prst="rect">
-            <a:avLst/>
-          </a:prstGeom>
-          <a:solidFill>
-            <a:srgbClr val="FFFFFF">
-              <a:alpha val="0"/>
-            </a:srgbClr>
-          </a:solidFill>
-          <a:ln>
-            <a:noFill/>
-          </a:ln>
-          <a:effectLst/>
-        </p:spPr>
-        <p:txBody>
-          <a:bodyPr vert="horz" wrap="square" lIns="91440" tIns="45720" rIns="91440" bIns="45720" numCol="1" anchor="t" anchorCtr="0" compatLnSpc="1">
-            <a:prstTxWarp prst="textNoShape">
-              <a:avLst/>
-            </a:prstTxWarp>
-          </a:bodyPr>
-          <a:lstStyle/>
-          <a:p>
-            <a:pPr lvl="0" algn="ctr" defTabSz="914400" eaLnBrk="0" fontAlgn="base" hangingPunct="0">
-              <a:spcBef>
-                <a:spcPts val="300"/>
-              </a:spcBef>
-              <a:spcAft>
-                <a:spcPts val="300"/>
-              </a:spcAft>
-            </a:pPr>
-            <a:r>
-              <a:rPr lang="en-US" sz="2400" b="1" u="sng" dirty="0"/>
-              <a:t>Kirchhoff's Rules</a:t>
-            </a:r>
-          </a:p>
-          <a:p>
-            <a:pPr lvl="0" algn="ctr" defTabSz="914400" eaLnBrk="0" fontAlgn="base" hangingPunct="0">
-              <a:spcBef>
-                <a:spcPts val="300"/>
-              </a:spcBef>
-              <a:spcAft>
-                <a:spcPts val="300"/>
-              </a:spcAft>
-            </a:pPr>
-            <a:endParaRPr lang="en-US" sz="2400" b="1" u="sng" dirty="0"/>
-          </a:p>
-          <a:p>
-            <a:pPr marL="342900" lvl="0" indent="-342900" defTabSz="914400" eaLnBrk="0" fontAlgn="base" hangingPunct="0">
-              <a:spcBef>
-                <a:spcPts val="300"/>
-              </a:spcBef>
-              <a:spcAft>
-                <a:spcPts val="300"/>
-              </a:spcAft>
-              <a:buFont typeface="Wingdings" panose="05000000000000000000" pitchFamily="2" charset="2"/>
-              <a:buChar char="q"/>
-            </a:pPr>
-            <a:r>
-              <a:rPr lang="en-US" sz="2000" b="1" dirty="0"/>
-              <a:t>Kirchhoff’s junction rule:  </a:t>
-            </a:r>
-            <a:r>
-              <a:rPr lang="en-US" sz="2000" dirty="0"/>
-              <a:t>The algebraic sum of the currents into any junction is zero.</a:t>
-            </a:r>
-          </a:p>
-          <a:p>
-            <a:pPr lvl="0" algn="ctr" defTabSz="914400" eaLnBrk="0" fontAlgn="base" hangingPunct="0">
-              <a:spcBef>
-                <a:spcPts val="300"/>
-              </a:spcBef>
-              <a:spcAft>
-                <a:spcPts val="300"/>
-              </a:spcAft>
-            </a:pPr>
-            <a:r>
-              <a:rPr lang="en-US" sz="2000" b="1" dirty="0">
-                <a:latin typeface="Arial" panose="020B0604020202020204" pitchFamily="34" charset="0"/>
-                <a:cs typeface="Arial" panose="020B0604020202020204" pitchFamily="34" charset="0"/>
-              </a:rPr>
-              <a:t>∑ I=0</a:t>
-            </a:r>
-            <a:r>
-              <a:rPr lang="en-US" sz="2000" b="1" dirty="0"/>
-              <a:t> at any junction</a:t>
-            </a:r>
-            <a:endParaRPr kumimoji="0" lang="en-US" altLang="en-US" sz="2000" b="1" i="0" u="none" strike="noStrike" cap="none" normalizeH="0" baseline="0" dirty="0">
-              <a:ln>
-                <a:noFill/>
-              </a:ln>
-              <a:solidFill>
-                <a:schemeClr val="tx1"/>
-              </a:solidFill>
-              <a:effectLst/>
-              <a:latin typeface="Segoe UI Semibold" panose="020B0702040204020203" pitchFamily="34" charset="0"/>
-              <a:cs typeface="Segoe UI Semibold" panose="020B0702040204020203" pitchFamily="34" charset="0"/>
-            </a:endParaRPr>
-          </a:p>
-        </p:txBody>
-      </p:sp>
-      <p:pic>
-        <p:nvPicPr>
-          <p:cNvPr id="3" name="Picture 2">
-            <a:extLst>
-              <a:ext uri="{FF2B5EF4-FFF2-40B4-BE49-F238E27FC236}">
-                <a16:creationId xmlns:a16="http://schemas.microsoft.com/office/drawing/2014/main" id="{03B172A7-E322-4BD4-A48F-BC230FB20D00}"/>
-              </a:ext>
-            </a:extLst>
-          </p:cNvPr>
-          <p:cNvPicPr>
-            <a:picLocks noChangeAspect="1"/>
-          </p:cNvPicPr>
-          <p:nvPr/>
-        </p:nvPicPr>
-        <p:blipFill>
-          <a:blip r:embed="rId2">
-            <a:extLst>
-              <a:ext uri="{28A0092B-C50C-407E-A947-70E740481C1C}">
-                <a14:useLocalDpi xmlns:a14="http://schemas.microsoft.com/office/drawing/2010/main" val="0"/>
-              </a:ext>
-            </a:extLst>
-          </a:blip>
-          <a:stretch>
-            <a:fillRect/>
-          </a:stretch>
-        </p:blipFill>
-        <p:spPr>
-          <a:xfrm>
-            <a:off x="4307094" y="3146778"/>
-            <a:ext cx="5144218" cy="2791215"/>
-          </a:xfrm>
-          <a:prstGeom prst="rect">
-            <a:avLst/>
-          </a:prstGeom>
-        </p:spPr>
-      </p:pic>
-    </p:spTree>
-    <p:extLst>
-      <p:ext uri="{BB962C8B-B14F-4D97-AF65-F5344CB8AC3E}">
-        <p14:creationId xmlns:p14="http://schemas.microsoft.com/office/powerpoint/2010/main" val="3440782325"/>
-      </p:ext>
-    </p:extLst>
-  </p:cSld>
-  <p:clrMapOvr>
-    <a:masterClrMapping/>
-  </p:clrMapOvr>
-</p:sld>
-</file>
-
-<file path=ppt/slides/slide11.xml><?xml version="1.0" encoding="utf-8"?>
 <p:sld xmlns:a="http://schemas.openxmlformats.org/drawingml/2006/main" xmlns:r="http://schemas.openxmlformats.org/officeDocument/2006/relationships" xmlns:p="http://schemas.openxmlformats.org/presentationml/2006/main">
   <p:cSld>
     <p:spTree>
@@ -7250,7 +7099,7 @@
 </p:sld>
 </file>
 
-<file path=ppt/slides/slide12.xml><?xml version="1.0" encoding="utf-8"?>
+<file path=ppt/slides/slide11.xml><?xml version="1.0" encoding="utf-8"?>
 <p:sld xmlns:a="http://schemas.openxmlformats.org/drawingml/2006/main" xmlns:r="http://schemas.openxmlformats.org/officeDocument/2006/relationships" xmlns:p="http://schemas.openxmlformats.org/presentationml/2006/main">
   <p:cSld>
     <p:spTree>
@@ -7453,7 +7302,7 @@
 </p:sld>
 </file>
 
-<file path=ppt/slides/slide13.xml><?xml version="1.0" encoding="utf-8"?>
+<file path=ppt/slides/slide12.xml><?xml version="1.0" encoding="utf-8"?>
 <p:sld xmlns:a="http://schemas.openxmlformats.org/drawingml/2006/main" xmlns:r="http://schemas.openxmlformats.org/officeDocument/2006/relationships" xmlns:p="http://schemas.openxmlformats.org/presentationml/2006/main">
   <p:cSld>
     <p:spTree>
@@ -7599,7 +7448,7 @@
 </p:sld>
 </file>
 
-<file path=ppt/slides/slide14.xml><?xml version="1.0" encoding="utf-8"?>
+<file path=ppt/slides/slide13.xml><?xml version="1.0" encoding="utf-8"?>
 <p:sld xmlns:a="http://schemas.openxmlformats.org/drawingml/2006/main" xmlns:r="http://schemas.openxmlformats.org/officeDocument/2006/relationships" xmlns:p="http://schemas.openxmlformats.org/presentationml/2006/main">
   <p:cSld>
     <p:spTree>
@@ -7665,7 +7514,7 @@
 </p:sld>
 </file>
 
-<file path=ppt/slides/slide15.xml><?xml version="1.0" encoding="utf-8"?>
+<file path=ppt/slides/slide14.xml><?xml version="1.0" encoding="utf-8"?>
 <p:sld xmlns:a="http://schemas.openxmlformats.org/drawingml/2006/main" xmlns:r="http://schemas.openxmlformats.org/officeDocument/2006/relationships" xmlns:p="http://schemas.openxmlformats.org/presentationml/2006/main">
   <p:cSld>
     <p:spTree>
@@ -7731,7 +7580,7 @@
 </p:sld>
 </file>
 
-<file path=ppt/slides/slide16.xml><?xml version="1.0" encoding="utf-8"?>
+<file path=ppt/slides/slide15.xml><?xml version="1.0" encoding="utf-8"?>
 <p:sld xmlns:a="http://schemas.openxmlformats.org/drawingml/2006/main" xmlns:r="http://schemas.openxmlformats.org/officeDocument/2006/relationships" xmlns:p="http://schemas.openxmlformats.org/presentationml/2006/main">
   <p:cSld>
     <p:spTree>
@@ -7870,7 +7719,7 @@
                 <a:latin typeface="Segoe UI Semibold" panose="020B0702040204020203" pitchFamily="34" charset="0"/>
                 <a:cs typeface="Segoe UI Semibold" panose="020B0702040204020203" pitchFamily="34" charset="0"/>
               </a:rPr>
-              <a:t>EXPERIMENT 1</a:t>
+              <a:t>EXPERIMENT 2</a:t>
             </a:r>
           </a:p>
           <a:p>
@@ -7969,8 +7818,8 @@
         </p:nvSpPr>
         <p:spPr bwMode="auto">
           <a:xfrm>
-            <a:off x="2294391" y="2908918"/>
-            <a:ext cx="9039654" cy="520082"/>
+            <a:off x="2971725" y="1362341"/>
+            <a:ext cx="6894764" cy="2633926"/>
           </a:xfrm>
           <a:prstGeom prst="rect">
             <a:avLst/>
@@ -8009,13 +7858,36 @@
                 <a:latin typeface="Segoe UI Semibold" panose="020B0702040204020203" pitchFamily="34" charset="0"/>
                 <a:cs typeface="Segoe UI Semibold" panose="020B0702040204020203" pitchFamily="34" charset="0"/>
               </a:rPr>
-              <a:t>AIM : </a:t>
-            </a:r>
-            <a:r>
-              <a:rPr lang="en-US" sz="2400" b="1" dirty="0"/>
-              <a:t>To verify the Kirchhoff’s voltage law and Kirchhoff’s current law for the given circuit.</a:t>
-            </a:r>
-            <a:endParaRPr kumimoji="0" lang="en-US" altLang="en-US" sz="2400" b="1" i="0" u="none" strike="noStrike" cap="none" normalizeH="0" baseline="0" dirty="0">
+              <a:t>OBJECTIVE </a:t>
+            </a:r>
+            <a:endParaRPr lang="en-US" b="1" dirty="0"/>
+          </a:p>
+          <a:p>
+            <a:pPr marL="285750" indent="-285750">
+              <a:lnSpc>
+                <a:spcPct val="150000"/>
+              </a:lnSpc>
+              <a:buFont typeface="Wingdings" panose="05000000000000000000" pitchFamily="2" charset="2"/>
+              <a:buChar char="Ø"/>
+            </a:pPr>
+            <a:r>
+              <a:rPr lang="en-US" b="1" dirty="0"/>
+              <a:t>To design parallel RC circuit and find out the current flowing through each component.</a:t>
+            </a:r>
+          </a:p>
+          <a:p>
+            <a:pPr marL="285750" indent="-285750">
+              <a:lnSpc>
+                <a:spcPct val="150000"/>
+              </a:lnSpc>
+              <a:buFont typeface="Wingdings" panose="05000000000000000000" pitchFamily="2" charset="2"/>
+              <a:buChar char="Ø"/>
+            </a:pPr>
+            <a:r>
+              <a:rPr lang="en-US" b="1" dirty="0"/>
+              <a:t>To design parallel RL circuit and find out the current flowing through each component.</a:t>
+            </a:r>
+            <a:endParaRPr kumimoji="0" lang="en-US" altLang="en-US" sz="3200" b="1" i="0" u="none" strike="noStrike" cap="none" normalizeH="0" baseline="0" dirty="0">
               <a:ln>
                 <a:noFill/>
               </a:ln>
@@ -8032,7 +7904,7 @@
     </p:spTree>
     <p:extLst>
       <p:ext uri="{BB962C8B-B14F-4D97-AF65-F5344CB8AC3E}">
-        <p14:creationId xmlns:p14="http://schemas.microsoft.com/office/powerpoint/2010/main" val="244192240"/>
+        <p14:creationId xmlns:p14="http://schemas.microsoft.com/office/powerpoint/2010/main" val="1927630089"/>
       </p:ext>
     </p:extLst>
   </p:cSld>
@@ -8061,10 +7933,10 @@
       </p:grpSpPr>
       <p:sp>
         <p:nvSpPr>
-          <p:cNvPr id="5" name="Rectangle 2">
+          <p:cNvPr id="4" name="Rectangle 2">
             <a:extLst>
               <a:ext uri="{FF2B5EF4-FFF2-40B4-BE49-F238E27FC236}">
-                <a16:creationId xmlns:a16="http://schemas.microsoft.com/office/drawing/2014/main" id="{FF23E875-0EB6-4576-95D5-601ABF3D5C00}"/>
+                <a16:creationId xmlns:a16="http://schemas.microsoft.com/office/drawing/2014/main" id="{8678A3E5-F839-42D2-946B-2D4DDB2FFC79}"/>
               </a:ext>
             </a:extLst>
           </p:cNvPr>
@@ -8075,8 +7947,8 @@
         </p:nvSpPr>
         <p:spPr bwMode="auto">
           <a:xfrm>
-            <a:off x="2971725" y="1362341"/>
-            <a:ext cx="6894764" cy="2633926"/>
+            <a:off x="2144887" y="318707"/>
+            <a:ext cx="9039654" cy="4338550"/>
           </a:xfrm>
           <a:prstGeom prst="rect">
             <a:avLst/>
@@ -8107,82 +7979,7 @@
                 <a:spcPts val="300"/>
               </a:spcAft>
             </a:pPr>
-            <a:r>
-              <a:rPr lang="en-US" sz="2400" b="1" dirty="0">
-                <a:solidFill>
-                  <a:srgbClr val="990033"/>
-                </a:solidFill>
-                <a:latin typeface="Segoe UI Semibold" panose="020B0702040204020203" pitchFamily="34" charset="0"/>
-                <a:cs typeface="Segoe UI Semibold" panose="020B0702040204020203" pitchFamily="34" charset="0"/>
-              </a:rPr>
-              <a:t>OBJECTIVE </a:t>
-            </a:r>
-            <a:endParaRPr lang="en-US" b="1" dirty="0"/>
-          </a:p>
-          <a:p>
-            <a:pPr marL="285750" indent="-285750">
-              <a:lnSpc>
-                <a:spcPct val="150000"/>
-              </a:lnSpc>
-              <a:buFont typeface="Wingdings" panose="05000000000000000000" pitchFamily="2" charset="2"/>
-              <a:buChar char="Ø"/>
-            </a:pPr>
-            <a:r>
-              <a:rPr lang="en-US" b="1" dirty="0"/>
-              <a:t>To measure voltage and current in a DC circuit for each element.</a:t>
-            </a:r>
-          </a:p>
-          <a:p>
-            <a:pPr marL="285750" indent="-285750">
-              <a:lnSpc>
-                <a:spcPct val="150000"/>
-              </a:lnSpc>
-              <a:buFont typeface="Wingdings" panose="05000000000000000000" pitchFamily="2" charset="2"/>
-              <a:buChar char="Ø"/>
-            </a:pPr>
-            <a:r>
-              <a:rPr lang="en-US" b="1" dirty="0"/>
-              <a:t>To calculate analytically V and I.</a:t>
-            </a:r>
-          </a:p>
-          <a:p>
-            <a:pPr marL="285750" indent="-285750">
-              <a:lnSpc>
-                <a:spcPct val="150000"/>
-              </a:lnSpc>
-              <a:buFont typeface="Wingdings" panose="05000000000000000000" pitchFamily="2" charset="2"/>
-              <a:buChar char="Ø"/>
-            </a:pPr>
-            <a:r>
-              <a:rPr lang="en-US" b="1" dirty="0"/>
-              <a:t>Compare analytical and practical values.</a:t>
-            </a:r>
-          </a:p>
-          <a:p>
-            <a:pPr marL="285750" indent="-285750">
-              <a:lnSpc>
-                <a:spcPct val="150000"/>
-              </a:lnSpc>
-              <a:buFont typeface="Wingdings" panose="05000000000000000000" pitchFamily="2" charset="2"/>
-              <a:buChar char="Ø"/>
-            </a:pPr>
-            <a:r>
-              <a:rPr lang="en-US" b="1" dirty="0"/>
-              <a:t>Verify KCL and KVL.</a:t>
-            </a:r>
-          </a:p>
-          <a:p>
-            <a:pPr marL="285750" indent="-285750">
-              <a:lnSpc>
-                <a:spcPct val="150000"/>
-              </a:lnSpc>
-              <a:buFont typeface="Wingdings" panose="05000000000000000000" pitchFamily="2" charset="2"/>
-              <a:buChar char="Ø"/>
-            </a:pPr>
-            <a:r>
-              <a:rPr lang="en-US" b="1" dirty="0"/>
-              <a:t>To apply concepts of KCL and KVL in network theorems.</a:t>
-            </a:r>
+            <a:endParaRPr lang="en-US" sz="2400" b="1" u="sng" dirty="0"/>
           </a:p>
           <a:p>
             <a:pPr lvl="0" algn="ctr" defTabSz="914400" eaLnBrk="0" fontAlgn="base" hangingPunct="0">
@@ -8193,24 +7990,170 @@
                 <a:spcPts val="300"/>
               </a:spcAft>
             </a:pPr>
-            <a:endParaRPr kumimoji="0" lang="en-US" altLang="en-US" sz="3200" b="1" i="0" u="none" strike="noStrike" cap="none" normalizeH="0" baseline="0" dirty="0">
-              <a:ln>
-                <a:noFill/>
-              </a:ln>
-              <a:solidFill>
-                <a:schemeClr val="tx1"/>
-              </a:solidFill>
-              <a:effectLst/>
-              <a:latin typeface="Segoe UI Semibold" panose="020B0702040204020203" pitchFamily="34" charset="0"/>
-              <a:cs typeface="Segoe UI Semibold" panose="020B0702040204020203" pitchFamily="34" charset="0"/>
-            </a:endParaRPr>
+            <a:r>
+              <a:rPr lang="en-US" sz="2400" b="1" u="sng" dirty="0"/>
+              <a:t>Parallel RC Circuit</a:t>
+            </a:r>
+          </a:p>
+        </p:txBody>
+      </p:sp>
+      <p:sp>
+        <p:nvSpPr>
+          <p:cNvPr id="12" name="Rectangle 2">
+            <a:extLst>
+              <a:ext uri="{FF2B5EF4-FFF2-40B4-BE49-F238E27FC236}">
+                <a16:creationId xmlns:a16="http://schemas.microsoft.com/office/drawing/2014/main" id="{973027B0-2F29-48DC-A336-742D06F55BAC}"/>
+              </a:ext>
+            </a:extLst>
+          </p:cNvPr>
+          <p:cNvSpPr>
+            <a:spLocks noChangeArrowheads="1"/>
+          </p:cNvSpPr>
+          <p:nvPr/>
+        </p:nvSpPr>
+        <p:spPr bwMode="auto">
+          <a:xfrm>
+            <a:off x="2144887" y="263608"/>
+            <a:ext cx="9039654" cy="519067"/>
+          </a:xfrm>
+          <a:prstGeom prst="rect">
+            <a:avLst/>
+          </a:prstGeom>
+          <a:solidFill>
+            <a:srgbClr val="FFFFFF">
+              <a:alpha val="0"/>
+            </a:srgbClr>
+          </a:solidFill>
+          <a:ln>
+            <a:noFill/>
+          </a:ln>
+          <a:effectLst/>
+        </p:spPr>
+        <p:txBody>
+          <a:bodyPr vert="horz" wrap="square" lIns="91440" tIns="45720" rIns="91440" bIns="45720" numCol="1" anchor="t" anchorCtr="0" compatLnSpc="1">
+            <a:prstTxWarp prst="textNoShape">
+              <a:avLst/>
+            </a:prstTxWarp>
+          </a:bodyPr>
+          <a:lstStyle/>
+          <a:p>
+            <a:pPr lvl="0" algn="ctr" defTabSz="914400" eaLnBrk="0" fontAlgn="base" hangingPunct="0">
+              <a:spcBef>
+                <a:spcPts val="300"/>
+              </a:spcBef>
+              <a:spcAft>
+                <a:spcPts val="300"/>
+              </a:spcAft>
+            </a:pPr>
+            <a:r>
+              <a:rPr lang="en-US" sz="2400" b="1" dirty="0">
+                <a:solidFill>
+                  <a:srgbClr val="990033"/>
+                </a:solidFill>
+                <a:latin typeface="Segoe UI Semibold" panose="020B0702040204020203" pitchFamily="34" charset="0"/>
+                <a:cs typeface="Segoe UI Semibold" panose="020B0702040204020203" pitchFamily="34" charset="0"/>
+              </a:rPr>
+              <a:t>THEORY</a:t>
+            </a:r>
+            <a:endParaRPr lang="en-US" dirty="0"/>
+          </a:p>
+        </p:txBody>
+      </p:sp>
+      <p:pic>
+        <p:nvPicPr>
+          <p:cNvPr id="3" name="Picture 2">
+            <a:extLst>
+              <a:ext uri="{FF2B5EF4-FFF2-40B4-BE49-F238E27FC236}">
+                <a16:creationId xmlns:a16="http://schemas.microsoft.com/office/drawing/2014/main" id="{28BDB9D8-5BC4-4BB1-8769-591755C8A524}"/>
+              </a:ext>
+            </a:extLst>
+          </p:cNvPr>
+          <p:cNvPicPr>
+            <a:picLocks noChangeAspect="1"/>
+          </p:cNvPicPr>
+          <p:nvPr/>
+        </p:nvPicPr>
+        <p:blipFill>
+          <a:blip r:embed="rId2">
+            <a:extLst>
+              <a:ext uri="{28A0092B-C50C-407E-A947-70E740481C1C}">
+                <a14:useLocalDpi xmlns:a14="http://schemas.microsoft.com/office/drawing/2010/main" val="0"/>
+              </a:ext>
+            </a:extLst>
+          </a:blip>
+          <a:stretch>
+            <a:fillRect/>
+          </a:stretch>
+        </p:blipFill>
+        <p:spPr>
+          <a:xfrm>
+            <a:off x="3869105" y="1817687"/>
+            <a:ext cx="5591217" cy="2675291"/>
+          </a:xfrm>
+          <a:prstGeom prst="rect">
+            <a:avLst/>
+          </a:prstGeom>
+        </p:spPr>
+      </p:pic>
+      <p:sp>
+        <p:nvSpPr>
+          <p:cNvPr id="10" name="Rectangle 2">
+            <a:extLst>
+              <a:ext uri="{FF2B5EF4-FFF2-40B4-BE49-F238E27FC236}">
+                <a16:creationId xmlns:a16="http://schemas.microsoft.com/office/drawing/2014/main" id="{6A9FC21B-557D-4116-A197-B4E57C413F89}"/>
+              </a:ext>
+            </a:extLst>
+          </p:cNvPr>
+          <p:cNvSpPr>
+            <a:spLocks noChangeArrowheads="1"/>
+          </p:cNvSpPr>
+          <p:nvPr/>
+        </p:nvSpPr>
+        <p:spPr bwMode="auto">
+          <a:xfrm>
+            <a:off x="4520430" y="4967677"/>
+            <a:ext cx="4288566" cy="1120626"/>
+          </a:xfrm>
+          <a:prstGeom prst="rect">
+            <a:avLst/>
+          </a:prstGeom>
+          <a:solidFill>
+            <a:srgbClr val="FFFFFF">
+              <a:alpha val="0"/>
+            </a:srgbClr>
+          </a:solidFill>
+          <a:ln>
+            <a:noFill/>
+          </a:ln>
+          <a:effectLst/>
+        </p:spPr>
+        <p:txBody>
+          <a:bodyPr vert="horz" wrap="square" lIns="91440" tIns="45720" rIns="91440" bIns="45720" numCol="1" anchor="t" anchorCtr="0" compatLnSpc="1">
+            <a:prstTxWarp prst="textNoShape">
+              <a:avLst/>
+            </a:prstTxWarp>
+          </a:bodyPr>
+          <a:lstStyle/>
+          <a:p>
+            <a:pPr lvl="0" algn="ctr" defTabSz="914400" eaLnBrk="0" fontAlgn="base" hangingPunct="0">
+              <a:spcBef>
+                <a:spcPts val="300"/>
+              </a:spcBef>
+              <a:spcAft>
+                <a:spcPts val="300"/>
+              </a:spcAft>
+            </a:pPr>
+            <a:r>
+              <a:rPr lang="en-US" sz="2400" u="sng" dirty="0"/>
+              <a:t>Figure 1 : Parallel RC circuit</a:t>
+            </a:r>
           </a:p>
         </p:txBody>
       </p:sp>
     </p:spTree>
     <p:extLst>
       <p:ext uri="{BB962C8B-B14F-4D97-AF65-F5344CB8AC3E}">
-        <p14:creationId xmlns:p14="http://schemas.microsoft.com/office/powerpoint/2010/main" val="1927630089"/>
+        <p14:creationId xmlns:p14="http://schemas.microsoft.com/office/powerpoint/2010/main" val="2240181329"/>
       </p:ext>
     </p:extLst>
   </p:cSld>
@@ -8242,7 +8185,7 @@
           <p:cNvPr id="4" name="Rectangle 2">
             <a:extLst>
               <a:ext uri="{FF2B5EF4-FFF2-40B4-BE49-F238E27FC236}">
-                <a16:creationId xmlns:a16="http://schemas.microsoft.com/office/drawing/2014/main" id="{8678A3E5-F839-42D2-946B-2D4DDB2FFC79}"/>
+                <a16:creationId xmlns:a16="http://schemas.microsoft.com/office/drawing/2014/main" id="{EE920CF5-059B-4EB4-85A7-B4FAB1AC110A}"/>
               </a:ext>
             </a:extLst>
           </p:cNvPr>
@@ -8253,7 +8196,7 @@
         </p:nvSpPr>
         <p:spPr bwMode="auto">
           <a:xfrm>
-            <a:off x="2144887" y="318707"/>
+            <a:off x="2031999" y="808169"/>
             <a:ext cx="9039654" cy="4338550"/>
           </a:xfrm>
           <a:prstGeom prst="rect">
@@ -8285,175 +8228,20 @@
                 <a:spcPts val="300"/>
               </a:spcAft>
             </a:pPr>
-            <a:endParaRPr lang="en-US" sz="2400" b="1" u="sng" dirty="0"/>
-          </a:p>
-          <a:p>
-            <a:pPr lvl="0" algn="ctr" defTabSz="914400" eaLnBrk="0" fontAlgn="base" hangingPunct="0">
-              <a:spcBef>
-                <a:spcPts val="300"/>
-              </a:spcBef>
-              <a:spcAft>
-                <a:spcPts val="300"/>
-              </a:spcAft>
-            </a:pPr>
             <a:r>
               <a:rPr lang="en-US" sz="2400" b="1" u="sng" dirty="0"/>
-              <a:t>Basic Laws of Electric Circuits</a:t>
-            </a:r>
-          </a:p>
-          <a:p>
-            <a:pPr marL="342900" lvl="0" indent="-342900" defTabSz="914400" eaLnBrk="0" fontAlgn="base" hangingPunct="0">
-              <a:spcBef>
-                <a:spcPts val="300"/>
-              </a:spcBef>
-              <a:spcAft>
-                <a:spcPts val="300"/>
-              </a:spcAft>
-              <a:buFont typeface="Wingdings" panose="05000000000000000000" pitchFamily="2" charset="2"/>
-              <a:buChar char="q"/>
-            </a:pPr>
-            <a:r>
-              <a:rPr lang="en-IN" sz="2000" dirty="0"/>
-              <a:t>Nodes and Branches:</a:t>
-            </a:r>
-          </a:p>
-          <a:p>
-            <a:pPr marL="800100" lvl="1" indent="-342900" defTabSz="914400" eaLnBrk="0" fontAlgn="base" hangingPunct="0">
-              <a:spcBef>
-                <a:spcPts val="300"/>
-              </a:spcBef>
-              <a:spcAft>
-                <a:spcPts val="300"/>
-              </a:spcAft>
-              <a:buFont typeface="Wingdings" panose="05000000000000000000" pitchFamily="2" charset="2"/>
-              <a:buChar char="ü"/>
-            </a:pPr>
-            <a:r>
-              <a:rPr lang="en-US" sz="2000" u="sng" dirty="0"/>
-              <a:t>A branch</a:t>
-            </a:r>
-            <a:r>
-              <a:rPr lang="en-US" sz="2000" dirty="0"/>
-              <a:t>: A branch is a single electrical element or device.</a:t>
-            </a:r>
-          </a:p>
-          <a:p>
-            <a:pPr marL="800100" lvl="1" indent="-342900" defTabSz="914400" eaLnBrk="0" fontAlgn="base" hangingPunct="0">
-              <a:spcBef>
-                <a:spcPts val="300"/>
-              </a:spcBef>
-              <a:spcAft>
-                <a:spcPts val="300"/>
-              </a:spcAft>
-              <a:buFont typeface="Wingdings" panose="05000000000000000000" pitchFamily="2" charset="2"/>
-              <a:buChar char="ü"/>
-            </a:pPr>
-            <a:endParaRPr lang="en-US" sz="2000" dirty="0"/>
-          </a:p>
-          <a:p>
-            <a:pPr marL="800100" lvl="1" indent="-342900" defTabSz="914400" eaLnBrk="0" fontAlgn="base" hangingPunct="0">
-              <a:spcBef>
-                <a:spcPts val="300"/>
-              </a:spcBef>
-              <a:spcAft>
-                <a:spcPts val="300"/>
-              </a:spcAft>
-              <a:buFont typeface="Wingdings" panose="05000000000000000000" pitchFamily="2" charset="2"/>
-              <a:buChar char="ü"/>
-            </a:pPr>
-            <a:endParaRPr lang="en-US" sz="2000" dirty="0"/>
-          </a:p>
-          <a:p>
-            <a:pPr marL="800100" lvl="1" indent="-342900" defTabSz="914400" eaLnBrk="0" fontAlgn="base" hangingPunct="0">
-              <a:spcBef>
-                <a:spcPts val="300"/>
-              </a:spcBef>
-              <a:spcAft>
-                <a:spcPts val="300"/>
-              </a:spcAft>
-              <a:buFont typeface="Wingdings" panose="05000000000000000000" pitchFamily="2" charset="2"/>
-              <a:buChar char="ü"/>
-            </a:pPr>
-            <a:endParaRPr lang="en-US" sz="2000" dirty="0"/>
-          </a:p>
-          <a:p>
-            <a:pPr marL="800100" lvl="1" indent="-342900" defTabSz="914400" eaLnBrk="0" fontAlgn="base" hangingPunct="0">
-              <a:spcBef>
-                <a:spcPts val="300"/>
-              </a:spcBef>
-              <a:spcAft>
-                <a:spcPts val="300"/>
-              </a:spcAft>
-              <a:buFont typeface="Wingdings" panose="05000000000000000000" pitchFamily="2" charset="2"/>
-              <a:buChar char="ü"/>
-            </a:pPr>
-            <a:endParaRPr lang="en-US" sz="2000" dirty="0"/>
-          </a:p>
-          <a:p>
-            <a:pPr marL="800100" lvl="1" indent="-342900" defTabSz="914400" eaLnBrk="0" fontAlgn="base" hangingPunct="0">
-              <a:spcBef>
-                <a:spcPts val="300"/>
-              </a:spcBef>
-              <a:spcAft>
-                <a:spcPts val="300"/>
-              </a:spcAft>
-              <a:buFont typeface="Wingdings" panose="05000000000000000000" pitchFamily="2" charset="2"/>
-              <a:buChar char="ü"/>
-            </a:pPr>
-            <a:endParaRPr lang="en-US" sz="2000" dirty="0"/>
-          </a:p>
-          <a:p>
-            <a:pPr marL="800100" lvl="1" indent="-342900" defTabSz="914400" eaLnBrk="0" fontAlgn="base" hangingPunct="0">
-              <a:spcBef>
-                <a:spcPts val="300"/>
-              </a:spcBef>
-              <a:spcAft>
-                <a:spcPts val="300"/>
-              </a:spcAft>
-              <a:buFont typeface="Wingdings" panose="05000000000000000000" pitchFamily="2" charset="2"/>
-              <a:buChar char="ü"/>
-            </a:pPr>
-            <a:endParaRPr lang="en-US" sz="2000" dirty="0"/>
-          </a:p>
-          <a:p>
-            <a:pPr marL="800100" lvl="1" indent="-342900" defTabSz="914400" eaLnBrk="0" fontAlgn="base" hangingPunct="0">
-              <a:spcBef>
-                <a:spcPts val="300"/>
-              </a:spcBef>
-              <a:spcAft>
-                <a:spcPts val="300"/>
-              </a:spcAft>
-              <a:buFont typeface="Wingdings" panose="05000000000000000000" pitchFamily="2" charset="2"/>
-              <a:buChar char="ü"/>
-            </a:pPr>
-            <a:r>
-              <a:rPr lang="en-US" sz="2000" u="sng" dirty="0"/>
-              <a:t>A node: </a:t>
-            </a:r>
-            <a:r>
-              <a:rPr lang="en-US" sz="2000" dirty="0"/>
-              <a:t>A node can be defined as a connection point between two or more branches. </a:t>
-            </a:r>
-            <a:endParaRPr kumimoji="0" lang="en-US" altLang="en-US" sz="2000" i="0" u="none" strike="noStrike" cap="none" normalizeH="0" baseline="0" dirty="0">
-              <a:ln>
-                <a:noFill/>
-              </a:ln>
-              <a:solidFill>
-                <a:schemeClr val="tx1"/>
-              </a:solidFill>
-              <a:effectLst/>
-              <a:latin typeface="Segoe UI Semibold" panose="020B0702040204020203" pitchFamily="34" charset="0"/>
-              <a:cs typeface="Segoe UI Semibold" panose="020B0702040204020203" pitchFamily="34" charset="0"/>
-            </a:endParaRPr>
+              <a:t>Parallel RC Circuit Phasor Diagram</a:t>
+            </a:r>
+            <a:endParaRPr lang="en-US" sz="1050" b="1" u="sng" dirty="0"/>
           </a:p>
         </p:txBody>
       </p:sp>
       <p:pic>
         <p:nvPicPr>
-          <p:cNvPr id="9" name="Picture 8">
+          <p:cNvPr id="5" name="Picture 4">
             <a:extLst>
               <a:ext uri="{FF2B5EF4-FFF2-40B4-BE49-F238E27FC236}">
-                <a16:creationId xmlns:a16="http://schemas.microsoft.com/office/drawing/2014/main" id="{449FAE23-D6F3-45C5-9F51-DF5E0050216D}"/>
+                <a16:creationId xmlns:a16="http://schemas.microsoft.com/office/drawing/2014/main" id="{95FFE771-E790-4B45-B0CF-748AFBF0E1E9}"/>
               </a:ext>
             </a:extLst>
           </p:cNvPr>
@@ -8476,59 +8264,23 @@
         </p:blipFill>
         <p:spPr>
           <a:xfrm>
-            <a:off x="4583290" y="2092247"/>
-            <a:ext cx="3949518" cy="1899867"/>
+            <a:off x="5027826" y="1969205"/>
+            <a:ext cx="3048000" cy="1790700"/>
           </a:xfrm>
           <a:prstGeom prst="rect">
             <a:avLst/>
           </a:prstGeom>
         </p:spPr>
       </p:pic>
-      <p:pic>
-        <p:nvPicPr>
-          <p:cNvPr id="11" name="Picture 10">
+      <p:sp>
+        <p:nvSpPr>
+          <p:cNvPr id="6" name="Rectangle 2">
             <a:extLst>
               <a:ext uri="{FF2B5EF4-FFF2-40B4-BE49-F238E27FC236}">
-                <a16:creationId xmlns:a16="http://schemas.microsoft.com/office/drawing/2014/main" id="{DD444F1B-C77F-46D0-BEBE-E1AFD09D1557}"/>
+                <a16:creationId xmlns:a16="http://schemas.microsoft.com/office/drawing/2014/main" id="{085CACE7-78B5-4D1B-8290-7CC9D1234344}"/>
               </a:ext>
             </a:extLst>
           </p:cNvPr>
-          <p:cNvPicPr>
-            <a:picLocks noChangeAspect="1"/>
-          </p:cNvPicPr>
-          <p:nvPr/>
-        </p:nvPicPr>
-        <p:blipFill>
-          <a:blip r:embed="rId3">
-            <a:extLst>
-              <a:ext uri="{28A0092B-C50C-407E-A947-70E740481C1C}">
-                <a14:useLocalDpi xmlns:a14="http://schemas.microsoft.com/office/drawing/2010/main" val="0"/>
-              </a:ext>
-            </a:extLst>
-          </a:blip>
-          <a:stretch>
-            <a:fillRect/>
-          </a:stretch>
-        </p:blipFill>
-        <p:spPr>
-          <a:xfrm>
-            <a:off x="4689954" y="4712356"/>
-            <a:ext cx="3949519" cy="1826937"/>
-          </a:xfrm>
-          <a:prstGeom prst="rect">
-            <a:avLst/>
-          </a:prstGeom>
-        </p:spPr>
-      </p:pic>
-      <p:sp>
-        <p:nvSpPr>
-          <p:cNvPr id="12" name="Rectangle 2">
-            <a:extLst>
-              <a:ext uri="{FF2B5EF4-FFF2-40B4-BE49-F238E27FC236}">
-                <a16:creationId xmlns:a16="http://schemas.microsoft.com/office/drawing/2014/main" id="{973027B0-2F29-48DC-A336-742D06F55BAC}"/>
-              </a:ext>
-            </a:extLst>
-          </p:cNvPr>
           <p:cNvSpPr>
             <a:spLocks noChangeArrowheads="1"/>
           </p:cNvSpPr>
@@ -8536,8 +8288,8 @@
         </p:nvSpPr>
         <p:spPr bwMode="auto">
           <a:xfrm>
-            <a:off x="2144887" y="263608"/>
-            <a:ext cx="9039654" cy="519067"/>
+            <a:off x="4486563" y="4195428"/>
+            <a:ext cx="4431659" cy="1120626"/>
           </a:xfrm>
           <a:prstGeom prst="rect">
             <a:avLst/>
@@ -8569,23 +8321,16 @@
               </a:spcAft>
             </a:pPr>
             <a:r>
-              <a:rPr lang="en-US" sz="2400" b="1" dirty="0">
-                <a:solidFill>
-                  <a:srgbClr val="990033"/>
-                </a:solidFill>
-                <a:latin typeface="Segoe UI Semibold" panose="020B0702040204020203" pitchFamily="34" charset="0"/>
-                <a:cs typeface="Segoe UI Semibold" panose="020B0702040204020203" pitchFamily="34" charset="0"/>
-              </a:rPr>
-              <a:t>THEORY</a:t>
-            </a:r>
-            <a:endParaRPr lang="en-US" dirty="0"/>
+              <a:rPr lang="en-US" sz="2400" u="sng" dirty="0"/>
+              <a:t>Figure 2 : Parallel RC circuit vector (phasor) diagram</a:t>
+            </a:r>
           </a:p>
         </p:txBody>
       </p:sp>
     </p:spTree>
     <p:extLst>
       <p:ext uri="{BB962C8B-B14F-4D97-AF65-F5344CB8AC3E}">
-        <p14:creationId xmlns:p14="http://schemas.microsoft.com/office/powerpoint/2010/main" val="2240181329"/>
+        <p14:creationId xmlns:p14="http://schemas.microsoft.com/office/powerpoint/2010/main" val="964653005"/>
       </p:ext>
     </p:extLst>
   </p:cSld>
@@ -8614,10 +8359,10 @@
       </p:grpSpPr>
       <p:sp>
         <p:nvSpPr>
-          <p:cNvPr id="4" name="Rectangle 2">
+          <p:cNvPr id="6" name="Rectangle 2">
             <a:extLst>
               <a:ext uri="{FF2B5EF4-FFF2-40B4-BE49-F238E27FC236}">
-                <a16:creationId xmlns:a16="http://schemas.microsoft.com/office/drawing/2014/main" id="{EE920CF5-059B-4EB4-85A7-B4FAB1AC110A}"/>
+                <a16:creationId xmlns:a16="http://schemas.microsoft.com/office/drawing/2014/main" id="{81F0AA2E-6160-418B-82B7-249D16780D01}"/>
               </a:ext>
             </a:extLst>
           </p:cNvPr>
@@ -8662,7 +8407,75 @@
             </a:pPr>
             <a:r>
               <a:rPr lang="en-US" sz="2400" b="1" u="sng" dirty="0"/>
-              <a:t>Kirchhoff’s Current Law</a:t>
+              <a:t>Parallel RC Circuit Phasor Diagram</a:t>
+            </a:r>
+          </a:p>
+          <a:p>
+            <a:pPr lvl="0" algn="ctr" defTabSz="914400" eaLnBrk="0" fontAlgn="base" hangingPunct="0">
+              <a:spcBef>
+                <a:spcPts val="300"/>
+              </a:spcBef>
+              <a:spcAft>
+                <a:spcPts val="300"/>
+              </a:spcAft>
+            </a:pPr>
+            <a:endParaRPr lang="en-US" sz="2400" b="1" u="sng" dirty="0"/>
+          </a:p>
+          <a:p>
+            <a:r>
+              <a:rPr lang="en-US" sz="2000" dirty="0"/>
+              <a:t>The relationship between the voltage and currents in a parallel RC circuit is illustrated in the vector (phasor) diagram of Figure 2 and summarized as follows:</a:t>
+            </a:r>
+          </a:p>
+          <a:p>
+            <a:pPr marL="342900" indent="-342900">
+              <a:buFont typeface="Arial" panose="020B0604020202020204" pitchFamily="34" charset="0"/>
+              <a:buChar char="•"/>
+            </a:pPr>
+            <a:endParaRPr lang="en-US" sz="2000" dirty="0"/>
+          </a:p>
+          <a:p>
+            <a:pPr marL="342900" indent="-342900">
+              <a:buFont typeface="Arial" panose="020B0604020202020204" pitchFamily="34" charset="0"/>
+              <a:buChar char="•"/>
+            </a:pPr>
+            <a:r>
+              <a:rPr lang="en-US" sz="2000" dirty="0"/>
+              <a:t>The </a:t>
+            </a:r>
+            <a:r>
+              <a:rPr lang="en-US" sz="2000" b="1" i="1" dirty="0"/>
+              <a:t>reference vector is labeled E</a:t>
+            </a:r>
+            <a:r>
+              <a:rPr lang="en-US" sz="2000" dirty="0"/>
+              <a:t> and represents the voltage in the circuit, which is common to all elements.</a:t>
+            </a:r>
+          </a:p>
+          <a:p>
+            <a:endParaRPr lang="en-US" sz="700" dirty="0"/>
+          </a:p>
+          <a:p>
+            <a:pPr marL="342900" indent="-342900">
+              <a:buFont typeface="Arial" panose="020B0604020202020204" pitchFamily="34" charset="0"/>
+              <a:buChar char="•"/>
+            </a:pPr>
+            <a:r>
+              <a:rPr lang="en-US" sz="2000" dirty="0"/>
+              <a:t>Since the current through the resistor is in phase with the voltage across it, IR (8 A) is shown superimposed on the voltage vector.</a:t>
+            </a:r>
+          </a:p>
+          <a:p>
+            <a:endParaRPr lang="en-US" sz="700" dirty="0"/>
+          </a:p>
+          <a:p>
+            <a:pPr marL="342900" indent="-342900">
+              <a:buFont typeface="Arial" panose="020B0604020202020204" pitchFamily="34" charset="0"/>
+              <a:buChar char="•"/>
+            </a:pPr>
+            <a:r>
+              <a:rPr lang="en-US" sz="2000" dirty="0"/>
+              <a:t>The capacitor current IC (12 A) leads the voltage by 90 degrees and is positioned in an upward direction, leading the voltage vector by 90 degrees.</a:t>
             </a:r>
           </a:p>
           <a:p>
@@ -8676,162 +8489,12 @@
             </a:pPr>
             <a:endParaRPr lang="en-US" sz="1050" b="1" u="sng" dirty="0"/>
           </a:p>
-          <a:p>
-            <a:pPr marL="342900" lvl="0" indent="-342900" defTabSz="914400" eaLnBrk="0" fontAlgn="base" hangingPunct="0">
-              <a:spcBef>
-                <a:spcPts val="300"/>
-              </a:spcBef>
-              <a:spcAft>
-                <a:spcPts val="300"/>
-              </a:spcAft>
-              <a:buFont typeface="Wingdings" panose="05000000000000000000" pitchFamily="2" charset="2"/>
-              <a:buChar char="q"/>
-            </a:pPr>
-            <a:r>
-              <a:rPr lang="en-US" sz="2000" b="1" dirty="0"/>
-              <a:t>Kirchhoff’s Current Law or KCL, </a:t>
-            </a:r>
-            <a:r>
-              <a:rPr lang="en-US" sz="2000" dirty="0"/>
-              <a:t>states that the “</a:t>
-            </a:r>
-            <a:r>
-              <a:rPr lang="en-US" sz="2000" i="1" dirty="0"/>
-              <a:t>total current or charge entering a junction or node is exactly equal to the charge leaving the node as it has no other place to go except to leave, as no charge is lost within the node</a:t>
-            </a:r>
-            <a:r>
-              <a:rPr lang="en-US" sz="2000" dirty="0"/>
-              <a:t>“. </a:t>
-            </a:r>
-          </a:p>
-          <a:p>
-            <a:pPr marL="342900" lvl="0" indent="-342900" defTabSz="914400" eaLnBrk="0" fontAlgn="base" hangingPunct="0">
-              <a:spcBef>
-                <a:spcPts val="300"/>
-              </a:spcBef>
-              <a:spcAft>
-                <a:spcPts val="300"/>
-              </a:spcAft>
-              <a:buFont typeface="Wingdings" panose="05000000000000000000" pitchFamily="2" charset="2"/>
-              <a:buChar char="q"/>
-            </a:pPr>
-            <a:endParaRPr lang="en-US" sz="2000" dirty="0"/>
-          </a:p>
-          <a:p>
-            <a:pPr marL="342900" lvl="0" indent="-342900" defTabSz="914400" eaLnBrk="0" fontAlgn="base" hangingPunct="0">
-              <a:spcBef>
-                <a:spcPts val="300"/>
-              </a:spcBef>
-              <a:spcAft>
-                <a:spcPts val="300"/>
-              </a:spcAft>
-              <a:buFont typeface="Wingdings" panose="05000000000000000000" pitchFamily="2" charset="2"/>
-              <a:buChar char="q"/>
-            </a:pPr>
-            <a:r>
-              <a:rPr lang="en-US" sz="2000" dirty="0"/>
-              <a:t>In other words the algebraic sum of ALL the currents entering and leaving a node must be equal to zero, </a:t>
-            </a:r>
-            <a:r>
-              <a:rPr lang="en-US" sz="2000" b="1" dirty="0"/>
-              <a:t>I</a:t>
-            </a:r>
-            <a:r>
-              <a:rPr lang="en-US" sz="1200" b="1" dirty="0"/>
-              <a:t>(exiting) </a:t>
-            </a:r>
-            <a:r>
-              <a:rPr lang="en-US" sz="2000" b="1" dirty="0"/>
-              <a:t>+ I</a:t>
-            </a:r>
-            <a:r>
-              <a:rPr lang="en-US" sz="1400" b="1" dirty="0"/>
-              <a:t>(entering) </a:t>
-            </a:r>
-            <a:r>
-              <a:rPr lang="en-US" sz="2000" b="1" dirty="0"/>
-              <a:t>= 0. </a:t>
-            </a:r>
-          </a:p>
-          <a:p>
-            <a:pPr marL="342900" lvl="0" indent="-342900" defTabSz="914400" eaLnBrk="0" fontAlgn="base" hangingPunct="0">
-              <a:spcBef>
-                <a:spcPts val="300"/>
-              </a:spcBef>
-              <a:spcAft>
-                <a:spcPts val="300"/>
-              </a:spcAft>
-              <a:buFont typeface="Wingdings" panose="05000000000000000000" pitchFamily="2" charset="2"/>
-              <a:buChar char="q"/>
-            </a:pPr>
-            <a:endParaRPr lang="en-US" sz="2000" b="1" dirty="0"/>
-          </a:p>
-          <a:p>
-            <a:pPr marL="342900" lvl="0" indent="-342900" defTabSz="914400" eaLnBrk="0" fontAlgn="base" hangingPunct="0">
-              <a:spcBef>
-                <a:spcPts val="300"/>
-              </a:spcBef>
-              <a:spcAft>
-                <a:spcPts val="300"/>
-              </a:spcAft>
-              <a:buFont typeface="Wingdings" panose="05000000000000000000" pitchFamily="2" charset="2"/>
-              <a:buChar char="q"/>
-            </a:pPr>
-            <a:r>
-              <a:rPr lang="en-US" sz="2000" dirty="0"/>
-              <a:t>This idea by Kirchhoff is commonly known as the </a:t>
-            </a:r>
-            <a:r>
-              <a:rPr lang="en-US" sz="2000" b="1" dirty="0"/>
-              <a:t>Conservation of Charge</a:t>
-            </a:r>
-            <a:r>
-              <a:rPr lang="en-US" sz="2000" dirty="0"/>
-              <a:t>.</a:t>
-            </a:r>
-            <a:endParaRPr lang="en-US" altLang="en-US" sz="2000" dirty="0"/>
-          </a:p>
-        </p:txBody>
-      </p:sp>
-      <p:pic>
-        <p:nvPicPr>
-          <p:cNvPr id="3" name="Picture 2">
-            <a:extLst>
-              <a:ext uri="{FF2B5EF4-FFF2-40B4-BE49-F238E27FC236}">
-                <a16:creationId xmlns:a16="http://schemas.microsoft.com/office/drawing/2014/main" id="{AFE45C53-CB99-41D7-A591-86CFB766619D}"/>
-              </a:ext>
-            </a:extLst>
-          </p:cNvPr>
-          <p:cNvPicPr>
-            <a:picLocks noChangeAspect="1"/>
-          </p:cNvPicPr>
-          <p:nvPr/>
-        </p:nvPicPr>
-        <p:blipFill rotWithShape="1">
-          <a:blip r:embed="rId2">
-            <a:extLst>
-              <a:ext uri="{28A0092B-C50C-407E-A947-70E740481C1C}">
-                <a14:useLocalDpi xmlns:a14="http://schemas.microsoft.com/office/drawing/2010/main" val="0"/>
-              </a:ext>
-            </a:extLst>
-          </a:blip>
-          <a:srcRect b="27192"/>
-          <a:stretch/>
-        </p:blipFill>
-        <p:spPr>
-          <a:xfrm>
-            <a:off x="5451159" y="4505477"/>
-            <a:ext cx="2201334" cy="1837864"/>
-          </a:xfrm>
-          <a:prstGeom prst="rect">
-            <a:avLst/>
-          </a:prstGeom>
-        </p:spPr>
-      </p:pic>
+        </p:txBody>
+      </p:sp>
     </p:spTree>
     <p:extLst>
       <p:ext uri="{BB962C8B-B14F-4D97-AF65-F5344CB8AC3E}">
-        <p14:creationId xmlns:p14="http://schemas.microsoft.com/office/powerpoint/2010/main" val="964653005"/>
+        <p14:creationId xmlns:p14="http://schemas.microsoft.com/office/powerpoint/2010/main" val="2380455842"/>
       </p:ext>
     </p:extLst>
   </p:cSld>
@@ -8860,10 +8523,10 @@
       </p:grpSpPr>
       <p:sp>
         <p:nvSpPr>
-          <p:cNvPr id="4" name="Rectangle 2">
+          <p:cNvPr id="5" name="Rectangle 2">
             <a:extLst>
               <a:ext uri="{FF2B5EF4-FFF2-40B4-BE49-F238E27FC236}">
-                <a16:creationId xmlns:a16="http://schemas.microsoft.com/office/drawing/2014/main" id="{EE920CF5-059B-4EB4-85A7-B4FAB1AC110A}"/>
+                <a16:creationId xmlns:a16="http://schemas.microsoft.com/office/drawing/2014/main" id="{6E885145-CBBB-4CE6-9818-F648E85FC147}"/>
               </a:ext>
             </a:extLst>
           </p:cNvPr>
@@ -8874,7 +8537,7 @@
         </p:nvSpPr>
         <p:spPr bwMode="auto">
           <a:xfrm>
-            <a:off x="2031999" y="751726"/>
+            <a:off x="2031999" y="808169"/>
             <a:ext cx="9039654" cy="4338550"/>
           </a:xfrm>
           <a:prstGeom prst="rect">
@@ -8908,7 +8571,75 @@
             </a:pPr>
             <a:r>
               <a:rPr lang="en-US" sz="2400" b="1" u="sng" dirty="0"/>
-              <a:t>Kirchhoff’s Voltage Law</a:t>
+              <a:t>Parallel RC Circuit Phasor Diagram</a:t>
+            </a:r>
+          </a:p>
+          <a:p>
+            <a:pPr lvl="0" algn="ctr" defTabSz="914400" eaLnBrk="0" fontAlgn="base" hangingPunct="0">
+              <a:spcBef>
+                <a:spcPts val="300"/>
+              </a:spcBef>
+              <a:spcAft>
+                <a:spcPts val="300"/>
+              </a:spcAft>
+            </a:pPr>
+            <a:endParaRPr lang="en-US" sz="2400" b="1" u="sng" dirty="0"/>
+          </a:p>
+          <a:p>
+            <a:r>
+              <a:rPr lang="en-US" sz="2000" dirty="0"/>
+              <a:t>The relationship between the voltage and currents in a parallel RC circuit is illustrated in the vector (phasor) diagram of Figure 2 and summarized as follows:</a:t>
+            </a:r>
+          </a:p>
+          <a:p>
+            <a:pPr marL="342900" indent="-342900">
+              <a:buFont typeface="Arial" panose="020B0604020202020204" pitchFamily="34" charset="0"/>
+              <a:buChar char="•"/>
+            </a:pPr>
+            <a:endParaRPr lang="en-US" sz="2000" dirty="0"/>
+          </a:p>
+          <a:p>
+            <a:pPr marL="342900" indent="-342900">
+              <a:buFont typeface="Arial" panose="020B0604020202020204" pitchFamily="34" charset="0"/>
+              <a:buChar char="•"/>
+            </a:pPr>
+            <a:r>
+              <a:rPr lang="en-US" sz="2000" dirty="0"/>
+              <a:t>The </a:t>
+            </a:r>
+            <a:r>
+              <a:rPr lang="en-US" sz="2000" b="1" i="1" dirty="0"/>
+              <a:t>reference vector is labeled E</a:t>
+            </a:r>
+            <a:r>
+              <a:rPr lang="en-US" sz="2000" dirty="0"/>
+              <a:t> and represents the voltage in the circuit, which is common to all elements.</a:t>
+            </a:r>
+          </a:p>
+          <a:p>
+            <a:endParaRPr lang="en-US" sz="700" dirty="0"/>
+          </a:p>
+          <a:p>
+            <a:pPr marL="342900" indent="-342900">
+              <a:buFont typeface="Arial" panose="020B0604020202020204" pitchFamily="34" charset="0"/>
+              <a:buChar char="•"/>
+            </a:pPr>
+            <a:r>
+              <a:rPr lang="en-US" sz="2000" dirty="0"/>
+              <a:t>Since the current through the resistor is in phase with the voltage across it, IR (8 A) is shown superimposed on the voltage vector.</a:t>
+            </a:r>
+          </a:p>
+          <a:p>
+            <a:endParaRPr lang="en-US" sz="700" dirty="0"/>
+          </a:p>
+          <a:p>
+            <a:pPr marL="342900" indent="-342900">
+              <a:buFont typeface="Arial" panose="020B0604020202020204" pitchFamily="34" charset="0"/>
+              <a:buChar char="•"/>
+            </a:pPr>
+            <a:r>
+              <a:rPr lang="en-US" sz="2000" dirty="0"/>
+              <a:t>The capacitor current IC (12 A) leads the voltage by 90 degrees and is positioned in an upward direction, leading the voltage vector by 90 degrees.</a:t>
             </a:r>
           </a:p>
           <a:p>
@@ -8922,117 +8653,12 @@
             </a:pPr>
             <a:endParaRPr lang="en-US" sz="1050" b="1" u="sng" dirty="0"/>
           </a:p>
-          <a:p>
-            <a:pPr marL="342900" lvl="0" indent="-342900" defTabSz="914400" eaLnBrk="0" fontAlgn="base" hangingPunct="0">
-              <a:spcBef>
-                <a:spcPts val="300"/>
-              </a:spcBef>
-              <a:spcAft>
-                <a:spcPts val="300"/>
-              </a:spcAft>
-              <a:buFont typeface="Wingdings" panose="05000000000000000000" pitchFamily="2" charset="2"/>
-              <a:buChar char="q"/>
-            </a:pPr>
-            <a:r>
-              <a:rPr lang="en-US" sz="2000" b="1" dirty="0"/>
-              <a:t>Kirchhoff’s Voltage Law or KVL, </a:t>
-            </a:r>
-            <a:r>
-              <a:rPr lang="en-US" sz="2000" dirty="0"/>
-              <a:t>states that “</a:t>
-            </a:r>
-            <a:r>
-              <a:rPr lang="en-US" sz="2000" i="1" dirty="0"/>
-              <a:t>in any closed loop network, the total voltage around the loop is equal to the sum of all the voltage drops within the same loop</a:t>
-            </a:r>
-            <a:r>
-              <a:rPr lang="en-US" sz="2000" dirty="0"/>
-              <a:t>” which is also equal to zero. </a:t>
-            </a:r>
-          </a:p>
-          <a:p>
-            <a:pPr marL="342900" lvl="0" indent="-342900" defTabSz="914400" eaLnBrk="0" fontAlgn="base" hangingPunct="0">
-              <a:spcBef>
-                <a:spcPts val="300"/>
-              </a:spcBef>
-              <a:spcAft>
-                <a:spcPts val="300"/>
-              </a:spcAft>
-              <a:buFont typeface="Wingdings" panose="05000000000000000000" pitchFamily="2" charset="2"/>
-              <a:buChar char="q"/>
-            </a:pPr>
-            <a:r>
-              <a:rPr lang="en-US" sz="2000" dirty="0"/>
-              <a:t>In other words the algebraic sum of all voltages within the loop must be equal to zero. </a:t>
-            </a:r>
-          </a:p>
-          <a:p>
-            <a:pPr marL="342900" lvl="0" indent="-342900" defTabSz="914400" eaLnBrk="0" fontAlgn="base" hangingPunct="0">
-              <a:spcBef>
-                <a:spcPts val="300"/>
-              </a:spcBef>
-              <a:spcAft>
-                <a:spcPts val="300"/>
-              </a:spcAft>
-              <a:buFont typeface="Wingdings" panose="05000000000000000000" pitchFamily="2" charset="2"/>
-              <a:buChar char="q"/>
-            </a:pPr>
-            <a:r>
-              <a:rPr lang="en-US" sz="2000" dirty="0"/>
-              <a:t>This idea by Kirchhoff is known as the </a:t>
-            </a:r>
-            <a:r>
-              <a:rPr lang="en-US" sz="2000" b="1" dirty="0"/>
-              <a:t>Conservation of Energy</a:t>
-            </a:r>
-            <a:r>
-              <a:rPr lang="en-US" sz="2000" dirty="0"/>
-              <a:t>.</a:t>
-            </a:r>
-            <a:endParaRPr lang="en-US" altLang="en-US" sz="2000" b="1" dirty="0"/>
-          </a:p>
-        </p:txBody>
-      </p:sp>
-      <p:pic>
-        <p:nvPicPr>
-          <p:cNvPr id="5" name="Picture 4">
-            <a:extLst>
-              <a:ext uri="{FF2B5EF4-FFF2-40B4-BE49-F238E27FC236}">
-                <a16:creationId xmlns:a16="http://schemas.microsoft.com/office/drawing/2014/main" id="{7D747FD7-2604-4C08-99C3-0B8CD5A0E598}"/>
-              </a:ext>
-            </a:extLst>
-          </p:cNvPr>
-          <p:cNvPicPr>
-            <a:picLocks noChangeAspect="1"/>
-          </p:cNvPicPr>
-          <p:nvPr/>
-        </p:nvPicPr>
-        <p:blipFill>
-          <a:blip r:embed="rId2">
-            <a:extLst>
-              <a:ext uri="{28A0092B-C50C-407E-A947-70E740481C1C}">
-                <a14:useLocalDpi xmlns:a14="http://schemas.microsoft.com/office/drawing/2010/main" val="0"/>
-              </a:ext>
-            </a:extLst>
-          </a:blip>
-          <a:stretch>
-            <a:fillRect/>
-          </a:stretch>
-        </p:blipFill>
-        <p:spPr>
-          <a:xfrm>
-            <a:off x="5399140" y="3615643"/>
-            <a:ext cx="2305372" cy="2200582"/>
-          </a:xfrm>
-          <a:prstGeom prst="rect">
-            <a:avLst/>
-          </a:prstGeom>
-        </p:spPr>
-      </p:pic>
+        </p:txBody>
+      </p:sp>
     </p:spTree>
     <p:extLst>
       <p:ext uri="{BB962C8B-B14F-4D97-AF65-F5344CB8AC3E}">
-        <p14:creationId xmlns:p14="http://schemas.microsoft.com/office/powerpoint/2010/main" val="2380455842"/>
+        <p14:creationId xmlns:p14="http://schemas.microsoft.com/office/powerpoint/2010/main" val="1477752673"/>
       </p:ext>
     </p:extLst>
   </p:cSld>
@@ -9064,7 +8690,7 @@
           <p:cNvPr id="4" name="Rectangle 2">
             <a:extLst>
               <a:ext uri="{FF2B5EF4-FFF2-40B4-BE49-F238E27FC236}">
-                <a16:creationId xmlns:a16="http://schemas.microsoft.com/office/drawing/2014/main" id="{3FFA1A60-A1F5-4298-B0DF-527EDE76E9E5}"/>
+                <a16:creationId xmlns:a16="http://schemas.microsoft.com/office/drawing/2014/main" id="{EE920CF5-059B-4EB4-85A7-B4FAB1AC110A}"/>
               </a:ext>
             </a:extLst>
           </p:cNvPr>
@@ -9075,7 +8701,7 @@
         </p:nvSpPr>
         <p:spPr bwMode="auto">
           <a:xfrm>
-            <a:off x="2156176" y="1145822"/>
+            <a:off x="2359376" y="1259725"/>
             <a:ext cx="9039654" cy="4338550"/>
           </a:xfrm>
           <a:prstGeom prst="rect">
@@ -9108,9 +8734,20 @@
               </a:spcAft>
             </a:pPr>
             <a:r>
-              <a:rPr lang="en-IN" sz="2400" b="1" u="sng" dirty="0"/>
-              <a:t>Kirchhoff’ s Rules</a:t>
-            </a:r>
+              <a:rPr lang="en-US" sz="2400" b="1" u="sng" dirty="0"/>
+              <a:t>Kirchhoff's Rules</a:t>
+            </a:r>
+          </a:p>
+          <a:p>
+            <a:pPr lvl="0" algn="ctr" defTabSz="914400" eaLnBrk="0" fontAlgn="base" hangingPunct="0">
+              <a:spcBef>
+                <a:spcPts val="300"/>
+              </a:spcBef>
+              <a:spcAft>
+                <a:spcPts val="300"/>
+              </a:spcAft>
+            </a:pPr>
+            <a:endParaRPr lang="en-US" sz="2400" b="1" u="sng" dirty="0"/>
           </a:p>
           <a:p>
             <a:pPr marL="342900" lvl="0" indent="-342900" defTabSz="914400" eaLnBrk="0" fontAlgn="base" hangingPunct="0">
@@ -9121,11 +8758,15 @@
                 <a:spcPts val="300"/>
               </a:spcAft>
               <a:buFont typeface="Wingdings" panose="05000000000000000000" pitchFamily="2" charset="2"/>
-              <a:buChar char="Ø"/>
+              <a:buChar char="q"/>
             </a:pPr>
             <a:r>
+              <a:rPr lang="en-US" sz="2000" b="1" dirty="0"/>
+              <a:t>Junction Rule:  </a:t>
+            </a:r>
+            <a:r>
               <a:rPr lang="en-US" sz="2000" dirty="0"/>
-              <a:t>Many practical resistor networks cannot be reduced to simple series-parallel combinations (see an example below). </a:t>
+              <a:t>The sum of the magnitudes of the currents directed into a junction equals the sum of the magnitudes of the currents directed out of the junction.</a:t>
             </a:r>
           </a:p>
           <a:p>
@@ -9137,51 +8778,28 @@
                 <a:spcPts val="300"/>
               </a:spcAft>
               <a:buFont typeface="Wingdings" panose="05000000000000000000" pitchFamily="2" charset="2"/>
-              <a:buChar char="Ø"/>
+              <a:buChar char="q"/>
             </a:pPr>
-            <a:r>
-              <a:rPr lang="en-US" sz="2400" dirty="0"/>
-              <a:t> </a:t>
-            </a:r>
-            <a:r>
-              <a:rPr lang="en-US" sz="2000" dirty="0">
-                <a:solidFill>
-                  <a:srgbClr val="002060"/>
-                </a:solidFill>
-              </a:rPr>
-              <a:t>Terminology: </a:t>
-            </a:r>
-          </a:p>
-          <a:p>
-            <a:pPr lvl="0" defTabSz="914400" eaLnBrk="0" fontAlgn="base" hangingPunct="0">
+            <a:endParaRPr lang="en-US" sz="2000" dirty="0"/>
+          </a:p>
+          <a:p>
+            <a:pPr marL="342900" lvl="0" indent="-342900" defTabSz="914400" eaLnBrk="0" fontAlgn="base" hangingPunct="0">
               <a:spcBef>
                 <a:spcPts val="300"/>
               </a:spcBef>
               <a:spcAft>
                 <a:spcPts val="300"/>
               </a:spcAft>
+              <a:buFont typeface="Wingdings" panose="05000000000000000000" pitchFamily="2" charset="2"/>
+              <a:buChar char="q"/>
             </a:pPr>
             <a:r>
-              <a:rPr lang="en-US" sz="2400" dirty="0"/>
-              <a:t>	</a:t>
+              <a:rPr lang="en-US" sz="2000" b="1" dirty="0"/>
+              <a:t>Loop Rule:</a:t>
             </a:r>
             <a:r>
               <a:rPr lang="en-US" sz="2000" dirty="0"/>
-              <a:t>-A junction in a circuit is a point where three or more conductors meet.</a:t>
-            </a:r>
-          </a:p>
-          <a:p>
-            <a:pPr lvl="0" defTabSz="914400" eaLnBrk="0" fontAlgn="base" hangingPunct="0">
-              <a:spcBef>
-                <a:spcPts val="300"/>
-              </a:spcBef>
-              <a:spcAft>
-                <a:spcPts val="300"/>
-              </a:spcAft>
-            </a:pPr>
-            <a:r>
-              <a:rPr lang="en-US" sz="2000" dirty="0"/>
-              <a:t>                  -A loop is any closed conducting path. </a:t>
+              <a:t> Around any closed circuit loop, the sum of the changes in potential around any closed path of a circuit must be zero.</a:t>
             </a:r>
             <a:endParaRPr kumimoji="0" lang="en-US" altLang="en-US" sz="2000" i="0" u="none" strike="noStrike" cap="none" normalizeH="0" baseline="0" dirty="0">
               <a:ln>
@@ -9197,45 +8815,10 @@
           </a:p>
         </p:txBody>
       </p:sp>
-      <p:pic>
-        <p:nvPicPr>
-          <p:cNvPr id="7" name="Picture 6">
-            <a:extLst>
-              <a:ext uri="{FF2B5EF4-FFF2-40B4-BE49-F238E27FC236}">
-                <a16:creationId xmlns:a16="http://schemas.microsoft.com/office/drawing/2014/main" id="{243386CC-F027-4FD2-856E-DE0720E633DF}"/>
-              </a:ext>
-            </a:extLst>
-          </p:cNvPr>
-          <p:cNvPicPr>
-            <a:picLocks noChangeAspect="1"/>
-          </p:cNvPicPr>
-          <p:nvPr/>
-        </p:nvPicPr>
-        <p:blipFill rotWithShape="1">
-          <a:blip r:embed="rId2">
-            <a:extLst>
-              <a:ext uri="{28A0092B-C50C-407E-A947-70E740481C1C}">
-                <a14:useLocalDpi xmlns:a14="http://schemas.microsoft.com/office/drawing/2010/main" val="0"/>
-              </a:ext>
-            </a:extLst>
-          </a:blip>
-          <a:srcRect l="11110" r="6499"/>
-          <a:stretch/>
-        </p:blipFill>
-        <p:spPr>
-          <a:xfrm>
-            <a:off x="4457736" y="3842315"/>
-            <a:ext cx="4436533" cy="2161124"/>
-          </a:xfrm>
-          <a:prstGeom prst="rect">
-            <a:avLst/>
-          </a:prstGeom>
-        </p:spPr>
-      </p:pic>
     </p:spTree>
     <p:extLst>
       <p:ext uri="{BB962C8B-B14F-4D97-AF65-F5344CB8AC3E}">
-        <p14:creationId xmlns:p14="http://schemas.microsoft.com/office/powerpoint/2010/main" val="1477752673"/>
+        <p14:creationId xmlns:p14="http://schemas.microsoft.com/office/powerpoint/2010/main" val="240125116"/>
       </p:ext>
     </p:extLst>
   </p:cSld>
@@ -9278,7 +8861,7 @@
         </p:nvSpPr>
         <p:spPr bwMode="auto">
           <a:xfrm>
-            <a:off x="2359376" y="1259725"/>
+            <a:off x="2359376" y="819459"/>
             <a:ext cx="9039654" cy="4338550"/>
           </a:xfrm>
           <a:prstGeom prst="rect">
@@ -9339,46 +8922,34 @@
             </a:pPr>
             <a:r>
               <a:rPr lang="en-US" sz="2000" b="1" dirty="0"/>
-              <a:t>Junction Rule:  </a:t>
+              <a:t>Kirchhoff’s junction rule:  </a:t>
             </a:r>
             <a:r>
               <a:rPr lang="en-US" sz="2000" dirty="0"/>
-              <a:t>The sum of the magnitudes of the currents directed into a junction equals the sum of the magnitudes of the currents directed out of the junction.</a:t>
-            </a:r>
-          </a:p>
-          <a:p>
-            <a:pPr marL="342900" lvl="0" indent="-342900" defTabSz="914400" eaLnBrk="0" fontAlgn="base" hangingPunct="0">
+              <a:t>The algebraic sum of the currents into any junction is zero.</a:t>
+            </a:r>
+          </a:p>
+          <a:p>
+            <a:pPr lvl="0" algn="ctr" defTabSz="914400" eaLnBrk="0" fontAlgn="base" hangingPunct="0">
               <a:spcBef>
                 <a:spcPts val="300"/>
               </a:spcBef>
               <a:spcAft>
                 <a:spcPts val="300"/>
               </a:spcAft>
-              <a:buFont typeface="Wingdings" panose="05000000000000000000" pitchFamily="2" charset="2"/>
-              <a:buChar char="q"/>
             </a:pPr>
-            <a:endParaRPr lang="en-US" sz="2000" dirty="0"/>
-          </a:p>
-          <a:p>
-            <a:pPr marL="342900" lvl="0" indent="-342900" defTabSz="914400" eaLnBrk="0" fontAlgn="base" hangingPunct="0">
-              <a:spcBef>
-                <a:spcPts val="300"/>
-              </a:spcBef>
-              <a:spcAft>
-                <a:spcPts val="300"/>
-              </a:spcAft>
-              <a:buFont typeface="Wingdings" panose="05000000000000000000" pitchFamily="2" charset="2"/>
-              <a:buChar char="q"/>
-            </a:pPr>
+            <a:r>
+              <a:rPr lang="en-US" sz="2000" b="1" dirty="0">
+                <a:latin typeface="Arial" panose="020B0604020202020204" pitchFamily="34" charset="0"/>
+                <a:cs typeface="Arial" panose="020B0604020202020204" pitchFamily="34" charset="0"/>
+              </a:rPr>
+              <a:t>∑ I=0</a:t>
+            </a:r>
             <a:r>
               <a:rPr lang="en-US" sz="2000" b="1" dirty="0"/>
-              <a:t>Loop Rule:</a:t>
-            </a:r>
-            <a:r>
-              <a:rPr lang="en-US" sz="2000" dirty="0"/>
-              <a:t> Around any closed circuit loop, the sum of the changes in potential around any closed path of a circuit must be zero.</a:t>
-            </a:r>
-            <a:endParaRPr kumimoji="0" lang="en-US" altLang="en-US" sz="2000" i="0" u="none" strike="noStrike" cap="none" normalizeH="0" baseline="0" dirty="0">
+              <a:t> at any junction</a:t>
+            </a:r>
+            <a:endParaRPr kumimoji="0" lang="en-US" altLang="en-US" sz="2000" b="1" i="0" u="none" strike="noStrike" cap="none" normalizeH="0" baseline="0" dirty="0">
               <a:ln>
                 <a:noFill/>
               </a:ln>
@@ -9392,10 +8963,46 @@
           </a:p>
         </p:txBody>
       </p:sp>
+      <p:pic>
+        <p:nvPicPr>
+          <p:cNvPr id="3" name="Picture 2">
+            <a:extLst>
+              <a:ext uri="{FF2B5EF4-FFF2-40B4-BE49-F238E27FC236}">
+                <a16:creationId xmlns:a16="http://schemas.microsoft.com/office/drawing/2014/main" id="{03B172A7-E322-4BD4-A48F-BC230FB20D00}"/>
+              </a:ext>
+            </a:extLst>
+          </p:cNvPr>
+          <p:cNvPicPr>
+            <a:picLocks noChangeAspect="1"/>
+          </p:cNvPicPr>
+          <p:nvPr/>
+        </p:nvPicPr>
+        <p:blipFill>
+          <a:blip r:embed="rId2">
+            <a:extLst>
+              <a:ext uri="{28A0092B-C50C-407E-A947-70E740481C1C}">
+                <a14:useLocalDpi xmlns:a14="http://schemas.microsoft.com/office/drawing/2010/main" val="0"/>
+              </a:ext>
+            </a:extLst>
+          </a:blip>
+          <a:stretch>
+            <a:fillRect/>
+          </a:stretch>
+        </p:blipFill>
+        <p:spPr>
+          <a:xfrm>
+            <a:off x="4307094" y="3146778"/>
+            <a:ext cx="5144218" cy="2791215"/>
+          </a:xfrm>
+          <a:prstGeom prst="rect">
+            <a:avLst/>
+          </a:prstGeom>
+        </p:spPr>
+      </p:pic>
     </p:spTree>
     <p:extLst>
       <p:ext uri="{BB962C8B-B14F-4D97-AF65-F5344CB8AC3E}">
-        <p14:creationId xmlns:p14="http://schemas.microsoft.com/office/powerpoint/2010/main" val="240125116"/>
+        <p14:creationId xmlns:p14="http://schemas.microsoft.com/office/powerpoint/2010/main" val="3440782325"/>
       </p:ext>
     </p:extLst>
   </p:cSld>

--- a/exp2/theoryimage/theory.pptx
+++ b/exp2/theoryimage/theory.pptx
@@ -8,18 +8,21 @@
     <p:sldId id="256" r:id="rId2"/>
     <p:sldId id="257" r:id="rId3"/>
     <p:sldId id="259" r:id="rId4"/>
-    <p:sldId id="261" r:id="rId5"/>
-    <p:sldId id="263" r:id="rId6"/>
-    <p:sldId id="264" r:id="rId7"/>
-    <p:sldId id="260" r:id="rId8"/>
-    <p:sldId id="262" r:id="rId9"/>
-    <p:sldId id="265" r:id="rId10"/>
-    <p:sldId id="266" r:id="rId11"/>
-    <p:sldId id="267" r:id="rId12"/>
-    <p:sldId id="268" r:id="rId13"/>
-    <p:sldId id="269" r:id="rId14"/>
-    <p:sldId id="270" r:id="rId15"/>
-    <p:sldId id="271" r:id="rId16"/>
+    <p:sldId id="281" r:id="rId5"/>
+    <p:sldId id="282" r:id="rId6"/>
+    <p:sldId id="261" r:id="rId7"/>
+    <p:sldId id="263" r:id="rId8"/>
+    <p:sldId id="264" r:id="rId9"/>
+    <p:sldId id="260" r:id="rId10"/>
+    <p:sldId id="272" r:id="rId11"/>
+    <p:sldId id="273" r:id="rId12"/>
+    <p:sldId id="274" r:id="rId13"/>
+    <p:sldId id="276" r:id="rId14"/>
+    <p:sldId id="275" r:id="rId15"/>
+    <p:sldId id="277" r:id="rId16"/>
+    <p:sldId id="278" r:id="rId17"/>
+    <p:sldId id="279" r:id="rId18"/>
+    <p:sldId id="280" r:id="rId19"/>
   </p:sldIdLst>
   <p:sldSz cx="12192000" cy="6858000"/>
   <p:notesSz cx="6858000" cy="9144000"/>
@@ -126,18 +129,21 @@
             <p14:sldId id="256"/>
             <p14:sldId id="257"/>
             <p14:sldId id="259"/>
+            <p14:sldId id="281"/>
+            <p14:sldId id="282"/>
             <p14:sldId id="261"/>
             <p14:sldId id="263"/>
             <p14:sldId id="264"/>
             <p14:sldId id="260"/>
-            <p14:sldId id="262"/>
-            <p14:sldId id="265"/>
-            <p14:sldId id="266"/>
-            <p14:sldId id="267"/>
-            <p14:sldId id="268"/>
-            <p14:sldId id="269"/>
-            <p14:sldId id="270"/>
-            <p14:sldId id="271"/>
+            <p14:sldId id="272"/>
+            <p14:sldId id="273"/>
+            <p14:sldId id="274"/>
+            <p14:sldId id="276"/>
+            <p14:sldId id="275"/>
+            <p14:sldId id="277"/>
+            <p14:sldId id="278"/>
+            <p14:sldId id="279"/>
+            <p14:sldId id="280"/>
           </p14:sldIdLst>
         </p14:section>
       </p14:sectionLst>
@@ -6635,7 +6641,7 @@
         </p:nvSpPr>
         <p:spPr bwMode="auto">
           <a:xfrm>
-            <a:off x="2683830" y="3761462"/>
+            <a:off x="2683830" y="3429000"/>
             <a:ext cx="8720547" cy="1369606"/>
           </a:xfrm>
           <a:prstGeom prst="rect">
@@ -6864,41 +6870,6 @@
               <a:latin typeface="Times New Roman" panose="02020603050405020304" pitchFamily="18" charset="0"/>
               <a:cs typeface="Times New Roman" panose="02020603050405020304" pitchFamily="18" charset="0"/>
             </a:endParaRPr>
-          </a:p>
-        </p:txBody>
-      </p:sp>
-      <p:sp>
-        <p:nvSpPr>
-          <p:cNvPr id="2" name="Rectangle 1">
-            <a:extLst>
-              <a:ext uri="{FF2B5EF4-FFF2-40B4-BE49-F238E27FC236}">
-                <a16:creationId xmlns:a16="http://schemas.microsoft.com/office/drawing/2014/main" id="{05A25E68-B846-4978-8CBA-337259A2E145}"/>
-              </a:ext>
-            </a:extLst>
-          </p:cNvPr>
-          <p:cNvSpPr/>
-          <p:nvPr/>
-        </p:nvSpPr>
-        <p:spPr>
-          <a:xfrm>
-            <a:off x="3946725" y="3244334"/>
-            <a:ext cx="4298549" cy="369332"/>
-          </a:xfrm>
-          <a:prstGeom prst="rect">
-            <a:avLst/>
-          </a:prstGeom>
-        </p:spPr>
-        <p:txBody>
-          <a:bodyPr wrap="none">
-            <a:spAutoFit/>
-          </a:bodyPr>
-          <a:lstStyle/>
-          <a:p>
-            <a:r>
-              <a:rPr lang="en-US" dirty="0"/>
-              <a:t> To study and verify Parallel RC &amp; RL Circuit </a:t>
-            </a:r>
-            <a:endParaRPr lang="en-IN" dirty="0"/>
           </a:p>
         </p:txBody>
       </p:sp>
@@ -6934,10 +6905,10 @@
       </p:grpSpPr>
       <p:sp>
         <p:nvSpPr>
-          <p:cNvPr id="4" name="Rectangle 2">
+          <p:cNvPr id="5" name="Rectangle 2">
             <a:extLst>
               <a:ext uri="{FF2B5EF4-FFF2-40B4-BE49-F238E27FC236}">
-                <a16:creationId xmlns:a16="http://schemas.microsoft.com/office/drawing/2014/main" id="{EE920CF5-059B-4EB4-85A7-B4FAB1AC110A}"/>
+                <a16:creationId xmlns:a16="http://schemas.microsoft.com/office/drawing/2014/main" id="{6E885145-CBBB-4CE6-9818-F648E85FC147}"/>
               </a:ext>
             </a:extLst>
           </p:cNvPr>
@@ -6948,7 +6919,7 @@
         </p:nvSpPr>
         <p:spPr bwMode="auto">
           <a:xfrm>
-            <a:off x="2359376" y="819459"/>
+            <a:off x="2031999" y="808169"/>
             <a:ext cx="9039654" cy="4338550"/>
           </a:xfrm>
           <a:prstGeom prst="rect">
@@ -6982,80 +6953,79 @@
             </a:pPr>
             <a:r>
               <a:rPr lang="en-US" sz="2400" b="1" u="sng" dirty="0"/>
-              <a:t>Kirchhoff's Rules</a:t>
-            </a:r>
-          </a:p>
-          <a:p>
-            <a:pPr lvl="0" algn="ctr" defTabSz="914400" eaLnBrk="0" fontAlgn="base" hangingPunct="0">
-              <a:spcBef>
-                <a:spcPts val="300"/>
-              </a:spcBef>
-              <a:spcAft>
-                <a:spcPts val="300"/>
-              </a:spcAft>
+              <a:t>Parallel RC Circuit Phasor Diagram</a:t>
+            </a:r>
+          </a:p>
+          <a:p>
+            <a:endParaRPr lang="en-US" sz="2000" dirty="0"/>
+          </a:p>
+          <a:p>
+            <a:pPr marL="342900" indent="-342900">
+              <a:buFont typeface="Arial" panose="020B0604020202020204" pitchFamily="34" charset="0"/>
+              <a:buChar char="•"/>
             </a:pPr>
-            <a:endParaRPr lang="en-US" sz="2400" b="1" u="sng" dirty="0"/>
-          </a:p>
-          <a:p>
-            <a:pPr marL="342900" lvl="0" indent="-342900" defTabSz="914400" eaLnBrk="0" fontAlgn="base" hangingPunct="0">
-              <a:spcBef>
-                <a:spcPts val="300"/>
-              </a:spcBef>
-              <a:spcAft>
-                <a:spcPts val="300"/>
-              </a:spcAft>
-              <a:buFont typeface="Wingdings" panose="05000000000000000000" pitchFamily="2" charset="2"/>
-              <a:buChar char="q"/>
+            <a:r>
+              <a:rPr lang="en-US" sz="2000" dirty="0"/>
+              <a:t>The vector addition of IR and IC gives a resultant that represents the total (IT) or line current (14.4 A).</a:t>
+            </a:r>
+          </a:p>
+          <a:p>
+            <a:pPr marL="342900" indent="-342900">
+              <a:buFont typeface="Arial" panose="020B0604020202020204" pitchFamily="34" charset="0"/>
+              <a:buChar char="•"/>
             </a:pPr>
-            <a:r>
-              <a:rPr lang="en-US" sz="2000" b="1" dirty="0"/>
-              <a:t>Kirchhoff’s Loop Rule:  </a:t>
-            </a:r>
+            <a:endParaRPr lang="en-US" sz="2000" dirty="0"/>
+          </a:p>
+          <a:p>
+            <a:pPr marL="342900" indent="-342900">
+              <a:buFont typeface="Arial" panose="020B0604020202020204" pitchFamily="34" charset="0"/>
+              <a:buChar char="•"/>
+            </a:pPr>
+            <a:endParaRPr lang="en-US" sz="2000" dirty="0"/>
+          </a:p>
+          <a:p>
+            <a:pPr marL="342900" indent="-342900">
+              <a:buFont typeface="Arial" panose="020B0604020202020204" pitchFamily="34" charset="0"/>
+              <a:buChar char="•"/>
+            </a:pPr>
+            <a:endParaRPr lang="en-US" sz="2000" dirty="0"/>
+          </a:p>
+          <a:p>
+            <a:pPr marL="342900" indent="-342900">
+              <a:buFont typeface="Arial" panose="020B0604020202020204" pitchFamily="34" charset="0"/>
+              <a:buChar char="•"/>
+            </a:pPr>
+            <a:endParaRPr lang="en-US" sz="2000" dirty="0"/>
+          </a:p>
+          <a:p>
+            <a:pPr marL="342900" indent="-342900">
+              <a:buFont typeface="Arial" panose="020B0604020202020204" pitchFamily="34" charset="0"/>
+              <a:buChar char="•"/>
+            </a:pPr>
+            <a:endParaRPr lang="en-US" sz="2000" dirty="0"/>
+          </a:p>
+          <a:p>
+            <a:endParaRPr lang="en-US" sz="700" dirty="0"/>
+          </a:p>
+          <a:p>
+            <a:pPr marL="342900" indent="-342900">
+              <a:buFont typeface="Arial" panose="020B0604020202020204" pitchFamily="34" charset="0"/>
+              <a:buChar char="•"/>
+            </a:pPr>
             <a:r>
               <a:rPr lang="en-US" sz="2000" dirty="0"/>
-              <a:t>The algebraic sum of the potential differences in any loop, including those associated with emfs and those of resistive elements, must equal zero.</a:t>
-            </a:r>
-          </a:p>
-          <a:p>
-            <a:pPr lvl="0" algn="ctr" defTabSz="914400" eaLnBrk="0" fontAlgn="base" hangingPunct="0">
-              <a:spcBef>
-                <a:spcPts val="300"/>
-              </a:spcBef>
-              <a:spcAft>
-                <a:spcPts val="300"/>
-              </a:spcAft>
-            </a:pPr>
-            <a:r>
-              <a:rPr lang="en-US" sz="2000" b="1" dirty="0">
-                <a:latin typeface="Arial" panose="020B0604020202020204" pitchFamily="34" charset="0"/>
-                <a:cs typeface="Arial" panose="020B0604020202020204" pitchFamily="34" charset="0"/>
-              </a:rPr>
-              <a:t>∑ V=0</a:t>
-            </a:r>
-            <a:r>
-              <a:rPr lang="en-US" sz="2000" b="1" dirty="0"/>
-              <a:t> at any Loop</a:t>
-            </a:r>
-            <a:endParaRPr kumimoji="0" lang="en-US" altLang="en-US" sz="2000" b="1" i="0" u="none" strike="noStrike" cap="none" normalizeH="0" baseline="0" dirty="0">
-              <a:ln>
-                <a:noFill/>
-              </a:ln>
-              <a:solidFill>
-                <a:schemeClr val="tx1"/>
-              </a:solidFill>
-              <a:effectLst/>
-              <a:latin typeface="Segoe UI Semibold" panose="020B0702040204020203" pitchFamily="34" charset="0"/>
-              <a:cs typeface="Segoe UI Semibold" panose="020B0702040204020203" pitchFamily="34" charset="0"/>
-            </a:endParaRPr>
+              <a:t>The angle theta (θ) represents the phase between the applied line voltage and current.</a:t>
+            </a:r>
+            <a:endParaRPr lang="en-US" sz="1050" b="1" u="sng" dirty="0"/>
           </a:p>
         </p:txBody>
       </p:sp>
       <p:pic>
         <p:nvPicPr>
-          <p:cNvPr id="5" name="Picture 4">
+          <p:cNvPr id="3" name="Picture 2">
             <a:extLst>
               <a:ext uri="{FF2B5EF4-FFF2-40B4-BE49-F238E27FC236}">
-                <a16:creationId xmlns:a16="http://schemas.microsoft.com/office/drawing/2014/main" id="{2DD50924-0465-44ED-AFFB-E814F53A23E3}"/>
+                <a16:creationId xmlns:a16="http://schemas.microsoft.com/office/drawing/2014/main" id="{7732F399-C8FE-447A-B0C1-8497A11880AF}"/>
               </a:ext>
             </a:extLst>
           </p:cNvPr>
@@ -7078,8 +7048,8 @@
         </p:blipFill>
         <p:spPr>
           <a:xfrm>
-            <a:off x="3939629" y="3208162"/>
-            <a:ext cx="5306165" cy="2838846"/>
+            <a:off x="5218976" y="1887135"/>
+            <a:ext cx="1754048" cy="1541865"/>
           </a:xfrm>
           <a:prstGeom prst="rect">
             <a:avLst/>
@@ -7089,7 +7059,7 @@
     </p:spTree>
     <p:extLst>
       <p:ext uri="{BB962C8B-B14F-4D97-AF65-F5344CB8AC3E}">
-        <p14:creationId xmlns:p14="http://schemas.microsoft.com/office/powerpoint/2010/main" val="2275307484"/>
+        <p14:creationId xmlns:p14="http://schemas.microsoft.com/office/powerpoint/2010/main" val="539430260"/>
       </p:ext>
     </p:extLst>
   </p:cSld>
@@ -7118,10 +7088,10 @@
       </p:grpSpPr>
       <p:sp>
         <p:nvSpPr>
-          <p:cNvPr id="4" name="Rectangle 2">
+          <p:cNvPr id="5" name="Rectangle 2">
             <a:extLst>
               <a:ext uri="{FF2B5EF4-FFF2-40B4-BE49-F238E27FC236}">
-                <a16:creationId xmlns:a16="http://schemas.microsoft.com/office/drawing/2014/main" id="{EE920CF5-059B-4EB4-85A7-B4FAB1AC110A}"/>
+                <a16:creationId xmlns:a16="http://schemas.microsoft.com/office/drawing/2014/main" id="{6E885145-CBBB-4CE6-9818-F648E85FC147}"/>
               </a:ext>
             </a:extLst>
           </p:cNvPr>
@@ -7132,7 +7102,7 @@
         </p:nvSpPr>
         <p:spPr bwMode="auto">
           <a:xfrm>
-            <a:off x="2359376" y="819459"/>
+            <a:off x="2031999" y="808169"/>
             <a:ext cx="9039654" cy="4338550"/>
           </a:xfrm>
           <a:prstGeom prst="rect">
@@ -7166,133 +7136,106 @@
             </a:pPr>
             <a:r>
               <a:rPr lang="en-US" sz="2400" b="1" u="sng" dirty="0"/>
-              <a:t>Kirchhoff's Rules</a:t>
-            </a:r>
-          </a:p>
-          <a:p>
-            <a:pPr lvl="0" algn="ctr" defTabSz="914400" eaLnBrk="0" fontAlgn="base" hangingPunct="0">
-              <a:spcBef>
-                <a:spcPts val="300"/>
-              </a:spcBef>
-              <a:spcAft>
-                <a:spcPts val="300"/>
-              </a:spcAft>
+              <a:t>Parallel RC Circuit Phasor Diagram</a:t>
+            </a:r>
+          </a:p>
+          <a:p>
+            <a:endParaRPr lang="en-US" sz="2000" dirty="0"/>
+          </a:p>
+          <a:p>
+            <a:r>
+              <a:rPr lang="en-US" sz="2000" dirty="0"/>
+              <a:t>In a parallel RC circuit, the </a:t>
+            </a:r>
+            <a:r>
+              <a:rPr lang="en-US" sz="2000" b="1" i="1" dirty="0"/>
+              <a:t>line current leads the applied voltage </a:t>
+            </a:r>
+            <a:r>
+              <a:rPr lang="en-US" sz="2000" dirty="0"/>
+              <a:t>by some phase angle less than 90 degrees but greater than 0 degrees. The exact angle depends on whether the capacitive current or resistive current is greater. If </a:t>
+            </a:r>
+            <a:r>
+              <a:rPr lang="en-US" sz="2000" b="1" i="1" dirty="0"/>
+              <a:t>there is more capacitive current, the angle will be closer to 90 degrees</a:t>
+            </a:r>
+            <a:r>
+              <a:rPr lang="en-US" sz="2000" dirty="0"/>
+              <a:t>, while if the resistive current is greater, the angle is closer to 0 degrees.</a:t>
+            </a:r>
+          </a:p>
+          <a:p>
+            <a:pPr marL="342900" indent="-342900">
+              <a:buFont typeface="Arial" panose="020B0604020202020204" pitchFamily="34" charset="0"/>
+              <a:buChar char="•"/>
             </a:pPr>
-            <a:endParaRPr lang="en-US" sz="2400" b="1" u="sng" dirty="0"/>
-          </a:p>
-          <a:p>
-            <a:pPr marL="342900" lvl="0" indent="-342900" defTabSz="914400" eaLnBrk="0" fontAlgn="base" hangingPunct="0">
-              <a:spcBef>
-                <a:spcPts val="300"/>
-              </a:spcBef>
-              <a:spcAft>
-                <a:spcPts val="300"/>
-              </a:spcAft>
-              <a:buFont typeface="Wingdings" panose="05000000000000000000" pitchFamily="2" charset="2"/>
-              <a:buChar char="q"/>
+            <a:endParaRPr lang="en-US" sz="2000" dirty="0"/>
+          </a:p>
+          <a:p>
+            <a:r>
+              <a:rPr lang="en-US" sz="2000" dirty="0"/>
+              <a:t>The value of the phase angle can be calculated from the values of the two branch currents using the following equation:</a:t>
+            </a:r>
+          </a:p>
+          <a:p>
+            <a:pPr marL="342900" indent="-342900">
+              <a:buFont typeface="Arial" panose="020B0604020202020204" pitchFamily="34" charset="0"/>
+              <a:buChar char="•"/>
             </a:pPr>
-            <a:r>
-              <a:rPr lang="en-US" sz="2000" b="1" dirty="0"/>
-              <a:t>Rules for Kirchhoff’s loop rule: </a:t>
-            </a:r>
-          </a:p>
-          <a:p>
-            <a:pPr marL="800100" lvl="1" indent="-342900" defTabSz="914400" eaLnBrk="0" fontAlgn="base" hangingPunct="0">
-              <a:spcBef>
-                <a:spcPts val="300"/>
-              </a:spcBef>
-              <a:spcAft>
-                <a:spcPts val="300"/>
-              </a:spcAft>
-              <a:buFont typeface="Wingdings" panose="05000000000000000000" pitchFamily="2" charset="2"/>
-              <a:buChar char="ü"/>
+            <a:endParaRPr lang="en-US" sz="2000" dirty="0"/>
+          </a:p>
+          <a:p>
+            <a:pPr marL="342900" indent="-342900">
+              <a:buFont typeface="Arial" panose="020B0604020202020204" pitchFamily="34" charset="0"/>
+              <a:buChar char="•"/>
             </a:pPr>
-            <a:r>
-              <a:rPr lang="en-US" sz="2000" b="1" dirty="0"/>
-              <a:t> </a:t>
-            </a:r>
-            <a:r>
-              <a:rPr lang="en-US" sz="2000" dirty="0"/>
-              <a:t>When a resistor is traversed in the same direction as the current, the change in potential is </a:t>
-            </a:r>
-            <a:r>
-              <a:rPr lang="en-US" sz="2000" b="1" i="1" dirty="0"/>
-              <a:t>−IR. </a:t>
-            </a:r>
-          </a:p>
-          <a:p>
-            <a:pPr marL="800100" lvl="1" indent="-342900" defTabSz="914400" eaLnBrk="0" fontAlgn="base" hangingPunct="0">
-              <a:spcBef>
-                <a:spcPts val="300"/>
-              </a:spcBef>
-              <a:spcAft>
-                <a:spcPts val="300"/>
-              </a:spcAft>
-              <a:buFont typeface="Wingdings" panose="05000000000000000000" pitchFamily="2" charset="2"/>
-              <a:buChar char="ü"/>
-            </a:pPr>
-            <a:r>
-              <a:rPr lang="en-US" sz="2000" dirty="0"/>
-              <a:t>When a resistor is traversed in the direction opposite to the current, the change in potential is </a:t>
-            </a:r>
-            <a:r>
-              <a:rPr lang="en-US" sz="2000" b="1" i="1" dirty="0"/>
-              <a:t>+IR</a:t>
-            </a:r>
-            <a:r>
-              <a:rPr lang="en-US" sz="2000" i="1" dirty="0"/>
-              <a:t>. </a:t>
-            </a:r>
-          </a:p>
-          <a:p>
-            <a:pPr marL="800100" lvl="1" indent="-342900" defTabSz="914400" eaLnBrk="0" fontAlgn="base" hangingPunct="0">
-              <a:spcBef>
-                <a:spcPts val="300"/>
-              </a:spcBef>
-              <a:spcAft>
-                <a:spcPts val="300"/>
-              </a:spcAft>
-              <a:buFont typeface="Wingdings" panose="05000000000000000000" pitchFamily="2" charset="2"/>
-              <a:buChar char="ü"/>
-            </a:pPr>
-            <a:r>
-              <a:rPr lang="en-US" sz="2000" dirty="0"/>
-              <a:t>When an emf is traversed from – to + (the same direction it moves positive charge), the change in potential is +emf. </a:t>
-            </a:r>
-          </a:p>
-          <a:p>
-            <a:pPr marL="800100" lvl="1" indent="-342900" defTabSz="914400" eaLnBrk="0" fontAlgn="base" hangingPunct="0">
-              <a:spcBef>
-                <a:spcPts val="300"/>
-              </a:spcBef>
-              <a:spcAft>
-                <a:spcPts val="300"/>
-              </a:spcAft>
-              <a:buFont typeface="Wingdings" panose="05000000000000000000" pitchFamily="2" charset="2"/>
-              <a:buChar char="ü"/>
-            </a:pPr>
-            <a:r>
-              <a:rPr lang="en-US" sz="2000" dirty="0"/>
-              <a:t>When an emf is traversed from + to – (opposite to the direction it moves positive charge), the change in potential is − emf.</a:t>
-            </a:r>
-            <a:endParaRPr kumimoji="0" lang="en-US" altLang="en-US" sz="2000" b="1" i="0" u="none" strike="noStrike" cap="none" normalizeH="0" baseline="0" dirty="0">
-              <a:ln>
-                <a:noFill/>
-              </a:ln>
-              <a:solidFill>
-                <a:schemeClr val="tx1"/>
-              </a:solidFill>
-              <a:effectLst/>
-              <a:latin typeface="Segoe UI Semibold" panose="020B0702040204020203" pitchFamily="34" charset="0"/>
-              <a:cs typeface="Segoe UI Semibold" panose="020B0702040204020203" pitchFamily="34" charset="0"/>
-            </a:endParaRPr>
-          </a:p>
-        </p:txBody>
-      </p:sp>
+            <a:endParaRPr lang="en-US" sz="2000" dirty="0"/>
+          </a:p>
+          <a:p>
+            <a:endParaRPr lang="en-US" sz="2000" dirty="0"/>
+          </a:p>
+        </p:txBody>
+      </p:sp>
+      <p:pic>
+        <p:nvPicPr>
+          <p:cNvPr id="4" name="Picture 3">
+            <a:extLst>
+              <a:ext uri="{FF2B5EF4-FFF2-40B4-BE49-F238E27FC236}">
+                <a16:creationId xmlns:a16="http://schemas.microsoft.com/office/drawing/2014/main" id="{AC225A15-B681-44BC-8C18-91F42D778D3C}"/>
+              </a:ext>
+            </a:extLst>
+          </p:cNvPr>
+          <p:cNvPicPr>
+            <a:picLocks noChangeAspect="1"/>
+          </p:cNvPicPr>
+          <p:nvPr/>
+        </p:nvPicPr>
+        <p:blipFill>
+          <a:blip r:embed="rId2">
+            <a:extLst>
+              <a:ext uri="{28A0092B-C50C-407E-A947-70E740481C1C}">
+                <a14:useLocalDpi xmlns:a14="http://schemas.microsoft.com/office/drawing/2010/main" val="0"/>
+              </a:ext>
+            </a:extLst>
+          </a:blip>
+          <a:stretch>
+            <a:fillRect/>
+          </a:stretch>
+        </p:blipFill>
+        <p:spPr>
+          <a:xfrm>
+            <a:off x="5695022" y="4151179"/>
+            <a:ext cx="1262459" cy="804644"/>
+          </a:xfrm>
+          <a:prstGeom prst="rect">
+            <a:avLst/>
+          </a:prstGeom>
+        </p:spPr>
+      </p:pic>
     </p:spTree>
     <p:extLst>
       <p:ext uri="{BB962C8B-B14F-4D97-AF65-F5344CB8AC3E}">
-        <p14:creationId xmlns:p14="http://schemas.microsoft.com/office/powerpoint/2010/main" val="2429426685"/>
+        <p14:creationId xmlns:p14="http://schemas.microsoft.com/office/powerpoint/2010/main" val="2291276916"/>
       </p:ext>
     </p:extLst>
   </p:cSld>
@@ -7324,7 +7267,7 @@
           <p:cNvPr id="4" name="Rectangle 2">
             <a:extLst>
               <a:ext uri="{FF2B5EF4-FFF2-40B4-BE49-F238E27FC236}">
-                <a16:creationId xmlns:a16="http://schemas.microsoft.com/office/drawing/2014/main" id="{EE920CF5-059B-4EB4-85A7-B4FAB1AC110A}"/>
+                <a16:creationId xmlns:a16="http://schemas.microsoft.com/office/drawing/2014/main" id="{8678A3E5-F839-42D2-946B-2D4DDB2FFC79}"/>
               </a:ext>
             </a:extLst>
           </p:cNvPr>
@@ -7335,7 +7278,7 @@
         </p:nvSpPr>
         <p:spPr bwMode="auto">
           <a:xfrm>
-            <a:off x="2365651" y="439692"/>
+            <a:off x="2144887" y="318707"/>
             <a:ext cx="9039654" cy="4338550"/>
           </a:xfrm>
           <a:prstGeom prst="rect">
@@ -7367,10 +7310,7 @@
                 <a:spcPts val="300"/>
               </a:spcAft>
             </a:pPr>
-            <a:r>
-              <a:rPr lang="en-US" sz="2400" b="1" u="sng" dirty="0"/>
-              <a:t>Kirchhoff's Rules</a:t>
-            </a:r>
+            <a:endParaRPr lang="en-US" sz="2400" b="1" u="sng" dirty="0"/>
           </a:p>
           <a:p>
             <a:pPr lvl="0" algn="ctr" defTabSz="914400" eaLnBrk="0" fontAlgn="base" hangingPunct="0">
@@ -7381,8 +7321,52 @@
                 <a:spcPts val="300"/>
               </a:spcAft>
             </a:pPr>
-            <a:endParaRPr lang="en-US" sz="1100" b="1" u="sng" dirty="0"/>
-          </a:p>
+            <a:r>
+              <a:rPr lang="en-US" sz="2400" b="1" u="sng" dirty="0"/>
+              <a:t>Parallel RL Circuit</a:t>
+            </a:r>
+          </a:p>
+        </p:txBody>
+      </p:sp>
+      <p:sp>
+        <p:nvSpPr>
+          <p:cNvPr id="12" name="Rectangle 2">
+            <a:extLst>
+              <a:ext uri="{FF2B5EF4-FFF2-40B4-BE49-F238E27FC236}">
+                <a16:creationId xmlns:a16="http://schemas.microsoft.com/office/drawing/2014/main" id="{973027B0-2F29-48DC-A336-742D06F55BAC}"/>
+              </a:ext>
+            </a:extLst>
+          </p:cNvPr>
+          <p:cNvSpPr>
+            <a:spLocks noChangeArrowheads="1"/>
+          </p:cNvSpPr>
+          <p:nvPr/>
+        </p:nvSpPr>
+        <p:spPr bwMode="auto">
+          <a:xfrm>
+            <a:off x="2144887" y="263608"/>
+            <a:ext cx="9039654" cy="519067"/>
+          </a:xfrm>
+          <a:prstGeom prst="rect">
+            <a:avLst/>
+          </a:prstGeom>
+          <a:solidFill>
+            <a:srgbClr val="FFFFFF">
+              <a:alpha val="0"/>
+            </a:srgbClr>
+          </a:solidFill>
+          <a:ln>
+            <a:noFill/>
+          </a:ln>
+          <a:effectLst/>
+        </p:spPr>
+        <p:txBody>
+          <a:bodyPr vert="horz" wrap="square" lIns="91440" tIns="45720" rIns="91440" bIns="45720" numCol="1" anchor="t" anchorCtr="0" compatLnSpc="1">
+            <a:prstTxWarp prst="textNoShape">
+              <a:avLst/>
+            </a:prstTxWarp>
+          </a:bodyPr>
+          <a:lstStyle/>
           <a:p>
             <a:pPr lvl="0" algn="ctr" defTabSz="914400" eaLnBrk="0" fontAlgn="base" hangingPunct="0">
               <a:spcBef>
@@ -7393,18 +7377,80 @@
               </a:spcAft>
             </a:pPr>
             <a:r>
-              <a:rPr lang="en-US" sz="2000" b="1" dirty="0"/>
-              <a:t>Rules for Kirchhoff’s loop rule</a:t>
+              <a:rPr lang="en-US" sz="2400" b="1" dirty="0">
+                <a:solidFill>
+                  <a:srgbClr val="990033"/>
+                </a:solidFill>
+                <a:latin typeface="Segoe UI Semibold" panose="020B0702040204020203" pitchFamily="34" charset="0"/>
+                <a:cs typeface="Segoe UI Semibold" panose="020B0702040204020203" pitchFamily="34" charset="0"/>
+              </a:rPr>
+              <a:t>THEORY</a:t>
+            </a:r>
+            <a:endParaRPr lang="en-US" dirty="0"/>
+          </a:p>
+        </p:txBody>
+      </p:sp>
+      <p:sp>
+        <p:nvSpPr>
+          <p:cNvPr id="10" name="Rectangle 2">
+            <a:extLst>
+              <a:ext uri="{FF2B5EF4-FFF2-40B4-BE49-F238E27FC236}">
+                <a16:creationId xmlns:a16="http://schemas.microsoft.com/office/drawing/2014/main" id="{6A9FC21B-557D-4116-A197-B4E57C413F89}"/>
+              </a:ext>
+            </a:extLst>
+          </p:cNvPr>
+          <p:cNvSpPr>
+            <a:spLocks noChangeArrowheads="1"/>
+          </p:cNvSpPr>
+          <p:nvPr/>
+        </p:nvSpPr>
+        <p:spPr bwMode="auto">
+          <a:xfrm>
+            <a:off x="4520430" y="4967677"/>
+            <a:ext cx="4288566" cy="1120626"/>
+          </a:xfrm>
+          <a:prstGeom prst="rect">
+            <a:avLst/>
+          </a:prstGeom>
+          <a:solidFill>
+            <a:srgbClr val="FFFFFF">
+              <a:alpha val="0"/>
+            </a:srgbClr>
+          </a:solidFill>
+          <a:ln>
+            <a:noFill/>
+          </a:ln>
+          <a:effectLst/>
+        </p:spPr>
+        <p:txBody>
+          <a:bodyPr vert="horz" wrap="square" lIns="91440" tIns="45720" rIns="91440" bIns="45720" numCol="1" anchor="t" anchorCtr="0" compatLnSpc="1">
+            <a:prstTxWarp prst="textNoShape">
+              <a:avLst/>
+            </a:prstTxWarp>
+          </a:bodyPr>
+          <a:lstStyle/>
+          <a:p>
+            <a:pPr lvl="0" algn="ctr" defTabSz="914400" eaLnBrk="0" fontAlgn="base" hangingPunct="0">
+              <a:spcBef>
+                <a:spcPts val="300"/>
+              </a:spcBef>
+              <a:spcAft>
+                <a:spcPts val="300"/>
+              </a:spcAft>
+            </a:pPr>
+            <a:r>
+              <a:rPr lang="en-US" sz="2400" u="sng" dirty="0"/>
+              <a:t>Figure 1 : Parallel RL circuit</a:t>
             </a:r>
           </a:p>
         </p:txBody>
       </p:sp>
       <p:pic>
         <p:nvPicPr>
-          <p:cNvPr id="3" name="Picture 2">
+          <p:cNvPr id="5" name="Picture 4">
             <a:extLst>
               <a:ext uri="{FF2B5EF4-FFF2-40B4-BE49-F238E27FC236}">
-                <a16:creationId xmlns:a16="http://schemas.microsoft.com/office/drawing/2014/main" id="{47D32626-C86C-411A-9C94-5B7987E2F5EC}"/>
+                <a16:creationId xmlns:a16="http://schemas.microsoft.com/office/drawing/2014/main" id="{50C67F18-60D4-4703-8EC0-C59423D0A884}"/>
               </a:ext>
             </a:extLst>
           </p:cNvPr>
@@ -7427,8 +7473,8 @@
         </p:blipFill>
         <p:spPr>
           <a:xfrm>
-            <a:off x="3551728" y="1739723"/>
-            <a:ext cx="6667500" cy="3762375"/>
+            <a:off x="4305096" y="1676752"/>
+            <a:ext cx="4719234" cy="2658181"/>
           </a:xfrm>
           <a:prstGeom prst="rect">
             <a:avLst/>
@@ -7438,7 +7484,7 @@
     </p:spTree>
     <p:extLst>
       <p:ext uri="{BB962C8B-B14F-4D97-AF65-F5344CB8AC3E}">
-        <p14:creationId xmlns:p14="http://schemas.microsoft.com/office/powerpoint/2010/main" val="2895375492"/>
+        <p14:creationId xmlns:p14="http://schemas.microsoft.com/office/powerpoint/2010/main" val="2174456226"/>
       </p:ext>
     </p:extLst>
   </p:cSld>
@@ -7465,12 +7511,165 @@
           <a:chExt cx="0" cy="0"/>
         </a:xfrm>
       </p:grpSpPr>
+      <p:sp>
+        <p:nvSpPr>
+          <p:cNvPr id="6" name="Rectangle 2">
+            <a:extLst>
+              <a:ext uri="{FF2B5EF4-FFF2-40B4-BE49-F238E27FC236}">
+                <a16:creationId xmlns:a16="http://schemas.microsoft.com/office/drawing/2014/main" id="{81F0AA2E-6160-418B-82B7-249D16780D01}"/>
+              </a:ext>
+            </a:extLst>
+          </p:cNvPr>
+          <p:cNvSpPr>
+            <a:spLocks noChangeArrowheads="1"/>
+          </p:cNvSpPr>
+          <p:nvPr/>
+        </p:nvSpPr>
+        <p:spPr bwMode="auto">
+          <a:xfrm>
+            <a:off x="2031999" y="808169"/>
+            <a:ext cx="9039654" cy="4338550"/>
+          </a:xfrm>
+          <a:prstGeom prst="rect">
+            <a:avLst/>
+          </a:prstGeom>
+          <a:solidFill>
+            <a:srgbClr val="FFFFFF">
+              <a:alpha val="0"/>
+            </a:srgbClr>
+          </a:solidFill>
+          <a:ln>
+            <a:noFill/>
+          </a:ln>
+          <a:effectLst/>
+        </p:spPr>
+        <p:txBody>
+          <a:bodyPr vert="horz" wrap="square" lIns="91440" tIns="45720" rIns="91440" bIns="45720" numCol="1" anchor="t" anchorCtr="0" compatLnSpc="1">
+            <a:prstTxWarp prst="textNoShape">
+              <a:avLst/>
+            </a:prstTxWarp>
+          </a:bodyPr>
+          <a:lstStyle/>
+          <a:p>
+            <a:pPr lvl="0" algn="ctr" defTabSz="914400" eaLnBrk="0" fontAlgn="base" hangingPunct="0">
+              <a:spcBef>
+                <a:spcPts val="300"/>
+              </a:spcBef>
+              <a:spcAft>
+                <a:spcPts val="300"/>
+              </a:spcAft>
+            </a:pPr>
+            <a:r>
+              <a:rPr lang="en-US" sz="2400" b="1" u="sng" dirty="0"/>
+              <a:t>Parallel RC Circuit</a:t>
+            </a:r>
+          </a:p>
+          <a:p>
+            <a:pPr lvl="0" algn="ctr" defTabSz="914400" eaLnBrk="0" fontAlgn="base" hangingPunct="0">
+              <a:spcBef>
+                <a:spcPts val="300"/>
+              </a:spcBef>
+              <a:spcAft>
+                <a:spcPts val="300"/>
+              </a:spcAft>
+            </a:pPr>
+            <a:endParaRPr lang="en-US" sz="2400" b="1" u="sng" dirty="0"/>
+          </a:p>
+          <a:p>
+            <a:r>
+              <a:rPr lang="en-US" sz="2000" dirty="0"/>
+              <a:t>The combination of a resistor and inductor connected in parallel to an AC source, as illustrated in Figure 1, is called a </a:t>
+            </a:r>
+            <a:r>
+              <a:rPr lang="en-US" sz="2000" b="1" i="1" dirty="0"/>
+              <a:t>parallel RL circuit</a:t>
+            </a:r>
+            <a:r>
+              <a:rPr lang="en-US" sz="2000" dirty="0"/>
+              <a:t>. In a parallel DC circuit, the voltage across each of the parallel branches is equal. This is also true of the </a:t>
+            </a:r>
+            <a:r>
+              <a:rPr lang="en-US" sz="2000" b="1" i="1" dirty="0"/>
+              <a:t>AC parallel circuit.</a:t>
+            </a:r>
+          </a:p>
+          <a:p>
+            <a:endParaRPr lang="en-US" sz="2000" dirty="0"/>
+          </a:p>
+          <a:p>
+            <a:r>
+              <a:rPr lang="en-US" sz="2000" dirty="0"/>
+              <a:t>The voltages across each parallel branch are:</a:t>
+            </a:r>
+          </a:p>
+          <a:p>
+            <a:endParaRPr lang="en-US" sz="2000" dirty="0"/>
+          </a:p>
+          <a:p>
+            <a:pPr marL="342900" indent="-342900">
+              <a:buFont typeface="Arial" panose="020B0604020202020204" pitchFamily="34" charset="0"/>
+              <a:buChar char="•"/>
+            </a:pPr>
+            <a:r>
+              <a:rPr lang="en-US" sz="2000" dirty="0"/>
+              <a:t>The same value.</a:t>
+            </a:r>
+          </a:p>
+          <a:p>
+            <a:pPr marL="342900" indent="-342900">
+              <a:buFont typeface="Arial" panose="020B0604020202020204" pitchFamily="34" charset="0"/>
+              <a:buChar char="•"/>
+            </a:pPr>
+            <a:r>
+              <a:rPr lang="en-US" sz="2000" dirty="0"/>
+              <a:t>Equal in value to the total applied voltage ET.</a:t>
+            </a:r>
+          </a:p>
+          <a:p>
+            <a:pPr marL="342900" indent="-342900">
+              <a:buFont typeface="Arial" panose="020B0604020202020204" pitchFamily="34" charset="0"/>
+              <a:buChar char="•"/>
+            </a:pPr>
+            <a:r>
+              <a:rPr lang="en-US" sz="2000" dirty="0"/>
+              <a:t>All in phase with each other.</a:t>
+            </a:r>
+          </a:p>
+          <a:p>
+            <a:pPr marL="342900" indent="-342900">
+              <a:buFont typeface="Arial" panose="020B0604020202020204" pitchFamily="34" charset="0"/>
+              <a:buChar char="•"/>
+            </a:pPr>
+            <a:endParaRPr lang="en-US" sz="2000" dirty="0"/>
+          </a:p>
+          <a:p>
+            <a:r>
+              <a:rPr lang="en-US" sz="2000" dirty="0"/>
+              <a:t>Therefore, for a RL parallel circuit</a:t>
+            </a:r>
+          </a:p>
+          <a:p>
+            <a:pPr marL="342900" indent="-342900">
+              <a:buFont typeface="Arial" panose="020B0604020202020204" pitchFamily="34" charset="0"/>
+              <a:buChar char="•"/>
+            </a:pPr>
+            <a:endParaRPr lang="en-US" sz="1050" b="1" u="sng" dirty="0"/>
+          </a:p>
+          <a:p>
+            <a:pPr marL="342900" indent="-342900">
+              <a:buFont typeface="Arial" panose="020B0604020202020204" pitchFamily="34" charset="0"/>
+              <a:buChar char="•"/>
+            </a:pPr>
+            <a:endParaRPr lang="en-US" sz="1050" b="1" u="sng" dirty="0"/>
+          </a:p>
+        </p:txBody>
+      </p:sp>
       <p:pic>
         <p:nvPicPr>
-          <p:cNvPr id="5" name="Picture 4">
+          <p:cNvPr id="3" name="Picture 2">
             <a:extLst>
               <a:ext uri="{FF2B5EF4-FFF2-40B4-BE49-F238E27FC236}">
-                <a16:creationId xmlns:a16="http://schemas.microsoft.com/office/drawing/2014/main" id="{4327156D-9342-4EC5-8981-6C8BE55323B9}"/>
+                <a16:creationId xmlns:a16="http://schemas.microsoft.com/office/drawing/2014/main" id="{8B6A1BC7-7DEA-44A4-B638-578C7307A10B}"/>
               </a:ext>
             </a:extLst>
           </p:cNvPr>
@@ -7493,8 +7692,8 @@
         </p:blipFill>
         <p:spPr>
           <a:xfrm>
-            <a:off x="2905007" y="437444"/>
-            <a:ext cx="7977481" cy="5983111"/>
+            <a:off x="6096000" y="5003800"/>
+            <a:ext cx="1496740" cy="504165"/>
           </a:xfrm>
           <a:prstGeom prst="rect">
             <a:avLst/>
@@ -7504,7 +7703,7 @@
     </p:spTree>
     <p:extLst>
       <p:ext uri="{BB962C8B-B14F-4D97-AF65-F5344CB8AC3E}">
-        <p14:creationId xmlns:p14="http://schemas.microsoft.com/office/powerpoint/2010/main" val="2753631047"/>
+        <p14:creationId xmlns:p14="http://schemas.microsoft.com/office/powerpoint/2010/main" val="279358826"/>
       </p:ext>
     </p:extLst>
   </p:cSld>
@@ -7531,12 +7730,123 @@
           <a:chExt cx="0" cy="0"/>
         </a:xfrm>
       </p:grpSpPr>
+      <p:sp>
+        <p:nvSpPr>
+          <p:cNvPr id="4" name="Rectangle 2">
+            <a:extLst>
+              <a:ext uri="{FF2B5EF4-FFF2-40B4-BE49-F238E27FC236}">
+                <a16:creationId xmlns:a16="http://schemas.microsoft.com/office/drawing/2014/main" id="{EE920CF5-059B-4EB4-85A7-B4FAB1AC110A}"/>
+              </a:ext>
+            </a:extLst>
+          </p:cNvPr>
+          <p:cNvSpPr>
+            <a:spLocks noChangeArrowheads="1"/>
+          </p:cNvSpPr>
+          <p:nvPr/>
+        </p:nvSpPr>
+        <p:spPr bwMode="auto">
+          <a:xfrm>
+            <a:off x="2031999" y="808169"/>
+            <a:ext cx="9039654" cy="4338550"/>
+          </a:xfrm>
+          <a:prstGeom prst="rect">
+            <a:avLst/>
+          </a:prstGeom>
+          <a:solidFill>
+            <a:srgbClr val="FFFFFF">
+              <a:alpha val="0"/>
+            </a:srgbClr>
+          </a:solidFill>
+          <a:ln>
+            <a:noFill/>
+          </a:ln>
+          <a:effectLst/>
+        </p:spPr>
+        <p:txBody>
+          <a:bodyPr vert="horz" wrap="square" lIns="91440" tIns="45720" rIns="91440" bIns="45720" numCol="1" anchor="t" anchorCtr="0" compatLnSpc="1">
+            <a:prstTxWarp prst="textNoShape">
+              <a:avLst/>
+            </a:prstTxWarp>
+          </a:bodyPr>
+          <a:lstStyle/>
+          <a:p>
+            <a:pPr lvl="0" algn="ctr" defTabSz="914400" eaLnBrk="0" fontAlgn="base" hangingPunct="0">
+              <a:spcBef>
+                <a:spcPts val="300"/>
+              </a:spcBef>
+              <a:spcAft>
+                <a:spcPts val="300"/>
+              </a:spcAft>
+            </a:pPr>
+            <a:r>
+              <a:rPr lang="en-US" sz="2400" b="1" u="sng" dirty="0"/>
+              <a:t>Parallel RL Circuit Phasor Diagram</a:t>
+            </a:r>
+            <a:endParaRPr lang="en-US" sz="1050" b="1" u="sng" dirty="0"/>
+          </a:p>
+        </p:txBody>
+      </p:sp>
+      <p:sp>
+        <p:nvSpPr>
+          <p:cNvPr id="6" name="Rectangle 2">
+            <a:extLst>
+              <a:ext uri="{FF2B5EF4-FFF2-40B4-BE49-F238E27FC236}">
+                <a16:creationId xmlns:a16="http://schemas.microsoft.com/office/drawing/2014/main" id="{085CACE7-78B5-4D1B-8290-7CC9D1234344}"/>
+              </a:ext>
+            </a:extLst>
+          </p:cNvPr>
+          <p:cNvSpPr>
+            <a:spLocks noChangeArrowheads="1"/>
+          </p:cNvSpPr>
+          <p:nvPr/>
+        </p:nvSpPr>
+        <p:spPr bwMode="auto">
+          <a:xfrm>
+            <a:off x="4486563" y="4195428"/>
+            <a:ext cx="4431659" cy="1120626"/>
+          </a:xfrm>
+          <a:prstGeom prst="rect">
+            <a:avLst/>
+          </a:prstGeom>
+          <a:solidFill>
+            <a:srgbClr val="FFFFFF">
+              <a:alpha val="0"/>
+            </a:srgbClr>
+          </a:solidFill>
+          <a:ln>
+            <a:noFill/>
+          </a:ln>
+          <a:effectLst/>
+        </p:spPr>
+        <p:txBody>
+          <a:bodyPr vert="horz" wrap="square" lIns="91440" tIns="45720" rIns="91440" bIns="45720" numCol="1" anchor="t" anchorCtr="0" compatLnSpc="1">
+            <a:prstTxWarp prst="textNoShape">
+              <a:avLst/>
+            </a:prstTxWarp>
+          </a:bodyPr>
+          <a:lstStyle/>
+          <a:p>
+            <a:pPr lvl="0" algn="ctr" defTabSz="914400" eaLnBrk="0" fontAlgn="base" hangingPunct="0">
+              <a:spcBef>
+                <a:spcPts val="300"/>
+              </a:spcBef>
+              <a:spcAft>
+                <a:spcPts val="300"/>
+              </a:spcAft>
+            </a:pPr>
+            <a:r>
+              <a:rPr lang="en-US" sz="2400" u="sng" dirty="0"/>
+              <a:t>Figure 2 : Parallel RL circuit vector (phasor) diagram</a:t>
+            </a:r>
+          </a:p>
+        </p:txBody>
+      </p:sp>
       <p:pic>
         <p:nvPicPr>
           <p:cNvPr id="3" name="Picture 2">
             <a:extLst>
               <a:ext uri="{FF2B5EF4-FFF2-40B4-BE49-F238E27FC236}">
-                <a16:creationId xmlns:a16="http://schemas.microsoft.com/office/drawing/2014/main" id="{EC33E7F5-6FD3-4C06-BD2A-6723592ED6A3}"/>
+                <a16:creationId xmlns:a16="http://schemas.microsoft.com/office/drawing/2014/main" id="{D9B36BCE-ED69-41C8-8E26-23379B388E6A}"/>
               </a:ext>
             </a:extLst>
           </p:cNvPr>
@@ -7559,8 +7869,8 @@
         </p:blipFill>
         <p:spPr>
           <a:xfrm>
-            <a:off x="2889954" y="254000"/>
-            <a:ext cx="8195734" cy="6146800"/>
+            <a:off x="4785679" y="1541946"/>
+            <a:ext cx="3602179" cy="2220074"/>
           </a:xfrm>
           <a:prstGeom prst="rect">
             <a:avLst/>
@@ -7570,7 +7880,7 @@
     </p:spTree>
     <p:extLst>
       <p:ext uri="{BB962C8B-B14F-4D97-AF65-F5344CB8AC3E}">
-        <p14:creationId xmlns:p14="http://schemas.microsoft.com/office/powerpoint/2010/main" val="2725896018"/>
+        <p14:creationId xmlns:p14="http://schemas.microsoft.com/office/powerpoint/2010/main" val="3452811692"/>
       </p:ext>
     </p:extLst>
   </p:cSld>
@@ -7597,12 +7907,310 @@
           <a:chExt cx="0" cy="0"/>
         </a:xfrm>
       </p:grpSpPr>
+      <p:sp>
+        <p:nvSpPr>
+          <p:cNvPr id="6" name="Rectangle 2">
+            <a:extLst>
+              <a:ext uri="{FF2B5EF4-FFF2-40B4-BE49-F238E27FC236}">
+                <a16:creationId xmlns:a16="http://schemas.microsoft.com/office/drawing/2014/main" id="{81F0AA2E-6160-418B-82B7-249D16780D01}"/>
+              </a:ext>
+            </a:extLst>
+          </p:cNvPr>
+          <p:cNvSpPr>
+            <a:spLocks noChangeArrowheads="1"/>
+          </p:cNvSpPr>
+          <p:nvPr/>
+        </p:nvSpPr>
+        <p:spPr bwMode="auto">
+          <a:xfrm>
+            <a:off x="2031999" y="808169"/>
+            <a:ext cx="9039654" cy="4338550"/>
+          </a:xfrm>
+          <a:prstGeom prst="rect">
+            <a:avLst/>
+          </a:prstGeom>
+          <a:solidFill>
+            <a:srgbClr val="FFFFFF">
+              <a:alpha val="0"/>
+            </a:srgbClr>
+          </a:solidFill>
+          <a:ln>
+            <a:noFill/>
+          </a:ln>
+          <a:effectLst/>
+        </p:spPr>
+        <p:txBody>
+          <a:bodyPr vert="horz" wrap="square" lIns="91440" tIns="45720" rIns="91440" bIns="45720" numCol="1" anchor="t" anchorCtr="0" compatLnSpc="1">
+            <a:prstTxWarp prst="textNoShape">
+              <a:avLst/>
+            </a:prstTxWarp>
+          </a:bodyPr>
+          <a:lstStyle/>
+          <a:p>
+            <a:pPr lvl="0" algn="ctr" defTabSz="914400" eaLnBrk="0" fontAlgn="base" hangingPunct="0">
+              <a:spcBef>
+                <a:spcPts val="300"/>
+              </a:spcBef>
+              <a:spcAft>
+                <a:spcPts val="300"/>
+              </a:spcAft>
+            </a:pPr>
+            <a:r>
+              <a:rPr lang="en-US" sz="2400" b="1" u="sng" dirty="0"/>
+              <a:t>Parallel RL Circuit Phasor Diagram</a:t>
+            </a:r>
+          </a:p>
+          <a:p>
+            <a:pPr lvl="0" algn="ctr" defTabSz="914400" eaLnBrk="0" fontAlgn="base" hangingPunct="0">
+              <a:spcBef>
+                <a:spcPts val="300"/>
+              </a:spcBef>
+              <a:spcAft>
+                <a:spcPts val="300"/>
+              </a:spcAft>
+            </a:pPr>
+            <a:endParaRPr lang="en-US" sz="2400" b="1" u="sng" dirty="0"/>
+          </a:p>
+          <a:p>
+            <a:r>
+              <a:rPr lang="en-US" sz="2000" dirty="0"/>
+              <a:t>The relationship between the voltage and currents in a parallel RL circuit is illustrated in the vector (phasor) diagram of Figure 2 and summarized as follows:</a:t>
+            </a:r>
+          </a:p>
+          <a:p>
+            <a:endParaRPr lang="en-US" sz="2000" dirty="0"/>
+          </a:p>
+          <a:p>
+            <a:pPr marL="342900" indent="-342900">
+              <a:buFont typeface="Arial" panose="020B0604020202020204" pitchFamily="34" charset="0"/>
+              <a:buChar char="•"/>
+            </a:pPr>
+            <a:r>
+              <a:rPr lang="en-US" sz="2000" dirty="0"/>
+              <a:t>The </a:t>
+            </a:r>
+            <a:r>
+              <a:rPr lang="en-US" sz="2000" b="1" i="1" dirty="0"/>
+              <a:t>reference vector is labeled E </a:t>
+            </a:r>
+            <a:r>
+              <a:rPr lang="en-US" sz="2000" dirty="0"/>
+              <a:t>and represents the voltage in the circuit, which is common to all elements.</a:t>
+            </a:r>
+          </a:p>
+          <a:p>
+            <a:pPr marL="342900" indent="-342900">
+              <a:buFont typeface="Arial" panose="020B0604020202020204" pitchFamily="34" charset="0"/>
+              <a:buChar char="•"/>
+            </a:pPr>
+            <a:endParaRPr lang="en-US" sz="700" dirty="0"/>
+          </a:p>
+          <a:p>
+            <a:pPr marL="342900" indent="-342900">
+              <a:buFont typeface="Arial" panose="020B0604020202020204" pitchFamily="34" charset="0"/>
+              <a:buChar char="•"/>
+            </a:pPr>
+            <a:r>
+              <a:rPr lang="en-US" sz="2000" dirty="0"/>
+              <a:t>Since the current through the resistor is in phase with the voltage across it, IR (2 A) is shown superimposed on the voltage vector.</a:t>
+            </a:r>
+          </a:p>
+          <a:p>
+            <a:pPr marL="342900" indent="-342900">
+              <a:buFont typeface="Arial" panose="020B0604020202020204" pitchFamily="34" charset="0"/>
+              <a:buChar char="•"/>
+            </a:pPr>
+            <a:endParaRPr lang="en-US" sz="700" dirty="0"/>
+          </a:p>
+          <a:p>
+            <a:pPr marL="342900" indent="-342900">
+              <a:buFont typeface="Arial" panose="020B0604020202020204" pitchFamily="34" charset="0"/>
+              <a:buChar char="•"/>
+            </a:pPr>
+            <a:r>
+              <a:rPr lang="en-US" sz="2000" dirty="0"/>
+              <a:t>The inductor current IL (4 A) lags the voltage by 90 degrees and is positioned in a downward direction lagging the voltage vector by 90 degrees.</a:t>
+            </a:r>
+          </a:p>
+          <a:p>
+            <a:pPr marL="342900" indent="-342900">
+              <a:buFont typeface="Arial" panose="020B0604020202020204" pitchFamily="34" charset="0"/>
+              <a:buChar char="•"/>
+            </a:pPr>
+            <a:endParaRPr lang="en-US" sz="700" dirty="0"/>
+          </a:p>
+          <a:p>
+            <a:pPr marL="342900" indent="-342900">
+              <a:buFont typeface="Arial" panose="020B0604020202020204" pitchFamily="34" charset="0"/>
+              <a:buChar char="•"/>
+            </a:pPr>
+            <a:r>
+              <a:rPr lang="en-US" sz="2000" dirty="0"/>
+              <a:t>The vector addition of IR and IL gives a resultant that represents the total (IT), or line current (4.5 A).</a:t>
+            </a:r>
+          </a:p>
+          <a:p>
+            <a:pPr marL="342900" indent="-342900">
+              <a:buFont typeface="Arial" panose="020B0604020202020204" pitchFamily="34" charset="0"/>
+              <a:buChar char="•"/>
+            </a:pPr>
+            <a:endParaRPr lang="en-US" sz="700" dirty="0"/>
+          </a:p>
+          <a:p>
+            <a:pPr marL="342900" indent="-342900">
+              <a:buFont typeface="Arial" panose="020B0604020202020204" pitchFamily="34" charset="0"/>
+              <a:buChar char="•"/>
+            </a:pPr>
+            <a:r>
+              <a:rPr lang="en-US" sz="2000" dirty="0"/>
+              <a:t>The </a:t>
+            </a:r>
+            <a:r>
+              <a:rPr lang="en-US" sz="2000" b="1" dirty="0"/>
+              <a:t>angle theta (θ) represents the phase between the applied line voltage and current.</a:t>
+            </a:r>
+            <a:endParaRPr lang="en-US" sz="1050" b="1" u="sng" dirty="0"/>
+          </a:p>
+        </p:txBody>
+      </p:sp>
+    </p:spTree>
+    <p:extLst>
+      <p:ext uri="{BB962C8B-B14F-4D97-AF65-F5344CB8AC3E}">
+        <p14:creationId xmlns:p14="http://schemas.microsoft.com/office/powerpoint/2010/main" val="3500653502"/>
+      </p:ext>
+    </p:extLst>
+  </p:cSld>
+  <p:clrMapOvr>
+    <a:masterClrMapping/>
+  </p:clrMapOvr>
+</p:sld>
+</file>
+
+<file path=ppt/slides/slide16.xml><?xml version="1.0" encoding="utf-8"?>
+<p:sld xmlns:a="http://schemas.openxmlformats.org/drawingml/2006/main" xmlns:r="http://schemas.openxmlformats.org/officeDocument/2006/relationships" xmlns:p="http://schemas.openxmlformats.org/presentationml/2006/main">
+  <p:cSld>
+    <p:spTree>
+      <p:nvGrpSpPr>
+        <p:cNvPr id="1" name=""/>
+        <p:cNvGrpSpPr/>
+        <p:nvPr/>
+      </p:nvGrpSpPr>
+      <p:grpSpPr>
+        <a:xfrm>
+          <a:off x="0" y="0"/>
+          <a:ext cx="0" cy="0"/>
+          <a:chOff x="0" y="0"/>
+          <a:chExt cx="0" cy="0"/>
+        </a:xfrm>
+      </p:grpSpPr>
+      <p:sp>
+        <p:nvSpPr>
+          <p:cNvPr id="6" name="Rectangle 2">
+            <a:extLst>
+              <a:ext uri="{FF2B5EF4-FFF2-40B4-BE49-F238E27FC236}">
+                <a16:creationId xmlns:a16="http://schemas.microsoft.com/office/drawing/2014/main" id="{81F0AA2E-6160-418B-82B7-249D16780D01}"/>
+              </a:ext>
+            </a:extLst>
+          </p:cNvPr>
+          <p:cNvSpPr>
+            <a:spLocks noChangeArrowheads="1"/>
+          </p:cNvSpPr>
+          <p:nvPr/>
+        </p:nvSpPr>
+        <p:spPr bwMode="auto">
+          <a:xfrm>
+            <a:off x="2031999" y="808169"/>
+            <a:ext cx="9039654" cy="4338550"/>
+          </a:xfrm>
+          <a:prstGeom prst="rect">
+            <a:avLst/>
+          </a:prstGeom>
+          <a:solidFill>
+            <a:srgbClr val="FFFFFF">
+              <a:alpha val="0"/>
+            </a:srgbClr>
+          </a:solidFill>
+          <a:ln>
+            <a:noFill/>
+          </a:ln>
+          <a:effectLst/>
+        </p:spPr>
+        <p:txBody>
+          <a:bodyPr vert="horz" wrap="square" lIns="91440" tIns="45720" rIns="91440" bIns="45720" numCol="1" anchor="t" anchorCtr="0" compatLnSpc="1">
+            <a:prstTxWarp prst="textNoShape">
+              <a:avLst/>
+            </a:prstTxWarp>
+          </a:bodyPr>
+          <a:lstStyle/>
+          <a:p>
+            <a:pPr lvl="0" algn="ctr" defTabSz="914400" eaLnBrk="0" fontAlgn="base" hangingPunct="0">
+              <a:spcBef>
+                <a:spcPts val="300"/>
+              </a:spcBef>
+              <a:spcAft>
+                <a:spcPts val="300"/>
+              </a:spcAft>
+            </a:pPr>
+            <a:r>
+              <a:rPr lang="en-US" sz="2400" b="1" u="sng" dirty="0"/>
+              <a:t>Parallel RL Circuit Phasor Diagram</a:t>
+            </a:r>
+          </a:p>
+          <a:p>
+            <a:pPr lvl="0" algn="ctr" defTabSz="914400" eaLnBrk="0" fontAlgn="base" hangingPunct="0">
+              <a:spcBef>
+                <a:spcPts val="300"/>
+              </a:spcBef>
+              <a:spcAft>
+                <a:spcPts val="300"/>
+              </a:spcAft>
+            </a:pPr>
+            <a:endParaRPr lang="en-US" sz="2400" b="1" u="sng" dirty="0"/>
+          </a:p>
+          <a:p>
+            <a:r>
+              <a:rPr lang="en-US" sz="2000" dirty="0"/>
+              <a:t>As is the case in all parallel circuits, the current in each branch of a parallel RL circuit acts </a:t>
+            </a:r>
+            <a:r>
+              <a:rPr lang="en-US" sz="2000" b="1" dirty="0"/>
+              <a:t>independent</a:t>
+            </a:r>
+            <a:r>
+              <a:rPr lang="en-US" sz="2000" dirty="0"/>
+              <a:t> of the currents in the other branches. The current flow in each branch is determined by the voltage across that branch and the opposition to current flow, in the form of either resistance or inductive reactance, contained in the branch.</a:t>
+            </a:r>
+          </a:p>
+          <a:p>
+            <a:endParaRPr lang="en-US" sz="2000" dirty="0"/>
+          </a:p>
+          <a:p>
+            <a:r>
+              <a:rPr lang="en-US" sz="2000" b="1" dirty="0"/>
+              <a:t>Ohm’s law </a:t>
+            </a:r>
+            <a:r>
+              <a:rPr lang="en-US" sz="2000" dirty="0"/>
+              <a:t>can then be used to find the individual branch currents as follows:</a:t>
+            </a:r>
+          </a:p>
+          <a:p>
+            <a:endParaRPr lang="en-US" sz="2000" dirty="0"/>
+          </a:p>
+          <a:p>
+            <a:endParaRPr lang="en-US" sz="2000" dirty="0"/>
+          </a:p>
+          <a:p>
+            <a:endParaRPr lang="en-US" sz="2000" dirty="0"/>
+          </a:p>
+        </p:txBody>
+      </p:sp>
       <p:pic>
         <p:nvPicPr>
-          <p:cNvPr id="4" name="Picture 3">
+          <p:cNvPr id="3" name="Picture 2">
             <a:extLst>
               <a:ext uri="{FF2B5EF4-FFF2-40B4-BE49-F238E27FC236}">
-                <a16:creationId xmlns:a16="http://schemas.microsoft.com/office/drawing/2014/main" id="{B42BA099-EF4A-4130-9220-B52047B2CD54}"/>
+                <a16:creationId xmlns:a16="http://schemas.microsoft.com/office/drawing/2014/main" id="{9370D527-AF29-4CE2-B4CC-77F0344FB0C5}"/>
               </a:ext>
             </a:extLst>
           </p:cNvPr>
@@ -7625,8 +8233,8 @@
         </p:blipFill>
         <p:spPr>
           <a:xfrm>
-            <a:off x="2777067" y="372533"/>
-            <a:ext cx="8150578" cy="6112934"/>
+            <a:off x="5461962" y="3645076"/>
+            <a:ext cx="900738" cy="1367191"/>
           </a:xfrm>
           <a:prstGeom prst="rect">
             <a:avLst/>
@@ -7636,7 +8244,322 @@
     </p:spTree>
     <p:extLst>
       <p:ext uri="{BB962C8B-B14F-4D97-AF65-F5344CB8AC3E}">
-        <p14:creationId xmlns:p14="http://schemas.microsoft.com/office/powerpoint/2010/main" val="3974556366"/>
+        <p14:creationId xmlns:p14="http://schemas.microsoft.com/office/powerpoint/2010/main" val="1038573856"/>
+      </p:ext>
+    </p:extLst>
+  </p:cSld>
+  <p:clrMapOvr>
+    <a:masterClrMapping/>
+  </p:clrMapOvr>
+</p:sld>
+</file>
+
+<file path=ppt/slides/slide17.xml><?xml version="1.0" encoding="utf-8"?>
+<p:sld xmlns:a="http://schemas.openxmlformats.org/drawingml/2006/main" xmlns:r="http://schemas.openxmlformats.org/officeDocument/2006/relationships" xmlns:p="http://schemas.openxmlformats.org/presentationml/2006/main">
+  <p:cSld>
+    <p:spTree>
+      <p:nvGrpSpPr>
+        <p:cNvPr id="1" name=""/>
+        <p:cNvGrpSpPr/>
+        <p:nvPr/>
+      </p:nvGrpSpPr>
+      <p:grpSpPr>
+        <a:xfrm>
+          <a:off x="0" y="0"/>
+          <a:ext cx="0" cy="0"/>
+          <a:chOff x="0" y="0"/>
+          <a:chExt cx="0" cy="0"/>
+        </a:xfrm>
+      </p:grpSpPr>
+      <p:sp>
+        <p:nvSpPr>
+          <p:cNvPr id="6" name="Rectangle 2">
+            <a:extLst>
+              <a:ext uri="{FF2B5EF4-FFF2-40B4-BE49-F238E27FC236}">
+                <a16:creationId xmlns:a16="http://schemas.microsoft.com/office/drawing/2014/main" id="{81F0AA2E-6160-418B-82B7-249D16780D01}"/>
+              </a:ext>
+            </a:extLst>
+          </p:cNvPr>
+          <p:cNvSpPr>
+            <a:spLocks noChangeArrowheads="1"/>
+          </p:cNvSpPr>
+          <p:nvPr/>
+        </p:nvSpPr>
+        <p:spPr bwMode="auto">
+          <a:xfrm>
+            <a:off x="2031999" y="808169"/>
+            <a:ext cx="9039654" cy="4338550"/>
+          </a:xfrm>
+          <a:prstGeom prst="rect">
+            <a:avLst/>
+          </a:prstGeom>
+          <a:solidFill>
+            <a:srgbClr val="FFFFFF">
+              <a:alpha val="0"/>
+            </a:srgbClr>
+          </a:solidFill>
+          <a:ln>
+            <a:noFill/>
+          </a:ln>
+          <a:effectLst/>
+        </p:spPr>
+        <p:txBody>
+          <a:bodyPr vert="horz" wrap="square" lIns="91440" tIns="45720" rIns="91440" bIns="45720" numCol="1" anchor="t" anchorCtr="0" compatLnSpc="1">
+            <a:prstTxWarp prst="textNoShape">
+              <a:avLst/>
+            </a:prstTxWarp>
+          </a:bodyPr>
+          <a:lstStyle/>
+          <a:p>
+            <a:pPr lvl="0" algn="ctr" defTabSz="914400" eaLnBrk="0" fontAlgn="base" hangingPunct="0">
+              <a:spcBef>
+                <a:spcPts val="300"/>
+              </a:spcBef>
+              <a:spcAft>
+                <a:spcPts val="300"/>
+              </a:spcAft>
+            </a:pPr>
+            <a:r>
+              <a:rPr lang="en-US" sz="2400" b="1" u="sng" dirty="0"/>
+              <a:t>Parallel RL Circuit Phasor Diagram</a:t>
+            </a:r>
+          </a:p>
+          <a:p>
+            <a:pPr lvl="0" algn="ctr" defTabSz="914400" eaLnBrk="0" fontAlgn="base" hangingPunct="0">
+              <a:spcBef>
+                <a:spcPts val="300"/>
+              </a:spcBef>
+              <a:spcAft>
+                <a:spcPts val="300"/>
+              </a:spcAft>
+            </a:pPr>
+            <a:endParaRPr lang="en-US" sz="2400" b="1" u="sng" dirty="0"/>
+          </a:p>
+          <a:p>
+            <a:r>
+              <a:rPr lang="en-US" sz="2000" dirty="0"/>
+              <a:t>The resistive branch current has the same phase as the applied voltage, but </a:t>
+            </a:r>
+            <a:r>
+              <a:rPr lang="en-US" sz="2000" b="1" dirty="0"/>
+              <a:t>the inductive branch current lags the applied voltage by 90 degrees. </a:t>
+            </a:r>
+            <a:r>
+              <a:rPr lang="en-US" sz="2000" dirty="0"/>
+              <a:t>As a result, the total line current (IT) consists of IR and IL 90 degrees out of phase with each other.</a:t>
+            </a:r>
+          </a:p>
+          <a:p>
+            <a:endParaRPr lang="en-US" sz="2000" dirty="0"/>
+          </a:p>
+          <a:p>
+            <a:r>
+              <a:rPr lang="en-US" sz="2000" dirty="0"/>
+              <a:t>The current flow through the resistor and the inductor form the legs of a right triangle, and the total current is the hypotenuse. Therefore, the Pythagorean theorem can be applied to add these currents together by using the equation:</a:t>
+            </a:r>
+          </a:p>
+          <a:p>
+            <a:endParaRPr lang="en-US" sz="2000" dirty="0"/>
+          </a:p>
+          <a:p>
+            <a:endParaRPr lang="en-US" sz="2000" dirty="0"/>
+          </a:p>
+          <a:p>
+            <a:endParaRPr lang="en-US" sz="2000" dirty="0"/>
+          </a:p>
+        </p:txBody>
+      </p:sp>
+      <p:pic>
+        <p:nvPicPr>
+          <p:cNvPr id="4" name="Picture 3">
+            <a:extLst>
+              <a:ext uri="{FF2B5EF4-FFF2-40B4-BE49-F238E27FC236}">
+                <a16:creationId xmlns:a16="http://schemas.microsoft.com/office/drawing/2014/main" id="{2A8B630A-F28D-4AB1-8011-4ED9D5DA8B5C}"/>
+              </a:ext>
+            </a:extLst>
+          </p:cNvPr>
+          <p:cNvPicPr>
+            <a:picLocks noChangeAspect="1"/>
+          </p:cNvPicPr>
+          <p:nvPr/>
+        </p:nvPicPr>
+        <p:blipFill>
+          <a:blip r:embed="rId2">
+            <a:extLst>
+              <a:ext uri="{28A0092B-C50C-407E-A947-70E740481C1C}">
+                <a14:useLocalDpi xmlns:a14="http://schemas.microsoft.com/office/drawing/2010/main" val="0"/>
+              </a:ext>
+            </a:extLst>
+          </a:blip>
+          <a:stretch>
+            <a:fillRect/>
+          </a:stretch>
+        </p:blipFill>
+        <p:spPr>
+          <a:xfrm>
+            <a:off x="5720123" y="4026957"/>
+            <a:ext cx="1748711" cy="657931"/>
+          </a:xfrm>
+          <a:prstGeom prst="rect">
+            <a:avLst/>
+          </a:prstGeom>
+        </p:spPr>
+      </p:pic>
+    </p:spTree>
+    <p:extLst>
+      <p:ext uri="{BB962C8B-B14F-4D97-AF65-F5344CB8AC3E}">
+        <p14:creationId xmlns:p14="http://schemas.microsoft.com/office/powerpoint/2010/main" val="376275623"/>
+      </p:ext>
+    </p:extLst>
+  </p:cSld>
+  <p:clrMapOvr>
+    <a:masterClrMapping/>
+  </p:clrMapOvr>
+</p:sld>
+</file>
+
+<file path=ppt/slides/slide18.xml><?xml version="1.0" encoding="utf-8"?>
+<p:sld xmlns:a="http://schemas.openxmlformats.org/drawingml/2006/main" xmlns:r="http://schemas.openxmlformats.org/officeDocument/2006/relationships" xmlns:p="http://schemas.openxmlformats.org/presentationml/2006/main">
+  <p:cSld>
+    <p:spTree>
+      <p:nvGrpSpPr>
+        <p:cNvPr id="1" name=""/>
+        <p:cNvGrpSpPr/>
+        <p:nvPr/>
+      </p:nvGrpSpPr>
+      <p:grpSpPr>
+        <a:xfrm>
+          <a:off x="0" y="0"/>
+          <a:ext cx="0" cy="0"/>
+          <a:chOff x="0" y="0"/>
+          <a:chExt cx="0" cy="0"/>
+        </a:xfrm>
+      </p:grpSpPr>
+      <p:sp>
+        <p:nvSpPr>
+          <p:cNvPr id="6" name="Rectangle 2">
+            <a:extLst>
+              <a:ext uri="{FF2B5EF4-FFF2-40B4-BE49-F238E27FC236}">
+                <a16:creationId xmlns:a16="http://schemas.microsoft.com/office/drawing/2014/main" id="{81F0AA2E-6160-418B-82B7-249D16780D01}"/>
+              </a:ext>
+            </a:extLst>
+          </p:cNvPr>
+          <p:cNvSpPr>
+            <a:spLocks noChangeArrowheads="1"/>
+          </p:cNvSpPr>
+          <p:nvPr/>
+        </p:nvSpPr>
+        <p:spPr bwMode="auto">
+          <a:xfrm>
+            <a:off x="2031999" y="808169"/>
+            <a:ext cx="9039654" cy="4338550"/>
+          </a:xfrm>
+          <a:prstGeom prst="rect">
+            <a:avLst/>
+          </a:prstGeom>
+          <a:solidFill>
+            <a:srgbClr val="FFFFFF">
+              <a:alpha val="0"/>
+            </a:srgbClr>
+          </a:solidFill>
+          <a:ln>
+            <a:noFill/>
+          </a:ln>
+          <a:effectLst/>
+        </p:spPr>
+        <p:txBody>
+          <a:bodyPr vert="horz" wrap="square" lIns="91440" tIns="45720" rIns="91440" bIns="45720" numCol="1" anchor="t" anchorCtr="0" compatLnSpc="1">
+            <a:prstTxWarp prst="textNoShape">
+              <a:avLst/>
+            </a:prstTxWarp>
+          </a:bodyPr>
+          <a:lstStyle/>
+          <a:p>
+            <a:pPr lvl="0" algn="ctr" defTabSz="914400" eaLnBrk="0" fontAlgn="base" hangingPunct="0">
+              <a:spcBef>
+                <a:spcPts val="300"/>
+              </a:spcBef>
+              <a:spcAft>
+                <a:spcPts val="300"/>
+              </a:spcAft>
+            </a:pPr>
+            <a:r>
+              <a:rPr lang="en-US" sz="2400" b="1" u="sng" dirty="0"/>
+              <a:t>Parallel RL Circuit Phasor Diagram</a:t>
+            </a:r>
+          </a:p>
+          <a:p>
+            <a:pPr lvl="0" algn="ctr" defTabSz="914400" eaLnBrk="0" fontAlgn="base" hangingPunct="0">
+              <a:spcBef>
+                <a:spcPts val="300"/>
+              </a:spcBef>
+              <a:spcAft>
+                <a:spcPts val="300"/>
+              </a:spcAft>
+            </a:pPr>
+            <a:endParaRPr lang="en-US" sz="2400" b="1" u="sng" dirty="0"/>
+          </a:p>
+          <a:p>
+            <a:r>
+              <a:rPr lang="en-US" sz="2000" dirty="0"/>
+              <a:t>In all parallel RL circuits, the phase angle theta (θ) by which the total current lags the voltage is somewhere between 0 and 90 degrees. The size of the angle is determined by whether there is </a:t>
+            </a:r>
+            <a:r>
+              <a:rPr lang="en-US" sz="2000" b="1" dirty="0"/>
+              <a:t>more inductive current or resistive current. </a:t>
+            </a:r>
+          </a:p>
+          <a:p>
+            <a:endParaRPr lang="en-US" sz="2000" dirty="0"/>
+          </a:p>
+          <a:p>
+            <a:r>
+              <a:rPr lang="en-US" sz="2000" dirty="0"/>
+              <a:t>If there is more inductive current, the phase angle will be closer to 90 degrees. It will be closer to 0 degrees if there is more resistive current. From the circuit vector diagram you can see that the value of the phase angle can be calculated from the equation:</a:t>
+            </a:r>
+          </a:p>
+        </p:txBody>
+      </p:sp>
+      <p:pic>
+        <p:nvPicPr>
+          <p:cNvPr id="3" name="Picture 2">
+            <a:extLst>
+              <a:ext uri="{FF2B5EF4-FFF2-40B4-BE49-F238E27FC236}">
+                <a16:creationId xmlns:a16="http://schemas.microsoft.com/office/drawing/2014/main" id="{7E043DB4-878A-47CB-BFDF-149DA3502FD9}"/>
+              </a:ext>
+            </a:extLst>
+          </p:cNvPr>
+          <p:cNvPicPr>
+            <a:picLocks noChangeAspect="1"/>
+          </p:cNvPicPr>
+          <p:nvPr/>
+        </p:nvPicPr>
+        <p:blipFill>
+          <a:blip r:embed="rId2">
+            <a:extLst>
+              <a:ext uri="{28A0092B-C50C-407E-A947-70E740481C1C}">
+                <a14:useLocalDpi xmlns:a14="http://schemas.microsoft.com/office/drawing/2010/main" val="0"/>
+              </a:ext>
+            </a:extLst>
+          </a:blip>
+          <a:stretch>
+            <a:fillRect/>
+          </a:stretch>
+        </p:blipFill>
+        <p:spPr>
+          <a:xfrm>
+            <a:off x="6123201" y="4340578"/>
+            <a:ext cx="857250" cy="457200"/>
+          </a:xfrm>
+          <a:prstGeom prst="rect">
+            <a:avLst/>
+          </a:prstGeom>
+        </p:spPr>
+      </p:pic>
+    </p:spTree>
+    <p:extLst>
+      <p:ext uri="{BB962C8B-B14F-4D97-AF65-F5344CB8AC3E}">
+        <p14:creationId xmlns:p14="http://schemas.microsoft.com/office/powerpoint/2010/main" val="2724970811"/>
       </p:ext>
     </p:extLst>
   </p:cSld>
@@ -7756,7 +8679,7 @@
                 <a:latin typeface="Segoe UI Semibold" panose="020B0702040204020203" pitchFamily="34" charset="0"/>
                 <a:cs typeface="Segoe UI Semibold" panose="020B0702040204020203" pitchFamily="34" charset="0"/>
               </a:rPr>
-              <a:t>To verify Kirchhoff’s Laws: Kirchhoff’s Current Law, Kirchhoff’s Voltage Law </a:t>
+              <a:t>To study and verify Parallel RC &amp; RL Circuit </a:t>
             </a:r>
             <a:endParaRPr kumimoji="0" lang="en-US" altLang="en-US" sz="3200" b="0" i="0" u="none" strike="noStrike" cap="none" normalizeH="0" baseline="0" dirty="0">
               <a:ln>
@@ -7915,6 +8838,1620 @@
 </file>
 
 <file path=ppt/slides/slide4.xml><?xml version="1.0" encoding="utf-8"?>
+<p:sld xmlns:a="http://schemas.openxmlformats.org/drawingml/2006/main" xmlns:r="http://schemas.openxmlformats.org/officeDocument/2006/relationships" xmlns:p="http://schemas.openxmlformats.org/presentationml/2006/main">
+  <p:cSld>
+    <p:spTree>
+      <p:nvGrpSpPr>
+        <p:cNvPr id="1" name=""/>
+        <p:cNvGrpSpPr/>
+        <p:nvPr/>
+      </p:nvGrpSpPr>
+      <p:grpSpPr>
+        <a:xfrm>
+          <a:off x="0" y="0"/>
+          <a:ext cx="0" cy="0"/>
+          <a:chOff x="0" y="0"/>
+          <a:chExt cx="0" cy="0"/>
+        </a:xfrm>
+      </p:grpSpPr>
+      <p:graphicFrame>
+        <p:nvGraphicFramePr>
+          <p:cNvPr id="5" name="Table 4">
+            <a:extLst>
+              <a:ext uri="{FF2B5EF4-FFF2-40B4-BE49-F238E27FC236}">
+                <a16:creationId xmlns:a16="http://schemas.microsoft.com/office/drawing/2014/main" id="{3A4B7D0F-C207-4027-B392-400922962187}"/>
+              </a:ext>
+            </a:extLst>
+          </p:cNvPr>
+          <p:cNvGraphicFramePr>
+            <a:graphicFrameLocks noGrp="1"/>
+          </p:cNvGraphicFramePr>
+          <p:nvPr>
+            <p:extLst>
+              <p:ext uri="{D42A27DB-BD31-4B8C-83A1-F6EECF244321}">
+                <p14:modId xmlns:p14="http://schemas.microsoft.com/office/powerpoint/2010/main" val="1776538449"/>
+              </p:ext>
+            </p:extLst>
+          </p:nvPr>
+        </p:nvGraphicFramePr>
+        <p:xfrm>
+          <a:off x="2465387" y="558929"/>
+          <a:ext cx="8128000" cy="5796280"/>
+        </p:xfrm>
+        <a:graphic>
+          <a:graphicData uri="http://schemas.openxmlformats.org/drawingml/2006/table">
+            <a:tbl>
+              <a:tblPr firstRow="1" bandRow="1">
+                <a:tableStyleId>{5C22544A-7EE6-4342-B048-85BDC9FD1C3A}</a:tableStyleId>
+              </a:tblPr>
+              <a:tblGrid>
+                <a:gridCol w="4064000">
+                  <a:extLst>
+                    <a:ext uri="{9D8B030D-6E8A-4147-A177-3AD203B41FA5}">
+                      <a16:colId xmlns:a16="http://schemas.microsoft.com/office/drawing/2014/main" val="1668580350"/>
+                    </a:ext>
+                  </a:extLst>
+                </a:gridCol>
+                <a:gridCol w="4064000">
+                  <a:extLst>
+                    <a:ext uri="{9D8B030D-6E8A-4147-A177-3AD203B41FA5}">
+                      <a16:colId xmlns:a16="http://schemas.microsoft.com/office/drawing/2014/main" val="1416088418"/>
+                    </a:ext>
+                  </a:extLst>
+                </a:gridCol>
+              </a:tblGrid>
+              <a:tr h="370840">
+                <a:tc>
+                  <a:txBody>
+                    <a:bodyPr/>
+                    <a:lstStyle/>
+                    <a:p>
+                      <a:pPr algn="ctr"/>
+                      <a:r>
+                        <a:rPr lang="en-US" dirty="0"/>
+                        <a:t>Parallel RC Circuit</a:t>
+                      </a:r>
+                      <a:endParaRPr lang="en-IN" dirty="0"/>
+                    </a:p>
+                  </a:txBody>
+                  <a:tcPr/>
+                </a:tc>
+                <a:tc>
+                  <a:txBody>
+                    <a:bodyPr/>
+                    <a:lstStyle/>
+                    <a:p>
+                      <a:pPr marL="0" marR="0" lvl="0" indent="0" algn="ctr" defTabSz="457200" rtl="0" eaLnBrk="1" fontAlgn="auto" latinLnBrk="0" hangingPunct="1">
+                        <a:lnSpc>
+                          <a:spcPct val="100000"/>
+                        </a:lnSpc>
+                        <a:spcBef>
+                          <a:spcPts val="0"/>
+                        </a:spcBef>
+                        <a:spcAft>
+                          <a:spcPts val="0"/>
+                        </a:spcAft>
+                        <a:buClrTx/>
+                        <a:buSzTx/>
+                        <a:buFontTx/>
+                        <a:buNone/>
+                        <a:tabLst/>
+                        <a:defRPr/>
+                      </a:pPr>
+                      <a:r>
+                        <a:rPr lang="en-US" dirty="0"/>
+                        <a:t>Parallel RL Circuit</a:t>
+                      </a:r>
+                      <a:endParaRPr lang="en-IN" dirty="0"/>
+                    </a:p>
+                  </a:txBody>
+                  <a:tcPr/>
+                </a:tc>
+                <a:extLst>
+                  <a:ext uri="{0D108BD9-81ED-4DB2-BD59-A6C34878D82A}">
+                    <a16:rowId xmlns:a16="http://schemas.microsoft.com/office/drawing/2014/main" val="1671667304"/>
+                  </a:ext>
+                </a:extLst>
+              </a:tr>
+              <a:tr h="370840">
+                <a:tc>
+                  <a:txBody>
+                    <a:bodyPr/>
+                    <a:lstStyle/>
+                    <a:p>
+                      <a:endParaRPr lang="en-US" dirty="0"/>
+                    </a:p>
+                    <a:p>
+                      <a:endParaRPr lang="en-US" dirty="0"/>
+                    </a:p>
+                    <a:p>
+                      <a:endParaRPr lang="en-US" dirty="0"/>
+                    </a:p>
+                    <a:p>
+                      <a:endParaRPr lang="en-US" dirty="0"/>
+                    </a:p>
+                    <a:p>
+                      <a:endParaRPr lang="en-US" dirty="0"/>
+                    </a:p>
+                    <a:p>
+                      <a:endParaRPr lang="en-US" dirty="0"/>
+                    </a:p>
+                    <a:p>
+                      <a:endParaRPr lang="en-US" dirty="0"/>
+                    </a:p>
+                    <a:p>
+                      <a:pPr algn="ctr"/>
+                      <a:r>
+                        <a:rPr lang="en-US" sz="1600" dirty="0"/>
+                        <a:t>Parallel RC Circuit</a:t>
+                      </a:r>
+                      <a:endParaRPr lang="en-IN" sz="1600" dirty="0"/>
+                    </a:p>
+                  </a:txBody>
+                  <a:tcPr/>
+                </a:tc>
+                <a:tc>
+                  <a:txBody>
+                    <a:bodyPr/>
+                    <a:lstStyle/>
+                    <a:p>
+                      <a:pPr marL="0" marR="0" lvl="0" indent="0" algn="l" defTabSz="457200" rtl="0" eaLnBrk="1" fontAlgn="auto" latinLnBrk="0" hangingPunct="1">
+                        <a:lnSpc>
+                          <a:spcPct val="100000"/>
+                        </a:lnSpc>
+                        <a:spcBef>
+                          <a:spcPts val="0"/>
+                        </a:spcBef>
+                        <a:spcAft>
+                          <a:spcPts val="0"/>
+                        </a:spcAft>
+                        <a:buClrTx/>
+                        <a:buSzTx/>
+                        <a:buFontTx/>
+                        <a:buNone/>
+                        <a:tabLst/>
+                        <a:defRPr/>
+                      </a:pPr>
+                      <a:endParaRPr lang="en-US" dirty="0"/>
+                    </a:p>
+                    <a:p>
+                      <a:pPr marL="0" marR="0" lvl="0" indent="0" algn="l" defTabSz="457200" rtl="0" eaLnBrk="1" fontAlgn="auto" latinLnBrk="0" hangingPunct="1">
+                        <a:lnSpc>
+                          <a:spcPct val="100000"/>
+                        </a:lnSpc>
+                        <a:spcBef>
+                          <a:spcPts val="0"/>
+                        </a:spcBef>
+                        <a:spcAft>
+                          <a:spcPts val="0"/>
+                        </a:spcAft>
+                        <a:buClrTx/>
+                        <a:buSzTx/>
+                        <a:buFontTx/>
+                        <a:buNone/>
+                        <a:tabLst/>
+                        <a:defRPr/>
+                      </a:pPr>
+                      <a:endParaRPr lang="en-US" dirty="0"/>
+                    </a:p>
+                    <a:p>
+                      <a:pPr marL="0" marR="0" lvl="0" indent="0" algn="l" defTabSz="457200" rtl="0" eaLnBrk="1" fontAlgn="auto" latinLnBrk="0" hangingPunct="1">
+                        <a:lnSpc>
+                          <a:spcPct val="100000"/>
+                        </a:lnSpc>
+                        <a:spcBef>
+                          <a:spcPts val="0"/>
+                        </a:spcBef>
+                        <a:spcAft>
+                          <a:spcPts val="0"/>
+                        </a:spcAft>
+                        <a:buClrTx/>
+                        <a:buSzTx/>
+                        <a:buFontTx/>
+                        <a:buNone/>
+                        <a:tabLst/>
+                        <a:defRPr/>
+                      </a:pPr>
+                      <a:endParaRPr lang="en-US" dirty="0"/>
+                    </a:p>
+                    <a:p>
+                      <a:pPr marL="0" marR="0" lvl="0" indent="0" algn="l" defTabSz="457200" rtl="0" eaLnBrk="1" fontAlgn="auto" latinLnBrk="0" hangingPunct="1">
+                        <a:lnSpc>
+                          <a:spcPct val="100000"/>
+                        </a:lnSpc>
+                        <a:spcBef>
+                          <a:spcPts val="0"/>
+                        </a:spcBef>
+                        <a:spcAft>
+                          <a:spcPts val="0"/>
+                        </a:spcAft>
+                        <a:buClrTx/>
+                        <a:buSzTx/>
+                        <a:buFontTx/>
+                        <a:buNone/>
+                        <a:tabLst/>
+                        <a:defRPr/>
+                      </a:pPr>
+                      <a:endParaRPr lang="en-US" dirty="0"/>
+                    </a:p>
+                    <a:p>
+                      <a:pPr marL="0" marR="0" lvl="0" indent="0" algn="l" defTabSz="457200" rtl="0" eaLnBrk="1" fontAlgn="auto" latinLnBrk="0" hangingPunct="1">
+                        <a:lnSpc>
+                          <a:spcPct val="100000"/>
+                        </a:lnSpc>
+                        <a:spcBef>
+                          <a:spcPts val="0"/>
+                        </a:spcBef>
+                        <a:spcAft>
+                          <a:spcPts val="0"/>
+                        </a:spcAft>
+                        <a:buClrTx/>
+                        <a:buSzTx/>
+                        <a:buFontTx/>
+                        <a:buNone/>
+                        <a:tabLst/>
+                        <a:defRPr/>
+                      </a:pPr>
+                      <a:endParaRPr lang="en-US" dirty="0"/>
+                    </a:p>
+                    <a:p>
+                      <a:pPr marL="0" marR="0" lvl="0" indent="0" algn="l" defTabSz="457200" rtl="0" eaLnBrk="1" fontAlgn="auto" latinLnBrk="0" hangingPunct="1">
+                        <a:lnSpc>
+                          <a:spcPct val="100000"/>
+                        </a:lnSpc>
+                        <a:spcBef>
+                          <a:spcPts val="0"/>
+                        </a:spcBef>
+                        <a:spcAft>
+                          <a:spcPts val="0"/>
+                        </a:spcAft>
+                        <a:buClrTx/>
+                        <a:buSzTx/>
+                        <a:buFontTx/>
+                        <a:buNone/>
+                        <a:tabLst/>
+                        <a:defRPr/>
+                      </a:pPr>
+                      <a:endParaRPr lang="en-US" dirty="0"/>
+                    </a:p>
+                    <a:p>
+                      <a:pPr marL="0" marR="0" lvl="0" indent="0" algn="l" defTabSz="457200" rtl="0" eaLnBrk="1" fontAlgn="auto" latinLnBrk="0" hangingPunct="1">
+                        <a:lnSpc>
+                          <a:spcPct val="100000"/>
+                        </a:lnSpc>
+                        <a:spcBef>
+                          <a:spcPts val="0"/>
+                        </a:spcBef>
+                        <a:spcAft>
+                          <a:spcPts val="0"/>
+                        </a:spcAft>
+                        <a:buClrTx/>
+                        <a:buSzTx/>
+                        <a:buFontTx/>
+                        <a:buNone/>
+                        <a:tabLst/>
+                        <a:defRPr/>
+                      </a:pPr>
+                      <a:endParaRPr lang="en-US" dirty="0"/>
+                    </a:p>
+                    <a:p>
+                      <a:pPr marL="0" marR="0" lvl="0" indent="0" algn="ctr" defTabSz="457200" rtl="0" eaLnBrk="1" fontAlgn="auto" latinLnBrk="0" hangingPunct="1">
+                        <a:lnSpc>
+                          <a:spcPct val="100000"/>
+                        </a:lnSpc>
+                        <a:spcBef>
+                          <a:spcPts val="0"/>
+                        </a:spcBef>
+                        <a:spcAft>
+                          <a:spcPts val="0"/>
+                        </a:spcAft>
+                        <a:buClrTx/>
+                        <a:buSzTx/>
+                        <a:buFontTx/>
+                        <a:buNone/>
+                        <a:tabLst/>
+                        <a:defRPr/>
+                      </a:pPr>
+                      <a:r>
+                        <a:rPr lang="en-US" sz="1600" dirty="0"/>
+                        <a:t>Parallel RL Circuit</a:t>
+                      </a:r>
+                      <a:endParaRPr lang="en-IN" sz="1600" dirty="0"/>
+                    </a:p>
+                  </a:txBody>
+                  <a:tcPr/>
+                </a:tc>
+                <a:extLst>
+                  <a:ext uri="{0D108BD9-81ED-4DB2-BD59-A6C34878D82A}">
+                    <a16:rowId xmlns:a16="http://schemas.microsoft.com/office/drawing/2014/main" val="3346798821"/>
+                  </a:ext>
+                </a:extLst>
+              </a:tr>
+              <a:tr h="370840">
+                <a:tc>
+                  <a:txBody>
+                    <a:bodyPr/>
+                    <a:lstStyle/>
+                    <a:p>
+                      <a:endParaRPr lang="en-US" dirty="0"/>
+                    </a:p>
+                    <a:p>
+                      <a:endParaRPr lang="en-US" dirty="0"/>
+                    </a:p>
+                    <a:p>
+                      <a:endParaRPr lang="en-US" dirty="0"/>
+                    </a:p>
+                    <a:p>
+                      <a:endParaRPr lang="en-US" dirty="0"/>
+                    </a:p>
+                    <a:p>
+                      <a:endParaRPr lang="en-US" dirty="0"/>
+                    </a:p>
+                    <a:p>
+                      <a:endParaRPr lang="en-US" dirty="0"/>
+                    </a:p>
+                    <a:p>
+                      <a:endParaRPr lang="en-US" dirty="0"/>
+                    </a:p>
+                    <a:p>
+                      <a:pPr algn="ctr"/>
+                      <a:r>
+                        <a:rPr lang="en-US" sz="1600" dirty="0"/>
+                        <a:t>Parallel RC Circuit Phasor Vector Diagram</a:t>
+                      </a:r>
+                      <a:endParaRPr lang="en-IN" sz="1600" dirty="0"/>
+                    </a:p>
+                  </a:txBody>
+                  <a:tcPr/>
+                </a:tc>
+                <a:tc>
+                  <a:txBody>
+                    <a:bodyPr/>
+                    <a:lstStyle/>
+                    <a:p>
+                      <a:pPr marL="0" marR="0" lvl="0" indent="0" algn="l" defTabSz="457200" rtl="0" eaLnBrk="1" fontAlgn="auto" latinLnBrk="0" hangingPunct="1">
+                        <a:lnSpc>
+                          <a:spcPct val="100000"/>
+                        </a:lnSpc>
+                        <a:spcBef>
+                          <a:spcPts val="0"/>
+                        </a:spcBef>
+                        <a:spcAft>
+                          <a:spcPts val="0"/>
+                        </a:spcAft>
+                        <a:buClrTx/>
+                        <a:buSzTx/>
+                        <a:buFontTx/>
+                        <a:buNone/>
+                        <a:tabLst/>
+                        <a:defRPr/>
+                      </a:pPr>
+                      <a:endParaRPr lang="en-US" sz="1800" dirty="0"/>
+                    </a:p>
+                    <a:p>
+                      <a:pPr marL="0" marR="0" lvl="0" indent="0" algn="l" defTabSz="457200" rtl="0" eaLnBrk="1" fontAlgn="auto" latinLnBrk="0" hangingPunct="1">
+                        <a:lnSpc>
+                          <a:spcPct val="100000"/>
+                        </a:lnSpc>
+                        <a:spcBef>
+                          <a:spcPts val="0"/>
+                        </a:spcBef>
+                        <a:spcAft>
+                          <a:spcPts val="0"/>
+                        </a:spcAft>
+                        <a:buClrTx/>
+                        <a:buSzTx/>
+                        <a:buFontTx/>
+                        <a:buNone/>
+                        <a:tabLst/>
+                        <a:defRPr/>
+                      </a:pPr>
+                      <a:endParaRPr lang="en-US" sz="1800" dirty="0"/>
+                    </a:p>
+                    <a:p>
+                      <a:pPr marL="0" marR="0" lvl="0" indent="0" algn="l" defTabSz="457200" rtl="0" eaLnBrk="1" fontAlgn="auto" latinLnBrk="0" hangingPunct="1">
+                        <a:lnSpc>
+                          <a:spcPct val="100000"/>
+                        </a:lnSpc>
+                        <a:spcBef>
+                          <a:spcPts val="0"/>
+                        </a:spcBef>
+                        <a:spcAft>
+                          <a:spcPts val="0"/>
+                        </a:spcAft>
+                        <a:buClrTx/>
+                        <a:buSzTx/>
+                        <a:buFontTx/>
+                        <a:buNone/>
+                        <a:tabLst/>
+                        <a:defRPr/>
+                      </a:pPr>
+                      <a:endParaRPr lang="en-US" sz="1800" dirty="0"/>
+                    </a:p>
+                    <a:p>
+                      <a:pPr marL="0" marR="0" lvl="0" indent="0" algn="l" defTabSz="457200" rtl="0" eaLnBrk="1" fontAlgn="auto" latinLnBrk="0" hangingPunct="1">
+                        <a:lnSpc>
+                          <a:spcPct val="100000"/>
+                        </a:lnSpc>
+                        <a:spcBef>
+                          <a:spcPts val="0"/>
+                        </a:spcBef>
+                        <a:spcAft>
+                          <a:spcPts val="0"/>
+                        </a:spcAft>
+                        <a:buClrTx/>
+                        <a:buSzTx/>
+                        <a:buFontTx/>
+                        <a:buNone/>
+                        <a:tabLst/>
+                        <a:defRPr/>
+                      </a:pPr>
+                      <a:endParaRPr lang="en-US" sz="1800" dirty="0"/>
+                    </a:p>
+                    <a:p>
+                      <a:pPr marL="0" marR="0" lvl="0" indent="0" algn="l" defTabSz="457200" rtl="0" eaLnBrk="1" fontAlgn="auto" latinLnBrk="0" hangingPunct="1">
+                        <a:lnSpc>
+                          <a:spcPct val="100000"/>
+                        </a:lnSpc>
+                        <a:spcBef>
+                          <a:spcPts val="0"/>
+                        </a:spcBef>
+                        <a:spcAft>
+                          <a:spcPts val="0"/>
+                        </a:spcAft>
+                        <a:buClrTx/>
+                        <a:buSzTx/>
+                        <a:buFontTx/>
+                        <a:buNone/>
+                        <a:tabLst/>
+                        <a:defRPr/>
+                      </a:pPr>
+                      <a:endParaRPr lang="en-US" sz="1800" dirty="0"/>
+                    </a:p>
+                    <a:p>
+                      <a:pPr marL="0" marR="0" lvl="0" indent="0" algn="l" defTabSz="457200" rtl="0" eaLnBrk="1" fontAlgn="auto" latinLnBrk="0" hangingPunct="1">
+                        <a:lnSpc>
+                          <a:spcPct val="100000"/>
+                        </a:lnSpc>
+                        <a:spcBef>
+                          <a:spcPts val="0"/>
+                        </a:spcBef>
+                        <a:spcAft>
+                          <a:spcPts val="0"/>
+                        </a:spcAft>
+                        <a:buClrTx/>
+                        <a:buSzTx/>
+                        <a:buFontTx/>
+                        <a:buNone/>
+                        <a:tabLst/>
+                        <a:defRPr/>
+                      </a:pPr>
+                      <a:endParaRPr lang="en-US" sz="1800" dirty="0"/>
+                    </a:p>
+                    <a:p>
+                      <a:pPr marL="0" marR="0" lvl="0" indent="0" algn="ctr" defTabSz="457200" rtl="0" eaLnBrk="1" fontAlgn="auto" latinLnBrk="0" hangingPunct="1">
+                        <a:lnSpc>
+                          <a:spcPct val="100000"/>
+                        </a:lnSpc>
+                        <a:spcBef>
+                          <a:spcPts val="0"/>
+                        </a:spcBef>
+                        <a:spcAft>
+                          <a:spcPts val="0"/>
+                        </a:spcAft>
+                        <a:buClrTx/>
+                        <a:buSzTx/>
+                        <a:buFontTx/>
+                        <a:buNone/>
+                        <a:tabLst/>
+                        <a:defRPr/>
+                      </a:pPr>
+                      <a:endParaRPr lang="en-US" sz="1800" dirty="0"/>
+                    </a:p>
+                    <a:p>
+                      <a:pPr marL="0" marR="0" lvl="0" indent="0" algn="ctr" defTabSz="457200" rtl="0" eaLnBrk="1" fontAlgn="auto" latinLnBrk="0" hangingPunct="1">
+                        <a:lnSpc>
+                          <a:spcPct val="100000"/>
+                        </a:lnSpc>
+                        <a:spcBef>
+                          <a:spcPts val="0"/>
+                        </a:spcBef>
+                        <a:spcAft>
+                          <a:spcPts val="0"/>
+                        </a:spcAft>
+                        <a:buClrTx/>
+                        <a:buSzTx/>
+                        <a:buFontTx/>
+                        <a:buNone/>
+                        <a:tabLst/>
+                        <a:defRPr/>
+                      </a:pPr>
+                      <a:r>
+                        <a:rPr lang="en-US" sz="1600" dirty="0"/>
+                        <a:t>Parallel RL Circuit Phasor Vector Diagram</a:t>
+                      </a:r>
+                      <a:endParaRPr lang="en-IN" sz="1600" dirty="0"/>
+                    </a:p>
+                  </a:txBody>
+                  <a:tcPr/>
+                </a:tc>
+                <a:extLst>
+                  <a:ext uri="{0D108BD9-81ED-4DB2-BD59-A6C34878D82A}">
+                    <a16:rowId xmlns:a16="http://schemas.microsoft.com/office/drawing/2014/main" val="542165998"/>
+                  </a:ext>
+                </a:extLst>
+              </a:tr>
+              <a:tr h="370840">
+                <a:tc>
+                  <a:txBody>
+                    <a:bodyPr/>
+                    <a:lstStyle/>
+                    <a:p>
+                      <a:endParaRPr lang="en-US" dirty="0"/>
+                    </a:p>
+                    <a:p>
+                      <a:endParaRPr lang="en-US" dirty="0"/>
+                    </a:p>
+                    <a:p>
+                      <a:endParaRPr lang="en-IN" dirty="0"/>
+                    </a:p>
+                  </a:txBody>
+                  <a:tcPr/>
+                </a:tc>
+                <a:tc>
+                  <a:txBody>
+                    <a:bodyPr/>
+                    <a:lstStyle/>
+                    <a:p>
+                      <a:endParaRPr lang="en-IN" dirty="0"/>
+                    </a:p>
+                  </a:txBody>
+                  <a:tcPr/>
+                </a:tc>
+                <a:extLst>
+                  <a:ext uri="{0D108BD9-81ED-4DB2-BD59-A6C34878D82A}">
+                    <a16:rowId xmlns:a16="http://schemas.microsoft.com/office/drawing/2014/main" val="3217717969"/>
+                  </a:ext>
+                </a:extLst>
+              </a:tr>
+            </a:tbl>
+          </a:graphicData>
+        </a:graphic>
+      </p:graphicFrame>
+      <p:pic>
+        <p:nvPicPr>
+          <p:cNvPr id="10" name="Picture 9">
+            <a:extLst>
+              <a:ext uri="{FF2B5EF4-FFF2-40B4-BE49-F238E27FC236}">
+                <a16:creationId xmlns:a16="http://schemas.microsoft.com/office/drawing/2014/main" id="{BAB97F0D-454C-44B5-B1CE-30B3DC5A293C}"/>
+              </a:ext>
+            </a:extLst>
+          </p:cNvPr>
+          <p:cNvPicPr>
+            <a:picLocks noChangeAspect="1"/>
+          </p:cNvPicPr>
+          <p:nvPr/>
+        </p:nvPicPr>
+        <p:blipFill>
+          <a:blip r:embed="rId2">
+            <a:extLst>
+              <a:ext uri="{28A0092B-C50C-407E-A947-70E740481C1C}">
+                <a14:useLocalDpi xmlns:a14="http://schemas.microsoft.com/office/drawing/2010/main" val="0"/>
+              </a:ext>
+            </a:extLst>
+          </a:blip>
+          <a:stretch>
+            <a:fillRect/>
+          </a:stretch>
+        </p:blipFill>
+        <p:spPr>
+          <a:xfrm>
+            <a:off x="2623421" y="1021826"/>
+            <a:ext cx="3762375" cy="1800225"/>
+          </a:xfrm>
+          <a:prstGeom prst="rect">
+            <a:avLst/>
+          </a:prstGeom>
+        </p:spPr>
+      </p:pic>
+      <p:pic>
+        <p:nvPicPr>
+          <p:cNvPr id="12" name="Picture 11">
+            <a:extLst>
+              <a:ext uri="{FF2B5EF4-FFF2-40B4-BE49-F238E27FC236}">
+                <a16:creationId xmlns:a16="http://schemas.microsoft.com/office/drawing/2014/main" id="{BC459543-1CA5-4926-AE56-63EB539052B8}"/>
+              </a:ext>
+            </a:extLst>
+          </p:cNvPr>
+          <p:cNvPicPr>
+            <a:picLocks noChangeAspect="1"/>
+          </p:cNvPicPr>
+          <p:nvPr/>
+        </p:nvPicPr>
+        <p:blipFill>
+          <a:blip r:embed="rId3">
+            <a:extLst>
+              <a:ext uri="{28A0092B-C50C-407E-A947-70E740481C1C}">
+                <a14:useLocalDpi xmlns:a14="http://schemas.microsoft.com/office/drawing/2010/main" val="0"/>
+              </a:ext>
+            </a:extLst>
+          </a:blip>
+          <a:stretch>
+            <a:fillRect/>
+          </a:stretch>
+        </p:blipFill>
+        <p:spPr>
+          <a:xfrm>
+            <a:off x="6891566" y="1036052"/>
+            <a:ext cx="3196051" cy="1800225"/>
+          </a:xfrm>
+          <a:prstGeom prst="rect">
+            <a:avLst/>
+          </a:prstGeom>
+        </p:spPr>
+      </p:pic>
+      <p:pic>
+        <p:nvPicPr>
+          <p:cNvPr id="14" name="Picture 13">
+            <a:extLst>
+              <a:ext uri="{FF2B5EF4-FFF2-40B4-BE49-F238E27FC236}">
+                <a16:creationId xmlns:a16="http://schemas.microsoft.com/office/drawing/2014/main" id="{5190CFF8-D5E6-4F74-80BE-218602B1E539}"/>
+              </a:ext>
+            </a:extLst>
+          </p:cNvPr>
+          <p:cNvPicPr>
+            <a:picLocks noChangeAspect="1"/>
+          </p:cNvPicPr>
+          <p:nvPr/>
+        </p:nvPicPr>
+        <p:blipFill>
+          <a:blip r:embed="rId4">
+            <a:extLst>
+              <a:ext uri="{28A0092B-C50C-407E-A947-70E740481C1C}">
+                <a14:useLocalDpi xmlns:a14="http://schemas.microsoft.com/office/drawing/2010/main" val="0"/>
+              </a:ext>
+            </a:extLst>
+          </a:blip>
+          <a:stretch>
+            <a:fillRect/>
+          </a:stretch>
+        </p:blipFill>
+        <p:spPr>
+          <a:xfrm>
+            <a:off x="3022145" y="3404417"/>
+            <a:ext cx="2964921" cy="1741891"/>
+          </a:xfrm>
+          <a:prstGeom prst="rect">
+            <a:avLst/>
+          </a:prstGeom>
+        </p:spPr>
+      </p:pic>
+      <p:pic>
+        <p:nvPicPr>
+          <p:cNvPr id="16" name="Picture 15">
+            <a:extLst>
+              <a:ext uri="{FF2B5EF4-FFF2-40B4-BE49-F238E27FC236}">
+                <a16:creationId xmlns:a16="http://schemas.microsoft.com/office/drawing/2014/main" id="{2B366D00-1178-4303-87A3-5B5F9C991976}"/>
+              </a:ext>
+            </a:extLst>
+          </p:cNvPr>
+          <p:cNvPicPr>
+            <a:picLocks noChangeAspect="1"/>
+          </p:cNvPicPr>
+          <p:nvPr/>
+        </p:nvPicPr>
+        <p:blipFill>
+          <a:blip r:embed="rId5">
+            <a:extLst>
+              <a:ext uri="{28A0092B-C50C-407E-A947-70E740481C1C}">
+                <a14:useLocalDpi xmlns:a14="http://schemas.microsoft.com/office/drawing/2010/main" val="0"/>
+              </a:ext>
+            </a:extLst>
+          </a:blip>
+          <a:stretch>
+            <a:fillRect/>
+          </a:stretch>
+        </p:blipFill>
+        <p:spPr>
+          <a:xfrm>
+            <a:off x="7076617" y="3315051"/>
+            <a:ext cx="2825947" cy="1741671"/>
+          </a:xfrm>
+          <a:prstGeom prst="rect">
+            <a:avLst/>
+          </a:prstGeom>
+        </p:spPr>
+      </p:pic>
+      <p:pic>
+        <p:nvPicPr>
+          <p:cNvPr id="18" name="Picture 17">
+            <a:extLst>
+              <a:ext uri="{FF2B5EF4-FFF2-40B4-BE49-F238E27FC236}">
+                <a16:creationId xmlns:a16="http://schemas.microsoft.com/office/drawing/2014/main" id="{56CB510A-99CC-4FA3-BC18-B8E720DB6546}"/>
+              </a:ext>
+            </a:extLst>
+          </p:cNvPr>
+          <p:cNvPicPr>
+            <a:picLocks noChangeAspect="1"/>
+          </p:cNvPicPr>
+          <p:nvPr/>
+        </p:nvPicPr>
+        <p:blipFill>
+          <a:blip r:embed="rId6">
+            <a:extLst>
+              <a:ext uri="{28A0092B-C50C-407E-A947-70E740481C1C}">
+                <a14:useLocalDpi xmlns:a14="http://schemas.microsoft.com/office/drawing/2010/main" val="0"/>
+              </a:ext>
+            </a:extLst>
+          </a:blip>
+          <a:stretch>
+            <a:fillRect/>
+          </a:stretch>
+        </p:blipFill>
+        <p:spPr>
+          <a:xfrm>
+            <a:off x="3858813" y="5583020"/>
+            <a:ext cx="1079180" cy="687829"/>
+          </a:xfrm>
+          <a:prstGeom prst="rect">
+            <a:avLst/>
+          </a:prstGeom>
+        </p:spPr>
+      </p:pic>
+      <p:pic>
+        <p:nvPicPr>
+          <p:cNvPr id="20" name="Picture 19">
+            <a:extLst>
+              <a:ext uri="{FF2B5EF4-FFF2-40B4-BE49-F238E27FC236}">
+                <a16:creationId xmlns:a16="http://schemas.microsoft.com/office/drawing/2014/main" id="{56609D77-E3C1-46AC-935B-328434CEB25E}"/>
+              </a:ext>
+            </a:extLst>
+          </p:cNvPr>
+          <p:cNvPicPr>
+            <a:picLocks noChangeAspect="1"/>
+          </p:cNvPicPr>
+          <p:nvPr/>
+        </p:nvPicPr>
+        <p:blipFill>
+          <a:blip r:embed="rId7">
+            <a:extLst>
+              <a:ext uri="{28A0092B-C50C-407E-A947-70E740481C1C}">
+                <a14:useLocalDpi xmlns:a14="http://schemas.microsoft.com/office/drawing/2010/main" val="0"/>
+              </a:ext>
+            </a:extLst>
+          </a:blip>
+          <a:stretch>
+            <a:fillRect/>
+          </a:stretch>
+        </p:blipFill>
+        <p:spPr>
+          <a:xfrm>
+            <a:off x="7884996" y="5690135"/>
+            <a:ext cx="1088837" cy="580713"/>
+          </a:xfrm>
+          <a:prstGeom prst="rect">
+            <a:avLst/>
+          </a:prstGeom>
+        </p:spPr>
+      </p:pic>
+      <p:sp>
+        <p:nvSpPr>
+          <p:cNvPr id="21" name="Rectangle 2">
+            <a:extLst>
+              <a:ext uri="{FF2B5EF4-FFF2-40B4-BE49-F238E27FC236}">
+                <a16:creationId xmlns:a16="http://schemas.microsoft.com/office/drawing/2014/main" id="{147EC1FF-08BB-48D6-BF19-A62AC755CC69}"/>
+              </a:ext>
+            </a:extLst>
+          </p:cNvPr>
+          <p:cNvSpPr>
+            <a:spLocks noChangeArrowheads="1"/>
+          </p:cNvSpPr>
+          <p:nvPr/>
+        </p:nvSpPr>
+        <p:spPr bwMode="auto">
+          <a:xfrm>
+            <a:off x="2009560" y="114482"/>
+            <a:ext cx="9039654" cy="519067"/>
+          </a:xfrm>
+          <a:prstGeom prst="rect">
+            <a:avLst/>
+          </a:prstGeom>
+          <a:solidFill>
+            <a:srgbClr val="FFFFFF">
+              <a:alpha val="0"/>
+            </a:srgbClr>
+          </a:solidFill>
+          <a:ln>
+            <a:noFill/>
+          </a:ln>
+          <a:effectLst/>
+        </p:spPr>
+        <p:txBody>
+          <a:bodyPr vert="horz" wrap="square" lIns="91440" tIns="45720" rIns="91440" bIns="45720" numCol="1" anchor="t" anchorCtr="0" compatLnSpc="1">
+            <a:prstTxWarp prst="textNoShape">
+              <a:avLst/>
+            </a:prstTxWarp>
+          </a:bodyPr>
+          <a:lstStyle/>
+          <a:p>
+            <a:pPr lvl="0" algn="ctr" defTabSz="914400" eaLnBrk="0" fontAlgn="base" hangingPunct="0">
+              <a:spcBef>
+                <a:spcPts val="300"/>
+              </a:spcBef>
+              <a:spcAft>
+                <a:spcPts val="300"/>
+              </a:spcAft>
+            </a:pPr>
+            <a:r>
+              <a:rPr lang="en-US" sz="2400" b="1" dirty="0">
+                <a:solidFill>
+                  <a:srgbClr val="990033"/>
+                </a:solidFill>
+                <a:latin typeface="Segoe UI Semibold" panose="020B0702040204020203" pitchFamily="34" charset="0"/>
+                <a:cs typeface="Segoe UI Semibold" panose="020B0702040204020203" pitchFamily="34" charset="0"/>
+              </a:rPr>
+              <a:t>THEORY</a:t>
+            </a:r>
+            <a:endParaRPr lang="en-US" dirty="0"/>
+          </a:p>
+        </p:txBody>
+      </p:sp>
+    </p:spTree>
+    <p:extLst>
+      <p:ext uri="{BB962C8B-B14F-4D97-AF65-F5344CB8AC3E}">
+        <p14:creationId xmlns:p14="http://schemas.microsoft.com/office/powerpoint/2010/main" val="4274459283"/>
+      </p:ext>
+    </p:extLst>
+  </p:cSld>
+  <p:clrMapOvr>
+    <a:masterClrMapping/>
+  </p:clrMapOvr>
+</p:sld>
+</file>
+
+<file path=ppt/slides/slide5.xml><?xml version="1.0" encoding="utf-8"?>
+<p:sld xmlns:a="http://schemas.openxmlformats.org/drawingml/2006/main" xmlns:r="http://schemas.openxmlformats.org/officeDocument/2006/relationships" xmlns:p="http://schemas.openxmlformats.org/presentationml/2006/main">
+  <p:cSld>
+    <p:spTree>
+      <p:nvGrpSpPr>
+        <p:cNvPr id="1" name=""/>
+        <p:cNvGrpSpPr/>
+        <p:nvPr/>
+      </p:nvGrpSpPr>
+      <p:grpSpPr>
+        <a:xfrm>
+          <a:off x="0" y="0"/>
+          <a:ext cx="0" cy="0"/>
+          <a:chOff x="0" y="0"/>
+          <a:chExt cx="0" cy="0"/>
+        </a:xfrm>
+      </p:grpSpPr>
+      <p:graphicFrame>
+        <p:nvGraphicFramePr>
+          <p:cNvPr id="5" name="Table 4">
+            <a:extLst>
+              <a:ext uri="{FF2B5EF4-FFF2-40B4-BE49-F238E27FC236}">
+                <a16:creationId xmlns:a16="http://schemas.microsoft.com/office/drawing/2014/main" id="{3A4B7D0F-C207-4027-B392-400922962187}"/>
+              </a:ext>
+            </a:extLst>
+          </p:cNvPr>
+          <p:cNvGraphicFramePr>
+            <a:graphicFrameLocks noGrp="1"/>
+          </p:cNvGraphicFramePr>
+          <p:nvPr>
+            <p:extLst>
+              <p:ext uri="{D42A27DB-BD31-4B8C-83A1-F6EECF244321}">
+                <p14:modId xmlns:p14="http://schemas.microsoft.com/office/powerpoint/2010/main" val="3260081884"/>
+              </p:ext>
+            </p:extLst>
+          </p:nvPr>
+        </p:nvGraphicFramePr>
+        <p:xfrm>
+          <a:off x="2465387" y="551225"/>
+          <a:ext cx="8128000" cy="4699000"/>
+        </p:xfrm>
+        <a:graphic>
+          <a:graphicData uri="http://schemas.openxmlformats.org/drawingml/2006/table">
+            <a:tbl>
+              <a:tblPr firstRow="1" bandRow="1">
+                <a:tableStyleId>{5C22544A-7EE6-4342-B048-85BDC9FD1C3A}</a:tableStyleId>
+              </a:tblPr>
+              <a:tblGrid>
+                <a:gridCol w="4064000">
+                  <a:extLst>
+                    <a:ext uri="{9D8B030D-6E8A-4147-A177-3AD203B41FA5}">
+                      <a16:colId xmlns:a16="http://schemas.microsoft.com/office/drawing/2014/main" val="1668580350"/>
+                    </a:ext>
+                  </a:extLst>
+                </a:gridCol>
+                <a:gridCol w="4064000">
+                  <a:extLst>
+                    <a:ext uri="{9D8B030D-6E8A-4147-A177-3AD203B41FA5}">
+                      <a16:colId xmlns:a16="http://schemas.microsoft.com/office/drawing/2014/main" val="1416088418"/>
+                    </a:ext>
+                  </a:extLst>
+                </a:gridCol>
+              </a:tblGrid>
+              <a:tr h="370840">
+                <a:tc>
+                  <a:txBody>
+                    <a:bodyPr/>
+                    <a:lstStyle/>
+                    <a:p>
+                      <a:pPr algn="ctr"/>
+                      <a:r>
+                        <a:rPr lang="en-US" dirty="0"/>
+                        <a:t>Parallel RC Circuit</a:t>
+                      </a:r>
+                      <a:endParaRPr lang="en-IN" dirty="0"/>
+                    </a:p>
+                  </a:txBody>
+                  <a:tcPr/>
+                </a:tc>
+                <a:tc>
+                  <a:txBody>
+                    <a:bodyPr/>
+                    <a:lstStyle/>
+                    <a:p>
+                      <a:pPr marL="0" marR="0" lvl="0" indent="0" algn="ctr" defTabSz="457200" rtl="0" eaLnBrk="1" fontAlgn="auto" latinLnBrk="0" hangingPunct="1">
+                        <a:lnSpc>
+                          <a:spcPct val="100000"/>
+                        </a:lnSpc>
+                        <a:spcBef>
+                          <a:spcPts val="0"/>
+                        </a:spcBef>
+                        <a:spcAft>
+                          <a:spcPts val="0"/>
+                        </a:spcAft>
+                        <a:buClrTx/>
+                        <a:buSzTx/>
+                        <a:buFontTx/>
+                        <a:buNone/>
+                        <a:tabLst/>
+                        <a:defRPr/>
+                      </a:pPr>
+                      <a:r>
+                        <a:rPr lang="en-US" dirty="0"/>
+                        <a:t>Parallel RL Circuit</a:t>
+                      </a:r>
+                      <a:endParaRPr lang="en-IN" dirty="0"/>
+                    </a:p>
+                  </a:txBody>
+                  <a:tcPr/>
+                </a:tc>
+                <a:extLst>
+                  <a:ext uri="{0D108BD9-81ED-4DB2-BD59-A6C34878D82A}">
+                    <a16:rowId xmlns:a16="http://schemas.microsoft.com/office/drawing/2014/main" val="1671667304"/>
+                  </a:ext>
+                </a:extLst>
+              </a:tr>
+              <a:tr h="370840">
+                <a:tc>
+                  <a:txBody>
+                    <a:bodyPr/>
+                    <a:lstStyle/>
+                    <a:p>
+                      <a:endParaRPr lang="en-US" dirty="0"/>
+                    </a:p>
+                    <a:p>
+                      <a:endParaRPr lang="en-US" dirty="0"/>
+                    </a:p>
+                    <a:p>
+                      <a:endParaRPr lang="en-US" dirty="0"/>
+                    </a:p>
+                    <a:p>
+                      <a:pPr algn="ctr"/>
+                      <a:r>
+                        <a:rPr lang="en-US" sz="1600" dirty="0"/>
+                        <a:t>Impedance</a:t>
+                      </a:r>
+                      <a:endParaRPr lang="en-IN" sz="1400" dirty="0"/>
+                    </a:p>
+                  </a:txBody>
+                  <a:tcPr/>
+                </a:tc>
+                <a:tc>
+                  <a:txBody>
+                    <a:bodyPr/>
+                    <a:lstStyle/>
+                    <a:p>
+                      <a:pPr marL="0" marR="0" lvl="0" indent="0" algn="l" defTabSz="457200" rtl="0" eaLnBrk="1" fontAlgn="auto" latinLnBrk="0" hangingPunct="1">
+                        <a:lnSpc>
+                          <a:spcPct val="100000"/>
+                        </a:lnSpc>
+                        <a:spcBef>
+                          <a:spcPts val="0"/>
+                        </a:spcBef>
+                        <a:spcAft>
+                          <a:spcPts val="0"/>
+                        </a:spcAft>
+                        <a:buClrTx/>
+                        <a:buSzTx/>
+                        <a:buFontTx/>
+                        <a:buNone/>
+                        <a:tabLst/>
+                        <a:defRPr/>
+                      </a:pPr>
+                      <a:endParaRPr lang="en-US" dirty="0"/>
+                    </a:p>
+                    <a:p>
+                      <a:pPr marL="0" marR="0" lvl="0" indent="0" algn="l" defTabSz="457200" rtl="0" eaLnBrk="1" fontAlgn="auto" latinLnBrk="0" hangingPunct="1">
+                        <a:lnSpc>
+                          <a:spcPct val="100000"/>
+                        </a:lnSpc>
+                        <a:spcBef>
+                          <a:spcPts val="0"/>
+                        </a:spcBef>
+                        <a:spcAft>
+                          <a:spcPts val="0"/>
+                        </a:spcAft>
+                        <a:buClrTx/>
+                        <a:buSzTx/>
+                        <a:buFontTx/>
+                        <a:buNone/>
+                        <a:tabLst/>
+                        <a:defRPr/>
+                      </a:pPr>
+                      <a:endParaRPr lang="en-US" dirty="0"/>
+                    </a:p>
+                    <a:p>
+                      <a:pPr marL="0" marR="0" lvl="0" indent="0" algn="l" defTabSz="457200" rtl="0" eaLnBrk="1" fontAlgn="auto" latinLnBrk="0" hangingPunct="1">
+                        <a:lnSpc>
+                          <a:spcPct val="100000"/>
+                        </a:lnSpc>
+                        <a:spcBef>
+                          <a:spcPts val="0"/>
+                        </a:spcBef>
+                        <a:spcAft>
+                          <a:spcPts val="0"/>
+                        </a:spcAft>
+                        <a:buClrTx/>
+                        <a:buSzTx/>
+                        <a:buFontTx/>
+                        <a:buNone/>
+                        <a:tabLst/>
+                        <a:defRPr/>
+                      </a:pPr>
+                      <a:endParaRPr lang="en-US" dirty="0"/>
+                    </a:p>
+                    <a:p>
+                      <a:pPr marL="0" marR="0" lvl="0" indent="0" algn="ctr" defTabSz="457200" rtl="0" eaLnBrk="1" fontAlgn="auto" latinLnBrk="0" hangingPunct="1">
+                        <a:lnSpc>
+                          <a:spcPct val="100000"/>
+                        </a:lnSpc>
+                        <a:spcBef>
+                          <a:spcPts val="0"/>
+                        </a:spcBef>
+                        <a:spcAft>
+                          <a:spcPts val="0"/>
+                        </a:spcAft>
+                        <a:buClrTx/>
+                        <a:buSzTx/>
+                        <a:buFontTx/>
+                        <a:buNone/>
+                        <a:tabLst/>
+                        <a:defRPr/>
+                      </a:pPr>
+                      <a:r>
+                        <a:rPr lang="en-US" sz="1600" dirty="0"/>
+                        <a:t>Impedance</a:t>
+                      </a:r>
+                      <a:endParaRPr lang="en-IN" sz="1600" dirty="0"/>
+                    </a:p>
+                  </a:txBody>
+                  <a:tcPr/>
+                </a:tc>
+                <a:extLst>
+                  <a:ext uri="{0D108BD9-81ED-4DB2-BD59-A6C34878D82A}">
+                    <a16:rowId xmlns:a16="http://schemas.microsoft.com/office/drawing/2014/main" val="3346798821"/>
+                  </a:ext>
+                </a:extLst>
+              </a:tr>
+              <a:tr h="370840">
+                <a:tc>
+                  <a:txBody>
+                    <a:bodyPr/>
+                    <a:lstStyle/>
+                    <a:p>
+                      <a:endParaRPr lang="en-US" dirty="0"/>
+                    </a:p>
+                    <a:p>
+                      <a:endParaRPr lang="en-US" dirty="0"/>
+                    </a:p>
+                    <a:p>
+                      <a:endParaRPr lang="en-US" dirty="0"/>
+                    </a:p>
+                    <a:p>
+                      <a:endParaRPr lang="en-US" dirty="0"/>
+                    </a:p>
+                    <a:p>
+                      <a:endParaRPr lang="en-US" dirty="0"/>
+                    </a:p>
+                    <a:p>
+                      <a:endParaRPr lang="en-US" dirty="0"/>
+                    </a:p>
+                    <a:p>
+                      <a:pPr algn="ctr"/>
+                      <a:r>
+                        <a:rPr lang="en-US" sz="1600" dirty="0"/>
+                        <a:t>Power components of a RC parallel circuit</a:t>
+                      </a:r>
+                    </a:p>
+                  </a:txBody>
+                  <a:tcPr/>
+                </a:tc>
+                <a:tc>
+                  <a:txBody>
+                    <a:bodyPr/>
+                    <a:lstStyle/>
+                    <a:p>
+                      <a:pPr marL="0" marR="0" lvl="0" indent="0" algn="l" defTabSz="457200" rtl="0" eaLnBrk="1" fontAlgn="auto" latinLnBrk="0" hangingPunct="1">
+                        <a:lnSpc>
+                          <a:spcPct val="100000"/>
+                        </a:lnSpc>
+                        <a:spcBef>
+                          <a:spcPts val="0"/>
+                        </a:spcBef>
+                        <a:spcAft>
+                          <a:spcPts val="0"/>
+                        </a:spcAft>
+                        <a:buClrTx/>
+                        <a:buSzTx/>
+                        <a:buFontTx/>
+                        <a:buNone/>
+                        <a:tabLst/>
+                        <a:defRPr/>
+                      </a:pPr>
+                      <a:endParaRPr lang="en-US" sz="1800" dirty="0"/>
+                    </a:p>
+                    <a:p>
+                      <a:pPr marL="0" marR="0" lvl="0" indent="0" algn="l" defTabSz="457200" rtl="0" eaLnBrk="1" fontAlgn="auto" latinLnBrk="0" hangingPunct="1">
+                        <a:lnSpc>
+                          <a:spcPct val="100000"/>
+                        </a:lnSpc>
+                        <a:spcBef>
+                          <a:spcPts val="0"/>
+                        </a:spcBef>
+                        <a:spcAft>
+                          <a:spcPts val="0"/>
+                        </a:spcAft>
+                        <a:buClrTx/>
+                        <a:buSzTx/>
+                        <a:buFontTx/>
+                        <a:buNone/>
+                        <a:tabLst/>
+                        <a:defRPr/>
+                      </a:pPr>
+                      <a:endParaRPr lang="en-US" sz="1800" dirty="0"/>
+                    </a:p>
+                    <a:p>
+                      <a:pPr marL="0" marR="0" lvl="0" indent="0" algn="l" defTabSz="457200" rtl="0" eaLnBrk="1" fontAlgn="auto" latinLnBrk="0" hangingPunct="1">
+                        <a:lnSpc>
+                          <a:spcPct val="100000"/>
+                        </a:lnSpc>
+                        <a:spcBef>
+                          <a:spcPts val="0"/>
+                        </a:spcBef>
+                        <a:spcAft>
+                          <a:spcPts val="0"/>
+                        </a:spcAft>
+                        <a:buClrTx/>
+                        <a:buSzTx/>
+                        <a:buFontTx/>
+                        <a:buNone/>
+                        <a:tabLst/>
+                        <a:defRPr/>
+                      </a:pPr>
+                      <a:endParaRPr lang="en-US" sz="1800" dirty="0"/>
+                    </a:p>
+                    <a:p>
+                      <a:pPr marL="0" marR="0" lvl="0" indent="0" algn="l" defTabSz="457200" rtl="0" eaLnBrk="1" fontAlgn="auto" latinLnBrk="0" hangingPunct="1">
+                        <a:lnSpc>
+                          <a:spcPct val="100000"/>
+                        </a:lnSpc>
+                        <a:spcBef>
+                          <a:spcPts val="0"/>
+                        </a:spcBef>
+                        <a:spcAft>
+                          <a:spcPts val="0"/>
+                        </a:spcAft>
+                        <a:buClrTx/>
+                        <a:buSzTx/>
+                        <a:buFontTx/>
+                        <a:buNone/>
+                        <a:tabLst/>
+                        <a:defRPr/>
+                      </a:pPr>
+                      <a:endParaRPr lang="en-US" sz="1800" dirty="0"/>
+                    </a:p>
+                    <a:p>
+                      <a:pPr marL="0" marR="0" lvl="0" indent="0" algn="l" defTabSz="457200" rtl="0" eaLnBrk="1" fontAlgn="auto" latinLnBrk="0" hangingPunct="1">
+                        <a:lnSpc>
+                          <a:spcPct val="100000"/>
+                        </a:lnSpc>
+                        <a:spcBef>
+                          <a:spcPts val="0"/>
+                        </a:spcBef>
+                        <a:spcAft>
+                          <a:spcPts val="0"/>
+                        </a:spcAft>
+                        <a:buClrTx/>
+                        <a:buSzTx/>
+                        <a:buFontTx/>
+                        <a:buNone/>
+                        <a:tabLst/>
+                        <a:defRPr/>
+                      </a:pPr>
+                      <a:endParaRPr lang="en-US" sz="1800" dirty="0"/>
+                    </a:p>
+                    <a:p>
+                      <a:pPr marL="0" marR="0" lvl="0" indent="0" algn="l" defTabSz="457200" rtl="0" eaLnBrk="1" fontAlgn="auto" latinLnBrk="0" hangingPunct="1">
+                        <a:lnSpc>
+                          <a:spcPct val="100000"/>
+                        </a:lnSpc>
+                        <a:spcBef>
+                          <a:spcPts val="0"/>
+                        </a:spcBef>
+                        <a:spcAft>
+                          <a:spcPts val="0"/>
+                        </a:spcAft>
+                        <a:buClrTx/>
+                        <a:buSzTx/>
+                        <a:buFontTx/>
+                        <a:buNone/>
+                        <a:tabLst/>
+                        <a:defRPr/>
+                      </a:pPr>
+                      <a:endParaRPr lang="en-US" sz="1800" dirty="0"/>
+                    </a:p>
+                    <a:p>
+                      <a:pPr algn="ctr"/>
+                      <a:r>
+                        <a:rPr lang="en-US" sz="1600" dirty="0"/>
+                        <a:t>Power components of a RL parallel circuit</a:t>
+                      </a:r>
+                    </a:p>
+                  </a:txBody>
+                  <a:tcPr/>
+                </a:tc>
+                <a:extLst>
+                  <a:ext uri="{0D108BD9-81ED-4DB2-BD59-A6C34878D82A}">
+                    <a16:rowId xmlns:a16="http://schemas.microsoft.com/office/drawing/2014/main" val="542165998"/>
+                  </a:ext>
+                </a:extLst>
+              </a:tr>
+              <a:tr h="370840">
+                <a:tc>
+                  <a:txBody>
+                    <a:bodyPr/>
+                    <a:lstStyle/>
+                    <a:p>
+                      <a:endParaRPr lang="en-US" dirty="0"/>
+                    </a:p>
+                    <a:p>
+                      <a:endParaRPr lang="en-US" dirty="0"/>
+                    </a:p>
+                    <a:p>
+                      <a:endParaRPr lang="en-US" dirty="0"/>
+                    </a:p>
+                    <a:p>
+                      <a:endParaRPr lang="en-IN" dirty="0"/>
+                    </a:p>
+                  </a:txBody>
+                  <a:tcPr/>
+                </a:tc>
+                <a:tc>
+                  <a:txBody>
+                    <a:bodyPr/>
+                    <a:lstStyle/>
+                    <a:p>
+                      <a:endParaRPr lang="en-IN" dirty="0"/>
+                    </a:p>
+                  </a:txBody>
+                  <a:tcPr/>
+                </a:tc>
+                <a:extLst>
+                  <a:ext uri="{0D108BD9-81ED-4DB2-BD59-A6C34878D82A}">
+                    <a16:rowId xmlns:a16="http://schemas.microsoft.com/office/drawing/2014/main" val="3217717969"/>
+                  </a:ext>
+                </a:extLst>
+              </a:tr>
+            </a:tbl>
+          </a:graphicData>
+        </a:graphic>
+      </p:graphicFrame>
+      <p:pic>
+        <p:nvPicPr>
+          <p:cNvPr id="3" name="Picture 2">
+            <a:extLst>
+              <a:ext uri="{FF2B5EF4-FFF2-40B4-BE49-F238E27FC236}">
+                <a16:creationId xmlns:a16="http://schemas.microsoft.com/office/drawing/2014/main" id="{05169187-26C1-4136-B9A6-5B3974AF0D1C}"/>
+              </a:ext>
+            </a:extLst>
+          </p:cNvPr>
+          <p:cNvPicPr>
+            <a:picLocks noChangeAspect="1"/>
+          </p:cNvPicPr>
+          <p:nvPr/>
+        </p:nvPicPr>
+        <p:blipFill>
+          <a:blip r:embed="rId2">
+            <a:extLst>
+              <a:ext uri="{28A0092B-C50C-407E-A947-70E740481C1C}">
+                <a14:useLocalDpi xmlns:a14="http://schemas.microsoft.com/office/drawing/2010/main" val="0"/>
+              </a:ext>
+            </a:extLst>
+          </a:blip>
+          <a:stretch>
+            <a:fillRect/>
+          </a:stretch>
+        </p:blipFill>
+        <p:spPr>
+          <a:xfrm>
+            <a:off x="3952155" y="1095143"/>
+            <a:ext cx="1095375" cy="581025"/>
+          </a:xfrm>
+          <a:prstGeom prst="rect">
+            <a:avLst/>
+          </a:prstGeom>
+        </p:spPr>
+      </p:pic>
+      <p:pic>
+        <p:nvPicPr>
+          <p:cNvPr id="6" name="Picture 5">
+            <a:extLst>
+              <a:ext uri="{FF2B5EF4-FFF2-40B4-BE49-F238E27FC236}">
+                <a16:creationId xmlns:a16="http://schemas.microsoft.com/office/drawing/2014/main" id="{B416BE84-6BE8-4404-A6FB-366BBB1CEC34}"/>
+              </a:ext>
+            </a:extLst>
+          </p:cNvPr>
+          <p:cNvPicPr>
+            <a:picLocks noChangeAspect="1"/>
+          </p:cNvPicPr>
+          <p:nvPr/>
+        </p:nvPicPr>
+        <p:blipFill>
+          <a:blip r:embed="rId3">
+            <a:extLst>
+              <a:ext uri="{28A0092B-C50C-407E-A947-70E740481C1C}">
+                <a14:useLocalDpi xmlns:a14="http://schemas.microsoft.com/office/drawing/2010/main" val="0"/>
+              </a:ext>
+            </a:extLst>
+          </a:blip>
+          <a:stretch>
+            <a:fillRect/>
+          </a:stretch>
+        </p:blipFill>
+        <p:spPr>
+          <a:xfrm>
+            <a:off x="7891896" y="1116522"/>
+            <a:ext cx="1143000" cy="552450"/>
+          </a:xfrm>
+          <a:prstGeom prst="rect">
+            <a:avLst/>
+          </a:prstGeom>
+        </p:spPr>
+      </p:pic>
+      <p:pic>
+        <p:nvPicPr>
+          <p:cNvPr id="8" name="Picture 7">
+            <a:extLst>
+              <a:ext uri="{FF2B5EF4-FFF2-40B4-BE49-F238E27FC236}">
+                <a16:creationId xmlns:a16="http://schemas.microsoft.com/office/drawing/2014/main" id="{B8D997FF-0F83-4743-871A-69BD1B7CBAF5}"/>
+              </a:ext>
+            </a:extLst>
+          </p:cNvPr>
+          <p:cNvPicPr>
+            <a:picLocks noChangeAspect="1"/>
+          </p:cNvPicPr>
+          <p:nvPr/>
+        </p:nvPicPr>
+        <p:blipFill>
+          <a:blip r:embed="rId4">
+            <a:extLst>
+              <a:ext uri="{28A0092B-C50C-407E-A947-70E740481C1C}">
+                <a14:useLocalDpi xmlns:a14="http://schemas.microsoft.com/office/drawing/2010/main" val="0"/>
+              </a:ext>
+            </a:extLst>
+          </a:blip>
+          <a:stretch>
+            <a:fillRect/>
+          </a:stretch>
+        </p:blipFill>
+        <p:spPr>
+          <a:xfrm>
+            <a:off x="2613893" y="2314526"/>
+            <a:ext cx="3771900" cy="1400175"/>
+          </a:xfrm>
+          <a:prstGeom prst="rect">
+            <a:avLst/>
+          </a:prstGeom>
+        </p:spPr>
+      </p:pic>
+      <p:pic>
+        <p:nvPicPr>
+          <p:cNvPr id="11" name="Picture 10">
+            <a:extLst>
+              <a:ext uri="{FF2B5EF4-FFF2-40B4-BE49-F238E27FC236}">
+                <a16:creationId xmlns:a16="http://schemas.microsoft.com/office/drawing/2014/main" id="{C17ABFD8-0812-47BF-80EF-F7F92ADA876B}"/>
+              </a:ext>
+            </a:extLst>
+          </p:cNvPr>
+          <p:cNvPicPr>
+            <a:picLocks noChangeAspect="1"/>
+          </p:cNvPicPr>
+          <p:nvPr/>
+        </p:nvPicPr>
+        <p:blipFill>
+          <a:blip r:embed="rId5">
+            <a:extLst>
+              <a:ext uri="{28A0092B-C50C-407E-A947-70E740481C1C}">
+                <a14:useLocalDpi xmlns:a14="http://schemas.microsoft.com/office/drawing/2010/main" val="0"/>
+              </a:ext>
+            </a:extLst>
+          </a:blip>
+          <a:stretch>
+            <a:fillRect/>
+          </a:stretch>
+        </p:blipFill>
+        <p:spPr>
+          <a:xfrm>
+            <a:off x="6706106" y="2405646"/>
+            <a:ext cx="3771900" cy="1217933"/>
+          </a:xfrm>
+          <a:prstGeom prst="rect">
+            <a:avLst/>
+          </a:prstGeom>
+        </p:spPr>
+      </p:pic>
+      <p:pic>
+        <p:nvPicPr>
+          <p:cNvPr id="15" name="Picture 14">
+            <a:extLst>
+              <a:ext uri="{FF2B5EF4-FFF2-40B4-BE49-F238E27FC236}">
+                <a16:creationId xmlns:a16="http://schemas.microsoft.com/office/drawing/2014/main" id="{D9212BBF-4478-4B1A-A669-77960340D55D}"/>
+              </a:ext>
+            </a:extLst>
+          </p:cNvPr>
+          <p:cNvPicPr>
+            <a:picLocks noChangeAspect="1"/>
+          </p:cNvPicPr>
+          <p:nvPr/>
+        </p:nvPicPr>
+        <p:blipFill>
+          <a:blip r:embed="rId6">
+            <a:extLst>
+              <a:ext uri="{28A0092B-C50C-407E-A947-70E740481C1C}">
+                <a14:useLocalDpi xmlns:a14="http://schemas.microsoft.com/office/drawing/2010/main" val="0"/>
+              </a:ext>
+            </a:extLst>
+          </a:blip>
+          <a:stretch>
+            <a:fillRect/>
+          </a:stretch>
+        </p:blipFill>
+        <p:spPr>
+          <a:xfrm>
+            <a:off x="3940392" y="4283171"/>
+            <a:ext cx="1219200" cy="800100"/>
+          </a:xfrm>
+          <a:prstGeom prst="rect">
+            <a:avLst/>
+          </a:prstGeom>
+        </p:spPr>
+      </p:pic>
+      <p:pic>
+        <p:nvPicPr>
+          <p:cNvPr id="19" name="Picture 18">
+            <a:extLst>
+              <a:ext uri="{FF2B5EF4-FFF2-40B4-BE49-F238E27FC236}">
+                <a16:creationId xmlns:a16="http://schemas.microsoft.com/office/drawing/2014/main" id="{DADFFAE6-5128-4B9C-890B-DC3B4A896F14}"/>
+              </a:ext>
+            </a:extLst>
+          </p:cNvPr>
+          <p:cNvPicPr>
+            <a:picLocks noChangeAspect="1"/>
+          </p:cNvPicPr>
+          <p:nvPr/>
+        </p:nvPicPr>
+        <p:blipFill>
+          <a:blip r:embed="rId6">
+            <a:extLst>
+              <a:ext uri="{28A0092B-C50C-407E-A947-70E740481C1C}">
+                <a14:useLocalDpi xmlns:a14="http://schemas.microsoft.com/office/drawing/2010/main" val="0"/>
+              </a:ext>
+            </a:extLst>
+          </a:blip>
+          <a:stretch>
+            <a:fillRect/>
+          </a:stretch>
+        </p:blipFill>
+        <p:spPr>
+          <a:xfrm>
+            <a:off x="7853796" y="4283171"/>
+            <a:ext cx="1219200" cy="800100"/>
+          </a:xfrm>
+          <a:prstGeom prst="rect">
+            <a:avLst/>
+          </a:prstGeom>
+        </p:spPr>
+      </p:pic>
+      <p:sp>
+        <p:nvSpPr>
+          <p:cNvPr id="21" name="Rectangle 2">
+            <a:extLst>
+              <a:ext uri="{FF2B5EF4-FFF2-40B4-BE49-F238E27FC236}">
+                <a16:creationId xmlns:a16="http://schemas.microsoft.com/office/drawing/2014/main" id="{BF8DE4E9-DA77-4847-9C46-A6811EE9380A}"/>
+              </a:ext>
+            </a:extLst>
+          </p:cNvPr>
+          <p:cNvSpPr>
+            <a:spLocks noChangeArrowheads="1"/>
+          </p:cNvSpPr>
+          <p:nvPr/>
+        </p:nvSpPr>
+        <p:spPr bwMode="auto">
+          <a:xfrm>
+            <a:off x="2009560" y="111180"/>
+            <a:ext cx="9039654" cy="519067"/>
+          </a:xfrm>
+          <a:prstGeom prst="rect">
+            <a:avLst/>
+          </a:prstGeom>
+          <a:solidFill>
+            <a:srgbClr val="FFFFFF">
+              <a:alpha val="0"/>
+            </a:srgbClr>
+          </a:solidFill>
+          <a:ln>
+            <a:noFill/>
+          </a:ln>
+          <a:effectLst/>
+        </p:spPr>
+        <p:txBody>
+          <a:bodyPr vert="horz" wrap="square" lIns="91440" tIns="45720" rIns="91440" bIns="45720" numCol="1" anchor="t" anchorCtr="0" compatLnSpc="1">
+            <a:prstTxWarp prst="textNoShape">
+              <a:avLst/>
+            </a:prstTxWarp>
+          </a:bodyPr>
+          <a:lstStyle/>
+          <a:p>
+            <a:pPr lvl="0" algn="ctr" defTabSz="914400" eaLnBrk="0" fontAlgn="base" hangingPunct="0">
+              <a:spcBef>
+                <a:spcPts val="300"/>
+              </a:spcBef>
+              <a:spcAft>
+                <a:spcPts val="300"/>
+              </a:spcAft>
+            </a:pPr>
+            <a:r>
+              <a:rPr lang="en-US" sz="2400" b="1" dirty="0">
+                <a:solidFill>
+                  <a:srgbClr val="990033"/>
+                </a:solidFill>
+                <a:latin typeface="Segoe UI Semibold" panose="020B0702040204020203" pitchFamily="34" charset="0"/>
+                <a:cs typeface="Segoe UI Semibold" panose="020B0702040204020203" pitchFamily="34" charset="0"/>
+              </a:rPr>
+              <a:t>THEORY</a:t>
+            </a:r>
+            <a:endParaRPr lang="en-US" dirty="0"/>
+          </a:p>
+        </p:txBody>
+      </p:sp>
+    </p:spTree>
+    <p:extLst>
+      <p:ext uri="{BB962C8B-B14F-4D97-AF65-F5344CB8AC3E}">
+        <p14:creationId xmlns:p14="http://schemas.microsoft.com/office/powerpoint/2010/main" val="3336341041"/>
+      </p:ext>
+    </p:extLst>
+  </p:cSld>
+  <p:clrMapOvr>
+    <a:masterClrMapping/>
+  </p:clrMapOvr>
+</p:sld>
+</file>
+
+<file path=ppt/slides/slide6.xml><?xml version="1.0" encoding="utf-8"?>
 <p:sld xmlns:a="http://schemas.openxmlformats.org/drawingml/2006/main" xmlns:r="http://schemas.openxmlformats.org/officeDocument/2006/relationships" xmlns:p="http://schemas.openxmlformats.org/presentationml/2006/main">
   <p:cSld>
     <p:spTree>
@@ -8163,7 +10700,7 @@
 </p:sld>
 </file>
 
-<file path=ppt/slides/slide5.xml><?xml version="1.0" encoding="utf-8"?>
+<file path=ppt/slides/slide7.xml><?xml version="1.0" encoding="utf-8"?>
 <p:sld xmlns:a="http://schemas.openxmlformats.org/drawingml/2006/main" xmlns:r="http://schemas.openxmlformats.org/officeDocument/2006/relationships" xmlns:p="http://schemas.openxmlformats.org/presentationml/2006/main">
   <p:cSld>
     <p:spTree>
@@ -8340,7 +10877,7 @@
 </p:sld>
 </file>
 
-<file path=ppt/slides/slide6.xml><?xml version="1.0" encoding="utf-8"?>
+<file path=ppt/slides/slide8.xml><?xml version="1.0" encoding="utf-8"?>
 <p:sld xmlns:a="http://schemas.openxmlformats.org/drawingml/2006/main" xmlns:r="http://schemas.openxmlformats.org/officeDocument/2006/relationships" xmlns:p="http://schemas.openxmlformats.org/presentationml/2006/main">
   <p:cSld>
     <p:spTree>
@@ -8495,330 +11032,6 @@
     <p:extLst>
       <p:ext uri="{BB962C8B-B14F-4D97-AF65-F5344CB8AC3E}">
         <p14:creationId xmlns:p14="http://schemas.microsoft.com/office/powerpoint/2010/main" val="2380455842"/>
-      </p:ext>
-    </p:extLst>
-  </p:cSld>
-  <p:clrMapOvr>
-    <a:masterClrMapping/>
-  </p:clrMapOvr>
-</p:sld>
-</file>
-
-<file path=ppt/slides/slide7.xml><?xml version="1.0" encoding="utf-8"?>
-<p:sld xmlns:a="http://schemas.openxmlformats.org/drawingml/2006/main" xmlns:r="http://schemas.openxmlformats.org/officeDocument/2006/relationships" xmlns:p="http://schemas.openxmlformats.org/presentationml/2006/main">
-  <p:cSld>
-    <p:spTree>
-      <p:nvGrpSpPr>
-        <p:cNvPr id="1" name=""/>
-        <p:cNvGrpSpPr/>
-        <p:nvPr/>
-      </p:nvGrpSpPr>
-      <p:grpSpPr>
-        <a:xfrm>
-          <a:off x="0" y="0"/>
-          <a:ext cx="0" cy="0"/>
-          <a:chOff x="0" y="0"/>
-          <a:chExt cx="0" cy="0"/>
-        </a:xfrm>
-      </p:grpSpPr>
-      <p:sp>
-        <p:nvSpPr>
-          <p:cNvPr id="5" name="Rectangle 2">
-            <a:extLst>
-              <a:ext uri="{FF2B5EF4-FFF2-40B4-BE49-F238E27FC236}">
-                <a16:creationId xmlns:a16="http://schemas.microsoft.com/office/drawing/2014/main" id="{6E885145-CBBB-4CE6-9818-F648E85FC147}"/>
-              </a:ext>
-            </a:extLst>
-          </p:cNvPr>
-          <p:cNvSpPr>
-            <a:spLocks noChangeArrowheads="1"/>
-          </p:cNvSpPr>
-          <p:nvPr/>
-        </p:nvSpPr>
-        <p:spPr bwMode="auto">
-          <a:xfrm>
-            <a:off x="2031999" y="808169"/>
-            <a:ext cx="9039654" cy="4338550"/>
-          </a:xfrm>
-          <a:prstGeom prst="rect">
-            <a:avLst/>
-          </a:prstGeom>
-          <a:solidFill>
-            <a:srgbClr val="FFFFFF">
-              <a:alpha val="0"/>
-            </a:srgbClr>
-          </a:solidFill>
-          <a:ln>
-            <a:noFill/>
-          </a:ln>
-          <a:effectLst/>
-        </p:spPr>
-        <p:txBody>
-          <a:bodyPr vert="horz" wrap="square" lIns="91440" tIns="45720" rIns="91440" bIns="45720" numCol="1" anchor="t" anchorCtr="0" compatLnSpc="1">
-            <a:prstTxWarp prst="textNoShape">
-              <a:avLst/>
-            </a:prstTxWarp>
-          </a:bodyPr>
-          <a:lstStyle/>
-          <a:p>
-            <a:pPr lvl="0" algn="ctr" defTabSz="914400" eaLnBrk="0" fontAlgn="base" hangingPunct="0">
-              <a:spcBef>
-                <a:spcPts val="300"/>
-              </a:spcBef>
-              <a:spcAft>
-                <a:spcPts val="300"/>
-              </a:spcAft>
-            </a:pPr>
-            <a:r>
-              <a:rPr lang="en-US" sz="2400" b="1" u="sng" dirty="0"/>
-              <a:t>Parallel RC Circuit Phasor Diagram</a:t>
-            </a:r>
-          </a:p>
-          <a:p>
-            <a:pPr lvl="0" algn="ctr" defTabSz="914400" eaLnBrk="0" fontAlgn="base" hangingPunct="0">
-              <a:spcBef>
-                <a:spcPts val="300"/>
-              </a:spcBef>
-              <a:spcAft>
-                <a:spcPts val="300"/>
-              </a:spcAft>
-            </a:pPr>
-            <a:endParaRPr lang="en-US" sz="2400" b="1" u="sng" dirty="0"/>
-          </a:p>
-          <a:p>
-            <a:r>
-              <a:rPr lang="en-US" sz="2000" dirty="0"/>
-              <a:t>The relationship between the voltage and currents in a parallel RC circuit is illustrated in the vector (phasor) diagram of Figure 2 and summarized as follows:</a:t>
-            </a:r>
-          </a:p>
-          <a:p>
-            <a:pPr marL="342900" indent="-342900">
-              <a:buFont typeface="Arial" panose="020B0604020202020204" pitchFamily="34" charset="0"/>
-              <a:buChar char="•"/>
-            </a:pPr>
-            <a:endParaRPr lang="en-US" sz="2000" dirty="0"/>
-          </a:p>
-          <a:p>
-            <a:pPr marL="342900" indent="-342900">
-              <a:buFont typeface="Arial" panose="020B0604020202020204" pitchFamily="34" charset="0"/>
-              <a:buChar char="•"/>
-            </a:pPr>
-            <a:r>
-              <a:rPr lang="en-US" sz="2000" dirty="0"/>
-              <a:t>The </a:t>
-            </a:r>
-            <a:r>
-              <a:rPr lang="en-US" sz="2000" b="1" i="1" dirty="0"/>
-              <a:t>reference vector is labeled E</a:t>
-            </a:r>
-            <a:r>
-              <a:rPr lang="en-US" sz="2000" dirty="0"/>
-              <a:t> and represents the voltage in the circuit, which is common to all elements.</a:t>
-            </a:r>
-          </a:p>
-          <a:p>
-            <a:endParaRPr lang="en-US" sz="700" dirty="0"/>
-          </a:p>
-          <a:p>
-            <a:pPr marL="342900" indent="-342900">
-              <a:buFont typeface="Arial" panose="020B0604020202020204" pitchFamily="34" charset="0"/>
-              <a:buChar char="•"/>
-            </a:pPr>
-            <a:r>
-              <a:rPr lang="en-US" sz="2000" dirty="0"/>
-              <a:t>Since the current through the resistor is in phase with the voltage across it, IR (8 A) is shown superimposed on the voltage vector.</a:t>
-            </a:r>
-          </a:p>
-          <a:p>
-            <a:endParaRPr lang="en-US" sz="700" dirty="0"/>
-          </a:p>
-          <a:p>
-            <a:pPr marL="342900" indent="-342900">
-              <a:buFont typeface="Arial" panose="020B0604020202020204" pitchFamily="34" charset="0"/>
-              <a:buChar char="•"/>
-            </a:pPr>
-            <a:r>
-              <a:rPr lang="en-US" sz="2000" dirty="0"/>
-              <a:t>The capacitor current IC (12 A) leads the voltage by 90 degrees and is positioned in an upward direction, leading the voltage vector by 90 degrees.</a:t>
-            </a:r>
-          </a:p>
-          <a:p>
-            <a:pPr lvl="0" algn="ctr" defTabSz="914400" eaLnBrk="0" fontAlgn="base" hangingPunct="0">
-              <a:spcBef>
-                <a:spcPts val="300"/>
-              </a:spcBef>
-              <a:spcAft>
-                <a:spcPts val="300"/>
-              </a:spcAft>
-            </a:pPr>
-            <a:endParaRPr lang="en-US" sz="1050" b="1" u="sng" dirty="0"/>
-          </a:p>
-        </p:txBody>
-      </p:sp>
-    </p:spTree>
-    <p:extLst>
-      <p:ext uri="{BB962C8B-B14F-4D97-AF65-F5344CB8AC3E}">
-        <p14:creationId xmlns:p14="http://schemas.microsoft.com/office/powerpoint/2010/main" val="1477752673"/>
-      </p:ext>
-    </p:extLst>
-  </p:cSld>
-  <p:clrMapOvr>
-    <a:masterClrMapping/>
-  </p:clrMapOvr>
-</p:sld>
-</file>
-
-<file path=ppt/slides/slide8.xml><?xml version="1.0" encoding="utf-8"?>
-<p:sld xmlns:a="http://schemas.openxmlformats.org/drawingml/2006/main" xmlns:r="http://schemas.openxmlformats.org/officeDocument/2006/relationships" xmlns:p="http://schemas.openxmlformats.org/presentationml/2006/main">
-  <p:cSld>
-    <p:spTree>
-      <p:nvGrpSpPr>
-        <p:cNvPr id="1" name=""/>
-        <p:cNvGrpSpPr/>
-        <p:nvPr/>
-      </p:nvGrpSpPr>
-      <p:grpSpPr>
-        <a:xfrm>
-          <a:off x="0" y="0"/>
-          <a:ext cx="0" cy="0"/>
-          <a:chOff x="0" y="0"/>
-          <a:chExt cx="0" cy="0"/>
-        </a:xfrm>
-      </p:grpSpPr>
-      <p:sp>
-        <p:nvSpPr>
-          <p:cNvPr id="4" name="Rectangle 2">
-            <a:extLst>
-              <a:ext uri="{FF2B5EF4-FFF2-40B4-BE49-F238E27FC236}">
-                <a16:creationId xmlns:a16="http://schemas.microsoft.com/office/drawing/2014/main" id="{EE920CF5-059B-4EB4-85A7-B4FAB1AC110A}"/>
-              </a:ext>
-            </a:extLst>
-          </p:cNvPr>
-          <p:cNvSpPr>
-            <a:spLocks noChangeArrowheads="1"/>
-          </p:cNvSpPr>
-          <p:nvPr/>
-        </p:nvSpPr>
-        <p:spPr bwMode="auto">
-          <a:xfrm>
-            <a:off x="2359376" y="1259725"/>
-            <a:ext cx="9039654" cy="4338550"/>
-          </a:xfrm>
-          <a:prstGeom prst="rect">
-            <a:avLst/>
-          </a:prstGeom>
-          <a:solidFill>
-            <a:srgbClr val="FFFFFF">
-              <a:alpha val="0"/>
-            </a:srgbClr>
-          </a:solidFill>
-          <a:ln>
-            <a:noFill/>
-          </a:ln>
-          <a:effectLst/>
-        </p:spPr>
-        <p:txBody>
-          <a:bodyPr vert="horz" wrap="square" lIns="91440" tIns="45720" rIns="91440" bIns="45720" numCol="1" anchor="t" anchorCtr="0" compatLnSpc="1">
-            <a:prstTxWarp prst="textNoShape">
-              <a:avLst/>
-            </a:prstTxWarp>
-          </a:bodyPr>
-          <a:lstStyle/>
-          <a:p>
-            <a:pPr lvl="0" algn="ctr" defTabSz="914400" eaLnBrk="0" fontAlgn="base" hangingPunct="0">
-              <a:spcBef>
-                <a:spcPts val="300"/>
-              </a:spcBef>
-              <a:spcAft>
-                <a:spcPts val="300"/>
-              </a:spcAft>
-            </a:pPr>
-            <a:r>
-              <a:rPr lang="en-US" sz="2400" b="1" u="sng" dirty="0"/>
-              <a:t>Kirchhoff's Rules</a:t>
-            </a:r>
-          </a:p>
-          <a:p>
-            <a:pPr lvl="0" algn="ctr" defTabSz="914400" eaLnBrk="0" fontAlgn="base" hangingPunct="0">
-              <a:spcBef>
-                <a:spcPts val="300"/>
-              </a:spcBef>
-              <a:spcAft>
-                <a:spcPts val="300"/>
-              </a:spcAft>
-            </a:pPr>
-            <a:endParaRPr lang="en-US" sz="2400" b="1" u="sng" dirty="0"/>
-          </a:p>
-          <a:p>
-            <a:pPr marL="342900" lvl="0" indent="-342900" defTabSz="914400" eaLnBrk="0" fontAlgn="base" hangingPunct="0">
-              <a:spcBef>
-                <a:spcPts val="300"/>
-              </a:spcBef>
-              <a:spcAft>
-                <a:spcPts val="300"/>
-              </a:spcAft>
-              <a:buFont typeface="Wingdings" panose="05000000000000000000" pitchFamily="2" charset="2"/>
-              <a:buChar char="q"/>
-            </a:pPr>
-            <a:r>
-              <a:rPr lang="en-US" sz="2000" b="1" dirty="0"/>
-              <a:t>Junction Rule:  </a:t>
-            </a:r>
-            <a:r>
-              <a:rPr lang="en-US" sz="2000" dirty="0"/>
-              <a:t>The sum of the magnitudes of the currents directed into a junction equals the sum of the magnitudes of the currents directed out of the junction.</a:t>
-            </a:r>
-          </a:p>
-          <a:p>
-            <a:pPr marL="342900" lvl="0" indent="-342900" defTabSz="914400" eaLnBrk="0" fontAlgn="base" hangingPunct="0">
-              <a:spcBef>
-                <a:spcPts val="300"/>
-              </a:spcBef>
-              <a:spcAft>
-                <a:spcPts val="300"/>
-              </a:spcAft>
-              <a:buFont typeface="Wingdings" panose="05000000000000000000" pitchFamily="2" charset="2"/>
-              <a:buChar char="q"/>
-            </a:pPr>
-            <a:endParaRPr lang="en-US" sz="2000" dirty="0"/>
-          </a:p>
-          <a:p>
-            <a:pPr marL="342900" lvl="0" indent="-342900" defTabSz="914400" eaLnBrk="0" fontAlgn="base" hangingPunct="0">
-              <a:spcBef>
-                <a:spcPts val="300"/>
-              </a:spcBef>
-              <a:spcAft>
-                <a:spcPts val="300"/>
-              </a:spcAft>
-              <a:buFont typeface="Wingdings" panose="05000000000000000000" pitchFamily="2" charset="2"/>
-              <a:buChar char="q"/>
-            </a:pPr>
-            <a:r>
-              <a:rPr lang="en-US" sz="2000" b="1" dirty="0"/>
-              <a:t>Loop Rule:</a:t>
-            </a:r>
-            <a:r>
-              <a:rPr lang="en-US" sz="2000" dirty="0"/>
-              <a:t> Around any closed circuit loop, the sum of the changes in potential around any closed path of a circuit must be zero.</a:t>
-            </a:r>
-            <a:endParaRPr kumimoji="0" lang="en-US" altLang="en-US" sz="2000" i="0" u="none" strike="noStrike" cap="none" normalizeH="0" baseline="0" dirty="0">
-              <a:ln>
-                <a:noFill/>
-              </a:ln>
-              <a:solidFill>
-                <a:schemeClr val="tx1"/>
-              </a:solidFill>
-              <a:effectLst/>
-              <a:latin typeface="Segoe UI Semibold" panose="020B0702040204020203" pitchFamily="34" charset="0"/>
-              <a:cs typeface="Segoe UI Semibold" panose="020B0702040204020203" pitchFamily="34" charset="0"/>
-            </a:endParaRPr>
-          </a:p>
-        </p:txBody>
-      </p:sp>
-    </p:spTree>
-    <p:extLst>
-      <p:ext uri="{BB962C8B-B14F-4D97-AF65-F5344CB8AC3E}">
-        <p14:creationId xmlns:p14="http://schemas.microsoft.com/office/powerpoint/2010/main" val="240125116"/>
       </p:ext>
     </p:extLst>
   </p:cSld>
@@ -8847,10 +11060,10 @@
       </p:grpSpPr>
       <p:sp>
         <p:nvSpPr>
-          <p:cNvPr id="4" name="Rectangle 2">
+          <p:cNvPr id="5" name="Rectangle 2">
             <a:extLst>
               <a:ext uri="{FF2B5EF4-FFF2-40B4-BE49-F238E27FC236}">
-                <a16:creationId xmlns:a16="http://schemas.microsoft.com/office/drawing/2014/main" id="{EE920CF5-059B-4EB4-85A7-B4FAB1AC110A}"/>
+                <a16:creationId xmlns:a16="http://schemas.microsoft.com/office/drawing/2014/main" id="{6E885145-CBBB-4CE6-9818-F648E85FC147}"/>
               </a:ext>
             </a:extLst>
           </p:cNvPr>
@@ -8861,7 +11074,7 @@
         </p:nvSpPr>
         <p:spPr bwMode="auto">
           <a:xfrm>
-            <a:off x="2359376" y="819459"/>
+            <a:off x="2031999" y="808169"/>
             <a:ext cx="9039654" cy="4338550"/>
           </a:xfrm>
           <a:prstGeom prst="rect">
@@ -8895,7 +11108,7 @@
             </a:pPr>
             <a:r>
               <a:rPr lang="en-US" sz="2400" b="1" u="sng" dirty="0"/>
-              <a:t>Kirchhoff's Rules</a:t>
+              <a:t>Parallel RC Circuit Phasor Diagram</a:t>
             </a:r>
           </a:p>
           <a:p>
@@ -8910,23 +11123,60 @@
             <a:endParaRPr lang="en-US" sz="2400" b="1" u="sng" dirty="0"/>
           </a:p>
           <a:p>
-            <a:pPr marL="342900" lvl="0" indent="-342900" defTabSz="914400" eaLnBrk="0" fontAlgn="base" hangingPunct="0">
-              <a:spcBef>
-                <a:spcPts val="300"/>
-              </a:spcBef>
-              <a:spcAft>
-                <a:spcPts val="300"/>
-              </a:spcAft>
-              <a:buFont typeface="Wingdings" panose="05000000000000000000" pitchFamily="2" charset="2"/>
-              <a:buChar char="q"/>
+            <a:r>
+              <a:rPr lang="en-US" sz="2000" dirty="0"/>
+              <a:t>The relationship between the voltage and currents in a parallel RC circuit is illustrated in the vector (phasor) diagram of Figure 2 and summarized as follows:</a:t>
+            </a:r>
+          </a:p>
+          <a:p>
+            <a:pPr marL="342900" indent="-342900">
+              <a:buFont typeface="Arial" panose="020B0604020202020204" pitchFamily="34" charset="0"/>
+              <a:buChar char="•"/>
             </a:pPr>
-            <a:r>
-              <a:rPr lang="en-US" sz="2000" b="1" dirty="0"/>
-              <a:t>Kirchhoff’s junction rule:  </a:t>
-            </a:r>
+            <a:endParaRPr lang="en-US" sz="2000" dirty="0"/>
+          </a:p>
+          <a:p>
+            <a:pPr marL="342900" indent="-342900">
+              <a:buFont typeface="Arial" panose="020B0604020202020204" pitchFamily="34" charset="0"/>
+              <a:buChar char="•"/>
+            </a:pPr>
             <a:r>
               <a:rPr lang="en-US" sz="2000" dirty="0"/>
-              <a:t>The algebraic sum of the currents into any junction is zero.</a:t>
+              <a:t>The </a:t>
+            </a:r>
+            <a:r>
+              <a:rPr lang="en-US" sz="2000" b="1" i="1" dirty="0"/>
+              <a:t>reference vector is labeled E</a:t>
+            </a:r>
+            <a:r>
+              <a:rPr lang="en-US" sz="2000" dirty="0"/>
+              <a:t> and represents the voltage in the circuit, which is common to all elements.</a:t>
+            </a:r>
+          </a:p>
+          <a:p>
+            <a:endParaRPr lang="en-US" sz="700" dirty="0"/>
+          </a:p>
+          <a:p>
+            <a:pPr marL="342900" indent="-342900">
+              <a:buFont typeface="Arial" panose="020B0604020202020204" pitchFamily="34" charset="0"/>
+              <a:buChar char="•"/>
+            </a:pPr>
+            <a:r>
+              <a:rPr lang="en-US" sz="2000" dirty="0"/>
+              <a:t>Since the current through the resistor is in phase with the voltage across it, IR (8 A) is shown superimposed on the voltage vector.</a:t>
+            </a:r>
+          </a:p>
+          <a:p>
+            <a:endParaRPr lang="en-US" sz="700" dirty="0"/>
+          </a:p>
+          <a:p>
+            <a:pPr marL="342900" indent="-342900">
+              <a:buFont typeface="Arial" panose="020B0604020202020204" pitchFamily="34" charset="0"/>
+              <a:buChar char="•"/>
+            </a:pPr>
+            <a:r>
+              <a:rPr lang="en-US" sz="2000" dirty="0"/>
+              <a:t>The capacitor current IC (12 A) leads the voltage by 90 degrees and is positioned in an upward direction, leading the voltage vector by 90 degrees.</a:t>
             </a:r>
           </a:p>
           <a:p>
@@ -8938,71 +11188,14 @@
                 <a:spcPts val="300"/>
               </a:spcAft>
             </a:pPr>
-            <a:r>
-              <a:rPr lang="en-US" sz="2000" b="1" dirty="0">
-                <a:latin typeface="Arial" panose="020B0604020202020204" pitchFamily="34" charset="0"/>
-                <a:cs typeface="Arial" panose="020B0604020202020204" pitchFamily="34" charset="0"/>
-              </a:rPr>
-              <a:t>∑ I=0</a:t>
-            </a:r>
-            <a:r>
-              <a:rPr lang="en-US" sz="2000" b="1" dirty="0"/>
-              <a:t> at any junction</a:t>
-            </a:r>
-            <a:endParaRPr kumimoji="0" lang="en-US" altLang="en-US" sz="2000" b="1" i="0" u="none" strike="noStrike" cap="none" normalizeH="0" baseline="0" dirty="0">
-              <a:ln>
-                <a:noFill/>
-              </a:ln>
-              <a:solidFill>
-                <a:schemeClr val="tx1"/>
-              </a:solidFill>
-              <a:effectLst/>
-              <a:latin typeface="Segoe UI Semibold" panose="020B0702040204020203" pitchFamily="34" charset="0"/>
-              <a:cs typeface="Segoe UI Semibold" panose="020B0702040204020203" pitchFamily="34" charset="0"/>
-            </a:endParaRPr>
-          </a:p>
-        </p:txBody>
-      </p:sp>
-      <p:pic>
-        <p:nvPicPr>
-          <p:cNvPr id="3" name="Picture 2">
-            <a:extLst>
-              <a:ext uri="{FF2B5EF4-FFF2-40B4-BE49-F238E27FC236}">
-                <a16:creationId xmlns:a16="http://schemas.microsoft.com/office/drawing/2014/main" id="{03B172A7-E322-4BD4-A48F-BC230FB20D00}"/>
-              </a:ext>
-            </a:extLst>
-          </p:cNvPr>
-          <p:cNvPicPr>
-            <a:picLocks noChangeAspect="1"/>
-          </p:cNvPicPr>
-          <p:nvPr/>
-        </p:nvPicPr>
-        <p:blipFill>
-          <a:blip r:embed="rId2">
-            <a:extLst>
-              <a:ext uri="{28A0092B-C50C-407E-A947-70E740481C1C}">
-                <a14:useLocalDpi xmlns:a14="http://schemas.microsoft.com/office/drawing/2010/main" val="0"/>
-              </a:ext>
-            </a:extLst>
-          </a:blip>
-          <a:stretch>
-            <a:fillRect/>
-          </a:stretch>
-        </p:blipFill>
-        <p:spPr>
-          <a:xfrm>
-            <a:off x="4307094" y="3146778"/>
-            <a:ext cx="5144218" cy="2791215"/>
-          </a:xfrm>
-          <a:prstGeom prst="rect">
-            <a:avLst/>
-          </a:prstGeom>
-        </p:spPr>
-      </p:pic>
+            <a:endParaRPr lang="en-US" sz="1050" b="1" u="sng" dirty="0"/>
+          </a:p>
+        </p:txBody>
+      </p:sp>
     </p:spTree>
     <p:extLst>
       <p:ext uri="{BB962C8B-B14F-4D97-AF65-F5344CB8AC3E}">
-        <p14:creationId xmlns:p14="http://schemas.microsoft.com/office/powerpoint/2010/main" val="3440782325"/>
+        <p14:creationId xmlns:p14="http://schemas.microsoft.com/office/powerpoint/2010/main" val="1477752673"/>
       </p:ext>
     </p:extLst>
   </p:cSld>
